--- a/ROCNIKOVA_GPU_PREZ.pptx
+++ b/ROCNIKOVA_GPU_PREZ.pptx
@@ -332,7 +332,7 @@
           <a:p>
             <a:fld id="{058ABBF3-49A8-4B3F-9773-22E67695BB12}" type="datetimeFigureOut">
               <a:rPr lang="en-US" smtClean="0"/>
-              <a:t>3/17/2024</a:t>
+              <a:t>4/22/2024</a:t>
             </a:fld>
             <a:endParaRPr lang="en-US" dirty="0"/>
           </a:p>
@@ -509,7 +509,7 @@
           <a:p>
             <a:fld id="{F44AAC2B-A50D-4386-849A-6B59FB991B4C}" type="datetimeFigureOut">
               <a:rPr lang="en-US" smtClean="0"/>
-              <a:t>3/17/2024</a:t>
+              <a:t>4/22/2024</a:t>
             </a:fld>
             <a:endParaRPr lang="en-US" dirty="0"/>
           </a:p>
@@ -23747,15 +23747,6 @@
 </file>
 
 <file path=customXml/item1.xml><?xml version="1.0" encoding="utf-8"?>
-<?mso-contentType ?>
-<FormTemplates xmlns="http://schemas.microsoft.com/sharepoint/v3/contenttype/forms">
-  <Display>DocumentLibraryForm</Display>
-  <Edit>DocumentLibraryForm</Edit>
-  <New>DocumentLibraryForm</New>
-</FormTemplates>
-</file>
-
-<file path=customXml/item2.xml><?xml version="1.0" encoding="utf-8"?>
 <p:properties xmlns:p="http://schemas.microsoft.com/office/2006/metadata/properties" xmlns:xsi="http://www.w3.org/2001/XMLSchema-instance" xmlns:pc="http://schemas.microsoft.com/office/infopath/2007/PartnerControls">
   <documentManagement>
     <Background xmlns="71af3243-3dd4-4a8d-8c0d-dd76da1f02a5">false</Background>
@@ -23773,6 +23764,15 @@
     <MediaServiceKeyPoints xmlns="71af3243-3dd4-4a8d-8c0d-dd76da1f02a5" xsi:nil="true"/>
   </documentManagement>
 </p:properties>
+</file>
+
+<file path=customXml/item2.xml><?xml version="1.0" encoding="utf-8"?>
+<?mso-contentType ?>
+<FormTemplates xmlns="http://schemas.microsoft.com/sharepoint/v3/contenttype/forms">
+  <Display>DocumentLibraryForm</Display>
+  <Edit>DocumentLibraryForm</Edit>
+  <New>DocumentLibraryForm</New>
+</FormTemplates>
 </file>
 
 <file path=customXml/item3.xml><?xml version="1.0" encoding="utf-8"?>
@@ -24088,14 +24088,6 @@
 </file>
 
 <file path=customXml/itemProps1.xml><?xml version="1.0" encoding="utf-8"?>
-<ds:datastoreItem xmlns:ds="http://schemas.openxmlformats.org/officeDocument/2006/customXml" ds:itemID="{8451406B-581B-4C29-A833-E33D8A6AB075}">
-  <ds:schemaRefs>
-    <ds:schemaRef ds:uri="http://schemas.microsoft.com/sharepoint/v3/contenttype/forms"/>
-  </ds:schemaRefs>
-</ds:datastoreItem>
-</file>
-
-<file path=customXml/itemProps2.xml><?xml version="1.0" encoding="utf-8"?>
 <ds:datastoreItem xmlns:ds="http://schemas.openxmlformats.org/officeDocument/2006/customXml" ds:itemID="{0F65614A-92F9-4391-AC3D-F3F5B0704F99}">
   <ds:schemaRefs>
     <ds:schemaRef ds:uri="http://schemas.microsoft.com/office/2006/metadata/properties"/>
@@ -24103,6 +24095,14 @@
     <ds:schemaRef ds:uri="71af3243-3dd4-4a8d-8c0d-dd76da1f02a5"/>
     <ds:schemaRef ds:uri="http://schemas.microsoft.com/sharepoint/v3"/>
     <ds:schemaRef ds:uri="230e9df3-be65-4c73-a93b-d1236ebd677e"/>
+  </ds:schemaRefs>
+</ds:datastoreItem>
+</file>
+
+<file path=customXml/itemProps2.xml><?xml version="1.0" encoding="utf-8"?>
+<ds:datastoreItem xmlns:ds="http://schemas.openxmlformats.org/officeDocument/2006/customXml" ds:itemID="{8451406B-581B-4C29-A833-E33D8A6AB075}">
+  <ds:schemaRefs>
+    <ds:schemaRef ds:uri="http://schemas.microsoft.com/sharepoint/v3/contenttype/forms"/>
   </ds:schemaRefs>
 </ds:datastoreItem>
 </file>

--- a/ROCNIKOVA_GPU_PREZ.pptx
+++ b/ROCNIKOVA_GPU_PREZ.pptx
@@ -5,10 +5,10 @@
     <p:sldMasterId id="2147483648" r:id="rId4"/>
   </p:sldMasterIdLst>
   <p:notesMasterIdLst>
-    <p:notesMasterId r:id="rId21"/>
+    <p:notesMasterId r:id="rId20"/>
   </p:notesMasterIdLst>
   <p:handoutMasterIdLst>
-    <p:handoutMasterId r:id="rId22"/>
+    <p:handoutMasterId r:id="rId21"/>
   </p:handoutMasterIdLst>
   <p:sldIdLst>
     <p:sldId id="256" r:id="rId5"/>
@@ -24,9 +24,8 @@
     <p:sldId id="286" r:id="rId15"/>
     <p:sldId id="278" r:id="rId16"/>
     <p:sldId id="287" r:id="rId17"/>
-    <p:sldId id="288" r:id="rId18"/>
-    <p:sldId id="276" r:id="rId19"/>
-    <p:sldId id="289" r:id="rId20"/>
+    <p:sldId id="276" r:id="rId18"/>
+    <p:sldId id="289" r:id="rId19"/>
   </p:sldIdLst>
   <p:sldSz cx="12192000" cy="6858000"/>
   <p:notesSz cx="6858000" cy="9144000"/>
@@ -166,6 +165,135 @@
 
 <file path=ppt/changesInfos/changesInfo1.xml><?xml version="1.0" encoding="utf-8"?>
 <pc:chgInfo xmlns:a="http://schemas.openxmlformats.org/drawingml/2006/main" xmlns:r="http://schemas.openxmlformats.org/officeDocument/2006/relationships" xmlns:ac="http://schemas.microsoft.com/office/drawing/2013/main/command" xmlns:pc="http://schemas.microsoft.com/office/powerpoint/2013/main/command">
+  <pc:docChgLst>
+    <pc:chgData name="Jetam Adzak" userId="e9381150120ba3b7" providerId="LiveId" clId="{8C32FF50-CC00-47E5-B324-559F002FA7B9}"/>
+    <pc:docChg chg="undo custSel delSld modSld sldOrd">
+      <pc:chgData name="Jetam Adzak" userId="e9381150120ba3b7" providerId="LiveId" clId="{8C32FF50-CC00-47E5-B324-559F002FA7B9}" dt="2024-05-02T15:08:35.089" v="1303" actId="20577"/>
+      <pc:docMkLst>
+        <pc:docMk/>
+      </pc:docMkLst>
+      <pc:sldChg chg="modSp mod">
+        <pc:chgData name="Jetam Adzak" userId="e9381150120ba3b7" providerId="LiveId" clId="{8C32FF50-CC00-47E5-B324-559F002FA7B9}" dt="2024-05-02T15:08:35.089" v="1303" actId="20577"/>
+        <pc:sldMkLst>
+          <pc:docMk/>
+          <pc:sldMk cId="1346372204" sldId="264"/>
+        </pc:sldMkLst>
+        <pc:spChg chg="mod">
+          <ac:chgData name="Jetam Adzak" userId="e9381150120ba3b7" providerId="LiveId" clId="{8C32FF50-CC00-47E5-B324-559F002FA7B9}" dt="2024-05-02T15:08:35.089" v="1303" actId="20577"/>
+          <ac:spMkLst>
+            <pc:docMk/>
+            <pc:sldMk cId="1346372204" sldId="264"/>
+            <ac:spMk id="3" creationId="{033634FE-ADF0-4BC3-A0A9-447EA9DD096B}"/>
+          </ac:spMkLst>
+        </pc:spChg>
+      </pc:sldChg>
+      <pc:sldChg chg="modSp mod">
+        <pc:chgData name="Jetam Adzak" userId="e9381150120ba3b7" providerId="LiveId" clId="{8C32FF50-CC00-47E5-B324-559F002FA7B9}" dt="2024-05-01T09:54:58.290" v="456" actId="1076"/>
+        <pc:sldMkLst>
+          <pc:docMk/>
+          <pc:sldMk cId="2243494996" sldId="277"/>
+        </pc:sldMkLst>
+        <pc:spChg chg="mod">
+          <ac:chgData name="Jetam Adzak" userId="e9381150120ba3b7" providerId="LiveId" clId="{8C32FF50-CC00-47E5-B324-559F002FA7B9}" dt="2024-05-01T09:54:58.290" v="456" actId="1076"/>
+          <ac:spMkLst>
+            <pc:docMk/>
+            <pc:sldMk cId="2243494996" sldId="277"/>
+            <ac:spMk id="2" creationId="{6719F29B-F233-48AF-8261-F33A4E079E3E}"/>
+          </ac:spMkLst>
+        </pc:spChg>
+        <pc:spChg chg="mod">
+          <ac:chgData name="Jetam Adzak" userId="e9381150120ba3b7" providerId="LiveId" clId="{8C32FF50-CC00-47E5-B324-559F002FA7B9}" dt="2024-05-01T09:54:55.980" v="455" actId="14100"/>
+          <ac:spMkLst>
+            <pc:docMk/>
+            <pc:sldMk cId="2243494996" sldId="277"/>
+            <ac:spMk id="3" creationId="{35E3EA69-4E0E-41BD-8095-A124225A2647}"/>
+          </ac:spMkLst>
+        </pc:spChg>
+      </pc:sldChg>
+      <pc:sldChg chg="ord">
+        <pc:chgData name="Jetam Adzak" userId="e9381150120ba3b7" providerId="LiveId" clId="{8C32FF50-CC00-47E5-B324-559F002FA7B9}" dt="2024-05-01T08:58:28.378" v="3"/>
+        <pc:sldMkLst>
+          <pc:docMk/>
+          <pc:sldMk cId="979006609" sldId="279"/>
+        </pc:sldMkLst>
+      </pc:sldChg>
+      <pc:sldChg chg="modSp mod">
+        <pc:chgData name="Jetam Adzak" userId="e9381150120ba3b7" providerId="LiveId" clId="{8C32FF50-CC00-47E5-B324-559F002FA7B9}" dt="2024-05-01T11:25:14.591" v="1225" actId="2711"/>
+        <pc:sldMkLst>
+          <pc:docMk/>
+          <pc:sldMk cId="2945236607" sldId="282"/>
+        </pc:sldMkLst>
+        <pc:spChg chg="mod">
+          <ac:chgData name="Jetam Adzak" userId="e9381150120ba3b7" providerId="LiveId" clId="{8C32FF50-CC00-47E5-B324-559F002FA7B9}" dt="2024-05-01T11:25:14.591" v="1225" actId="2711"/>
+          <ac:spMkLst>
+            <pc:docMk/>
+            <pc:sldMk cId="2945236607" sldId="282"/>
+            <ac:spMk id="4" creationId="{67D16960-58C9-651F-2793-349CED3B04EC}"/>
+          </ac:spMkLst>
+        </pc:spChg>
+      </pc:sldChg>
+      <pc:sldChg chg="modSp mod">
+        <pc:chgData name="Jetam Adzak" userId="e9381150120ba3b7" providerId="LiveId" clId="{8C32FF50-CC00-47E5-B324-559F002FA7B9}" dt="2024-05-01T11:21:42.488" v="1136" actId="14100"/>
+        <pc:sldMkLst>
+          <pc:docMk/>
+          <pc:sldMk cId="3870670037" sldId="283"/>
+        </pc:sldMkLst>
+        <pc:spChg chg="mod">
+          <ac:chgData name="Jetam Adzak" userId="e9381150120ba3b7" providerId="LiveId" clId="{8C32FF50-CC00-47E5-B324-559F002FA7B9}" dt="2024-05-01T11:21:30.221" v="1130" actId="14100"/>
+          <ac:spMkLst>
+            <pc:docMk/>
+            <pc:sldMk cId="3870670037" sldId="283"/>
+            <ac:spMk id="2" creationId="{722B6481-6761-FE25-5AB9-D9B90CC5B13A}"/>
+          </ac:spMkLst>
+        </pc:spChg>
+        <pc:spChg chg="mod">
+          <ac:chgData name="Jetam Adzak" userId="e9381150120ba3b7" providerId="LiveId" clId="{8C32FF50-CC00-47E5-B324-559F002FA7B9}" dt="2024-05-01T11:21:42.488" v="1136" actId="14100"/>
+          <ac:spMkLst>
+            <pc:docMk/>
+            <pc:sldMk cId="3870670037" sldId="283"/>
+            <ac:spMk id="4" creationId="{4173006D-8774-183E-FE1E-5CB00814E219}"/>
+          </ac:spMkLst>
+        </pc:spChg>
+      </pc:sldChg>
+      <pc:sldChg chg="modSp mod">
+        <pc:chgData name="Jetam Adzak" userId="e9381150120ba3b7" providerId="LiveId" clId="{8C32FF50-CC00-47E5-B324-559F002FA7B9}" dt="2024-05-01T12:17:55.940" v="1279" actId="20577"/>
+        <pc:sldMkLst>
+          <pc:docMk/>
+          <pc:sldMk cId="3978263284" sldId="284"/>
+        </pc:sldMkLst>
+        <pc:spChg chg="mod">
+          <ac:chgData name="Jetam Adzak" userId="e9381150120ba3b7" providerId="LiveId" clId="{8C32FF50-CC00-47E5-B324-559F002FA7B9}" dt="2024-05-01T12:17:55.940" v="1279" actId="20577"/>
+          <ac:spMkLst>
+            <pc:docMk/>
+            <pc:sldMk cId="3978263284" sldId="284"/>
+            <ac:spMk id="4" creationId="{B973C373-AEA2-54CF-B23F-2B10238F9E30}"/>
+          </ac:spMkLst>
+        </pc:spChg>
+      </pc:sldChg>
+      <pc:sldChg chg="del">
+        <pc:chgData name="Jetam Adzak" userId="e9381150120ba3b7" providerId="LiveId" clId="{8C32FF50-CC00-47E5-B324-559F002FA7B9}" dt="2024-05-01T10:52:22.920" v="475" actId="47"/>
+        <pc:sldMkLst>
+          <pc:docMk/>
+          <pc:sldMk cId="3031972281" sldId="288"/>
+        </pc:sldMkLst>
+      </pc:sldChg>
+      <pc:sldChg chg="modSp mod">
+        <pc:chgData name="Jetam Adzak" userId="e9381150120ba3b7" providerId="LiveId" clId="{8C32FF50-CC00-47E5-B324-559F002FA7B9}" dt="2024-05-01T10:52:43.367" v="478" actId="20577"/>
+        <pc:sldMkLst>
+          <pc:docMk/>
+          <pc:sldMk cId="1680597229" sldId="289"/>
+        </pc:sldMkLst>
+        <pc:spChg chg="mod">
+          <ac:chgData name="Jetam Adzak" userId="e9381150120ba3b7" providerId="LiveId" clId="{8C32FF50-CC00-47E5-B324-559F002FA7B9}" dt="2024-05-01T10:52:43.367" v="478" actId="20577"/>
+          <ac:spMkLst>
+            <pc:docMk/>
+            <pc:sldMk cId="1680597229" sldId="289"/>
+            <ac:spMk id="2" creationId="{72A0C4AB-C525-2090-EF05-FF6CB531F276}"/>
+          </ac:spMkLst>
+        </pc:spChg>
+      </pc:sldChg>
+    </pc:docChg>
+  </pc:docChgLst>
   <pc:docChgLst>
     <pc:chgData name="Jetam Adzak" userId="e9381150120ba3b7" providerId="LiveId" clId="{6E099CDB-8226-423C-9221-8D5D82F0F3C9}"/>
     <pc:docChg chg="undo custSel modSld">
@@ -332,7 +460,7 @@
           <a:p>
             <a:fld id="{058ABBF3-49A8-4B3F-9773-22E67695BB12}" type="datetimeFigureOut">
               <a:rPr lang="en-US" smtClean="0"/>
-              <a:t>4/22/2024</a:t>
+              <a:t>5/2/2024</a:t>
             </a:fld>
             <a:endParaRPr lang="en-US" dirty="0"/>
           </a:p>
@@ -509,7 +637,7 @@
           <a:p>
             <a:fld id="{F44AAC2B-A50D-4386-849A-6B59FB991B4C}" type="datetimeFigureOut">
               <a:rPr lang="en-US" smtClean="0"/>
-              <a:t>4/22/2024</a:t>
+              <a:t>5/2/2024</a:t>
             </a:fld>
             <a:endParaRPr lang="en-US" dirty="0"/>
           </a:p>
@@ -1093,7 +1221,7 @@
           <a:p>
             <a:fld id="{10895658-EA1F-4910-80AB-4DA76E167475}" type="slidenum">
               <a:rPr lang="en-US" smtClean="0"/>
-              <a:t>15</a:t>
+              <a:t>14</a:t>
             </a:fld>
             <a:endParaRPr lang="en-US" dirty="0"/>
           </a:p>
@@ -21280,120 +21408,6 @@
           <p:cNvPr id="2" name="Title 1">
             <a:extLst>
               <a:ext uri="{FF2B5EF4-FFF2-40B4-BE49-F238E27FC236}">
-                <a16:creationId xmlns:a16="http://schemas.microsoft.com/office/drawing/2014/main" id="{9F303632-C82E-6E3C-CDB2-B49C2F5643D6}"/>
-              </a:ext>
-            </a:extLst>
-          </p:cNvPr>
-          <p:cNvSpPr>
-            <a:spLocks noGrp="1"/>
-          </p:cNvSpPr>
-          <p:nvPr>
-            <p:ph type="title"/>
-          </p:nvPr>
-        </p:nvSpPr>
-        <p:spPr/>
-        <p:txBody>
-          <a:bodyPr/>
-          <a:lstStyle/>
-          <a:p>
-            <a:r>
-              <a:rPr lang="sk-SK" dirty="0" err="1"/>
-              <a:t>Faq</a:t>
-            </a:r>
-            <a:endParaRPr lang="en-US" dirty="0"/>
-          </a:p>
-        </p:txBody>
-      </p:sp>
-      <p:sp>
-        <p:nvSpPr>
-          <p:cNvPr id="3" name="Slide Number Placeholder 2">
-            <a:extLst>
-              <a:ext uri="{FF2B5EF4-FFF2-40B4-BE49-F238E27FC236}">
-                <a16:creationId xmlns:a16="http://schemas.microsoft.com/office/drawing/2014/main" id="{1E030150-411D-461E-85A7-911A2F1EED68}"/>
-              </a:ext>
-            </a:extLst>
-          </p:cNvPr>
-          <p:cNvSpPr>
-            <a:spLocks noGrp="1"/>
-          </p:cNvSpPr>
-          <p:nvPr>
-            <p:ph type="sldNum" sz="quarter" idx="12"/>
-          </p:nvPr>
-        </p:nvSpPr>
-        <p:spPr/>
-        <p:txBody>
-          <a:bodyPr/>
-          <a:lstStyle/>
-          <a:p>
-            <a:fld id="{B5CEABB6-07DC-46E8-9B57-56EC44A396E5}" type="slidenum">
-              <a:rPr lang="en-US" smtClean="0"/>
-              <a:pPr/>
-              <a:t>14</a:t>
-            </a:fld>
-            <a:endParaRPr lang="en-US" dirty="0"/>
-          </a:p>
-        </p:txBody>
-      </p:sp>
-      <p:sp>
-        <p:nvSpPr>
-          <p:cNvPr id="4" name="Content Placeholder 3">
-            <a:extLst>
-              <a:ext uri="{FF2B5EF4-FFF2-40B4-BE49-F238E27FC236}">
-                <a16:creationId xmlns:a16="http://schemas.microsoft.com/office/drawing/2014/main" id="{34AA0C94-6C51-BD6B-1CAB-7BEEEB817D08}"/>
-              </a:ext>
-            </a:extLst>
-          </p:cNvPr>
-          <p:cNvSpPr>
-            <a:spLocks noGrp="1"/>
-          </p:cNvSpPr>
-          <p:nvPr>
-            <p:ph sz="half" idx="14"/>
-          </p:nvPr>
-        </p:nvSpPr>
-        <p:spPr/>
-        <p:txBody>
-          <a:bodyPr/>
-          <a:lstStyle/>
-          <a:p>
-            <a:endParaRPr lang="en-US" dirty="0"/>
-          </a:p>
-        </p:txBody>
-      </p:sp>
-    </p:spTree>
-    <p:extLst>
-      <p:ext uri="{BB962C8B-B14F-4D97-AF65-F5344CB8AC3E}">
-        <p14:creationId xmlns:p14="http://schemas.microsoft.com/office/powerpoint/2010/main" val="3031972281"/>
-      </p:ext>
-    </p:extLst>
-  </p:cSld>
-  <p:clrMapOvr>
-    <a:masterClrMapping/>
-  </p:clrMapOvr>
-</p:sld>
-</file>
-
-<file path=ppt/slides/slide15.xml><?xml version="1.0" encoding="utf-8"?>
-<p:sld xmlns:a="http://schemas.openxmlformats.org/drawingml/2006/main" xmlns:r="http://schemas.openxmlformats.org/officeDocument/2006/relationships" xmlns:p="http://schemas.openxmlformats.org/presentationml/2006/main">
-  <p:cSld>
-    <p:spTree>
-      <p:nvGrpSpPr>
-        <p:cNvPr id="1" name=""/>
-        <p:cNvGrpSpPr/>
-        <p:nvPr/>
-      </p:nvGrpSpPr>
-      <p:grpSpPr>
-        <a:xfrm>
-          <a:off x="0" y="0"/>
-          <a:ext cx="0" cy="0"/>
-          <a:chOff x="0" y="0"/>
-          <a:chExt cx="0" cy="0"/>
-        </a:xfrm>
-      </p:grpSpPr>
-      <p:sp>
-        <p:nvSpPr>
-          <p:cNvPr id="2" name="Title 1">
-            <a:extLst>
-              <a:ext uri="{FF2B5EF4-FFF2-40B4-BE49-F238E27FC236}">
                 <a16:creationId xmlns:a16="http://schemas.microsoft.com/office/drawing/2014/main" id="{BCCAEE93-8585-46D4-A7EC-F184E317CB2E}"/>
               </a:ext>
             </a:extLst>
@@ -21488,7 +21502,7 @@
 </p:sld>
 </file>
 
-<file path=ppt/slides/slide16.xml><?xml version="1.0" encoding="utf-8"?>
+<file path=ppt/slides/slide15.xml><?xml version="1.0" encoding="utf-8"?>
 <p:sld xmlns:a="http://schemas.openxmlformats.org/drawingml/2006/main" xmlns:r="http://schemas.openxmlformats.org/officeDocument/2006/relationships" xmlns:p="http://schemas.openxmlformats.org/presentationml/2006/main">
   <p:cSld>
     <p:spTree>
@@ -21528,7 +21542,7 @@
           <a:p>
             <a:r>
               <a:rPr lang="sk-SK" dirty="0"/>
-              <a:t>Zdroje a referencie</a:t>
+              <a:t>Zdroje</a:t>
             </a:r>
             <a:endParaRPr lang="en-US" dirty="0"/>
           </a:p>
@@ -21607,8 +21621,8 @@
         </p:nvSpPr>
         <p:spPr>
           <a:xfrm>
-            <a:off x="4933950" y="429461"/>
-            <a:ext cx="6343650" cy="1770275"/>
+            <a:off x="4943476" y="879894"/>
+            <a:ext cx="6343650" cy="836762"/>
           </a:xfrm>
         </p:spPr>
         <p:txBody>
@@ -21643,86 +21657,75 @@
         </p:nvSpPr>
         <p:spPr>
           <a:xfrm>
-            <a:off x="4938713" y="2344848"/>
-            <a:ext cx="6338887" cy="4011502"/>
+            <a:off x="4943476" y="2493034"/>
+            <a:ext cx="6338887" cy="3863316"/>
           </a:xfrm>
         </p:spPr>
         <p:txBody>
           <a:bodyPr>
-            <a:normAutofit fontScale="70000" lnSpcReduction="20000"/>
+            <a:normAutofit/>
           </a:bodyPr>
           <a:lstStyle/>
           <a:p>
+            <a:pPr marL="342900" indent="-342900">
+              <a:buFont typeface="Arial" panose="020B0604020202020204" pitchFamily="34" charset="0"/>
+              <a:buChar char="•"/>
+            </a:pPr>
             <a:r>
               <a:rPr lang="sk-SK" dirty="0"/>
               <a:t>Využitie GPU v dnešnom svete:</a:t>
             </a:r>
-            <a:br>
-              <a:rPr lang="sk-SK" dirty="0"/>
-            </a:br>
-            <a:r>
-              <a:rPr lang="sk-SK" dirty="0"/>
-              <a:t>- Grafika pre hranie</a:t>
-            </a:r>
           </a:p>
           <a:p>
+            <a:pPr marL="800100" lvl="1" indent="-342900"/>
             <a:r>
               <a:rPr lang="sk-SK" dirty="0"/>
-              <a:t>- Výpočtová sila</a:t>
+              <a:t>Grafika pre hranie</a:t>
             </a:r>
           </a:p>
           <a:p>
+            <a:pPr marL="800100" lvl="1" indent="-342900"/>
             <a:r>
               <a:rPr lang="sk-SK" dirty="0"/>
-              <a:t>- AI</a:t>
-            </a:r>
-            <a:br>
+              <a:t>Výpočtová sila</a:t>
+            </a:r>
+          </a:p>
+          <a:p>
+            <a:pPr marL="800100" lvl="1" indent="-342900"/>
+            <a:r>
               <a:rPr lang="sk-SK" dirty="0"/>
-            </a:br>
+              <a:t>AI</a:t>
+            </a:r>
+          </a:p>
+          <a:p>
+            <a:pPr marL="800100" lvl="1" indent="-342900"/>
             <a:r>
               <a:rPr lang="sk-SK" dirty="0"/>
-              <a:t>- Renderovanie a Editovanie</a:t>
-            </a:r>
-            <a:br>
-              <a:rPr lang="sk-SK" dirty="0"/>
-            </a:br>
-            <a:r>
-              <a:rPr lang="sk-SK" dirty="0"/>
-              <a:t>Dopad výberu správnej GPU: </a:t>
-            </a:r>
-            <a:br>
-              <a:rPr lang="sk-SK" dirty="0"/>
-            </a:br>
-            <a:r>
-              <a:rPr lang="sk-SK" dirty="0"/>
-              <a:t>- Výkon</a:t>
-            </a:r>
-            <a:br>
-              <a:rPr lang="sk-SK" dirty="0"/>
-            </a:br>
-            <a:r>
-              <a:rPr lang="sk-SK" dirty="0"/>
-              <a:t>- Efektivita</a:t>
-            </a:r>
-            <a:br>
-              <a:rPr lang="sk-SK" dirty="0"/>
-            </a:br>
+              <a:t>Renderovanie a Editovanie</a:t>
+            </a:r>
+          </a:p>
+          <a:p>
+            <a:pPr marL="342900" indent="-342900">
+              <a:buFont typeface="Arial" panose="020B0604020202020204" pitchFamily="34" charset="0"/>
+              <a:buChar char="•"/>
+            </a:pPr>
             <a:r>
               <a:rPr lang="sk-SK" dirty="0"/>
               <a:t>Najznámejší výrobcovia: </a:t>
             </a:r>
-            <a:br>
-              <a:rPr lang="sk-SK" dirty="0"/>
-            </a:br>
-            <a:r>
-              <a:rPr lang="sk-SK" dirty="0"/>
-              <a:t>- NVIDIA</a:t>
-            </a:r>
           </a:p>
           <a:p>
+            <a:pPr marL="800100" lvl="1" indent="-342900"/>
             <a:r>
               <a:rPr lang="sk-SK" dirty="0"/>
-              <a:t>- AMD</a:t>
+              <a:t>NVIDIA</a:t>
+            </a:r>
+          </a:p>
+          <a:p>
+            <a:pPr marL="800100" lvl="1" indent="-342900"/>
+            <a:r>
+              <a:rPr lang="sk-SK" dirty="0"/>
+              <a:t>AMD</a:t>
             </a:r>
           </a:p>
         </p:txBody>
@@ -21859,13 +21862,13 @@
         </p:nvSpPr>
         <p:spPr>
           <a:xfrm>
-            <a:off x="3803953" y="2254313"/>
-            <a:ext cx="7615274" cy="3982975"/>
+            <a:off x="3803953" y="3010619"/>
+            <a:ext cx="7615274" cy="3226669"/>
           </a:xfrm>
         </p:spPr>
         <p:txBody>
           <a:bodyPr>
-            <a:normAutofit/>
+            <a:normAutofit fontScale="77500" lnSpcReduction="20000"/>
           </a:bodyPr>
           <a:lstStyle/>
           <a:p>
@@ -21878,19 +21881,47 @@
             <a:pPr lvl="1"/>
             <a:r>
               <a:rPr lang="sk-SK" dirty="0"/>
-              <a:t>GPU je špecializovaný čip určený na rýchle spracovanie grafiky a dát, ktorý sa využíva hlavne v počítačových hrách, umelom intelekte a vedeckých výpočtoch.</a:t>
-            </a:r>
-          </a:p>
-          <a:p>
-            <a:r>
-              <a:rPr lang="sk-SK" dirty="0"/>
-              <a:t>Z čoho sa skladá GPU</a:t>
+              <a:t>GPU je špecializovaný čip určený na rýchle spracovanie grafiky, dát a výpočtov spojených s vizualizáciou.</a:t>
             </a:r>
           </a:p>
           <a:p>
             <a:pPr lvl="1"/>
             <a:r>
               <a:rPr lang="sk-SK" dirty="0"/>
+              <a:t>Využíva hlavne v počítačových hrách, umelej inteligencií a vedeckých výpočtoch.</a:t>
+            </a:r>
+          </a:p>
+          <a:p>
+            <a:pPr marL="400050" lvl="1" indent="323850" algn="just">
+              <a:lnSpc>
+                <a:spcPct val="150000"/>
+              </a:lnSpc>
+              <a:spcBef>
+                <a:spcPts val="600"/>
+              </a:spcBef>
+              <a:spcAft>
+                <a:spcPts val="600"/>
+              </a:spcAft>
+            </a:pPr>
+            <a:r>
+              <a:rPr lang="sk-SK" dirty="0">
+                <a:effectLst/>
+                <a:ea typeface="Times New Roman" panose="02020603050405020304" pitchFamily="18" charset="0"/>
+              </a:rPr>
+              <a:t>Je to základná súčasť počítaču a je zodpovedná za rýchle vykresľovanie obrázkov, videí a 3D grafiky.</a:t>
+            </a:r>
+            <a:endParaRPr lang="sk-SK" dirty="0"/>
+          </a:p>
+          <a:p>
+            <a:r>
+              <a:rPr lang="sk-SK" dirty="0"/>
+              <a:t>Z čoho sa skladá GPU</a:t>
+            </a:r>
+          </a:p>
+          <a:p>
+            <a:pPr lvl="1"/>
+            <a:r>
+              <a:rPr lang="sk-SK" dirty="0"/>
               <a:t>Jadro, TMU, ROP, cache, </a:t>
             </a:r>
             <a:r>
@@ -21900,12 +21931,6 @@
             <a:r>
               <a:rPr lang="sk-SK" dirty="0"/>
               <a:t>, video kódovacie jednotky...</a:t>
-            </a:r>
-          </a:p>
-          <a:p>
-            <a:r>
-              <a:rPr lang="sk-SK" dirty="0"/>
-              <a:t>Vývoj použitia GPU</a:t>
             </a:r>
           </a:p>
           <a:p>
@@ -21994,7 +22019,12 @@
             <p:ph type="title"/>
           </p:nvPr>
         </p:nvSpPr>
-        <p:spPr/>
+        <p:spPr>
+          <a:xfrm>
+            <a:off x="3803953" y="274995"/>
+            <a:ext cx="7606895" cy="1381278"/>
+          </a:xfrm>
+        </p:spPr>
         <p:txBody>
           <a:bodyPr/>
           <a:lstStyle/>
@@ -22048,143 +22078,85 @@
             <p:ph sz="half" idx="16"/>
           </p:nvPr>
         </p:nvSpPr>
-        <p:spPr/>
+        <p:spPr>
+          <a:xfrm>
+            <a:off x="3803953" y="1742537"/>
+            <a:ext cx="7615274" cy="4613814"/>
+          </a:xfrm>
+        </p:spPr>
         <p:txBody>
-          <a:bodyPr/>
+          <a:bodyPr>
+            <a:normAutofit/>
+          </a:bodyPr>
           <a:lstStyle/>
           <a:p>
             <a:r>
-              <a:rPr lang="en-US" dirty="0" err="1"/>
-              <a:t>Krátke</a:t>
-            </a:r>
-            <a:r>
-              <a:rPr lang="en-US" dirty="0"/>
-              <a:t> body o tom, </a:t>
-            </a:r>
-            <a:r>
-              <a:rPr lang="en-US" dirty="0" err="1"/>
-              <a:t>ako</a:t>
-            </a:r>
-            <a:r>
-              <a:rPr lang="en-US" dirty="0"/>
-              <a:t> </a:t>
-            </a:r>
-            <a:r>
-              <a:rPr lang="en-US" dirty="0" err="1"/>
-              <a:t>správny</a:t>
-            </a:r>
-            <a:r>
-              <a:rPr lang="en-US" dirty="0"/>
-              <a:t> GPU </a:t>
-            </a:r>
-            <a:r>
-              <a:rPr lang="en-US" dirty="0" err="1"/>
-              <a:t>ovplyvňuje</a:t>
-            </a:r>
-            <a:r>
-              <a:rPr lang="en-US" dirty="0"/>
-              <a:t> </a:t>
-            </a:r>
-            <a:r>
-              <a:rPr lang="en-US" dirty="0" err="1"/>
-              <a:t>výkon</a:t>
-            </a:r>
-            <a:r>
-              <a:rPr lang="en-US" dirty="0"/>
-              <a:t>, </a:t>
-            </a:r>
-            <a:r>
-              <a:rPr lang="en-US" dirty="0" err="1"/>
-              <a:t>efektivitu</a:t>
-            </a:r>
-            <a:r>
-              <a:rPr lang="en-US" dirty="0"/>
-              <a:t> a </a:t>
-            </a:r>
-            <a:r>
-              <a:rPr lang="en-US" dirty="0" err="1"/>
-              <a:t>spokojnosť</a:t>
-            </a:r>
-            <a:r>
-              <a:rPr lang="en-US" dirty="0"/>
-              <a:t> v </a:t>
-            </a:r>
-            <a:r>
-              <a:rPr lang="en-US" dirty="0" err="1"/>
-              <a:t>rôznych</a:t>
-            </a:r>
-            <a:r>
-              <a:rPr lang="en-US" dirty="0"/>
-              <a:t> </a:t>
-            </a:r>
-            <a:r>
-              <a:rPr lang="en-US" dirty="0" err="1"/>
-              <a:t>aplikáciách</a:t>
-            </a:r>
-            <a:r>
-              <a:rPr lang="en-US" dirty="0"/>
-              <a:t> (</a:t>
-            </a:r>
-            <a:r>
-              <a:rPr lang="en-US" dirty="0" err="1"/>
-              <a:t>napríklad</a:t>
-            </a:r>
-            <a:r>
-              <a:rPr lang="en-US" dirty="0"/>
-              <a:t> </a:t>
-            </a:r>
-            <a:r>
-              <a:rPr lang="en-US" dirty="0" err="1"/>
-              <a:t>hry</a:t>
-            </a:r>
-            <a:r>
-              <a:rPr lang="en-US" dirty="0"/>
-              <a:t>, </a:t>
-            </a:r>
-            <a:r>
-              <a:rPr lang="en-US" dirty="0" err="1"/>
-              <a:t>vytváranie</a:t>
-            </a:r>
-            <a:r>
-              <a:rPr lang="en-US" dirty="0"/>
-              <a:t> </a:t>
-            </a:r>
-            <a:r>
-              <a:rPr lang="en-US" dirty="0" err="1"/>
-              <a:t>obsahu</a:t>
-            </a:r>
-            <a:r>
-              <a:rPr lang="en-US" dirty="0"/>
-              <a:t> a </a:t>
-            </a:r>
-            <a:r>
-              <a:rPr lang="en-US" dirty="0" err="1"/>
-              <a:t>vedu</a:t>
-            </a:r>
-            <a:r>
-              <a:rPr lang="en-US" dirty="0"/>
-              <a:t> o </a:t>
-            </a:r>
-            <a:r>
-              <a:rPr lang="en-US" dirty="0" err="1"/>
-              <a:t>údajoch</a:t>
-            </a:r>
-            <a:r>
-              <a:rPr lang="en-US" dirty="0"/>
-              <a:t>).</a:t>
-            </a:r>
-            <a:r>
               <a:rPr lang="sk-SK" dirty="0"/>
-              <a:t> </a:t>
-            </a:r>
-            <a:br>
+              <a:t>Výber správnej GPU je veľmi dôležitý z niekoľkých dôvodov</a:t>
+            </a:r>
+          </a:p>
+          <a:p>
+            <a:pPr lvl="1"/>
+            <a:r>
+              <a:rPr lang="sk-SK" b="1" dirty="0"/>
+              <a:t>Kompatibilita: </a:t>
+            </a:r>
+            <a:r>
               <a:rPr lang="sk-SK" dirty="0"/>
-            </a:br>
+              <a:t>je treba uistiť sa pri výbere či je karta kompatibilná s ostatnými komponentami</a:t>
+            </a:r>
+          </a:p>
+          <a:p>
+            <a:pPr lvl="2"/>
+            <a:r>
+              <a:rPr lang="sk-SK" b="1" dirty="0"/>
+              <a:t>Fyzicky:</a:t>
+            </a:r>
+            <a:r>
+              <a:rPr lang="sk-SK" dirty="0"/>
+              <a:t> treba sa uistiť či budú pasovať všetky konektory na káble a zároveň či je vo vybranej skrini dosť miesta </a:t>
+            </a:r>
+          </a:p>
+          <a:p>
+            <a:pPr lvl="3"/>
+            <a:r>
+              <a:rPr lang="sk-SK" dirty="0"/>
+              <a:t>Niektoré počítačové skrine majú dosť miesta aj na dve menšie GPU</a:t>
+            </a:r>
+          </a:p>
+          <a:p>
+            <a:pPr lvl="2"/>
+            <a:r>
+              <a:rPr lang="sk-SK" b="1" dirty="0"/>
+              <a:t>Software:</a:t>
+            </a:r>
+            <a:r>
+              <a:rPr lang="sk-SK" dirty="0"/>
+              <a:t> nie všetky GPU sú kompatibilné so všetkými operačnými systémami alebo sa zníži efektivita kvôli GPU alebo inému komponentu z počítača</a:t>
+            </a:r>
+          </a:p>
+          <a:p>
+            <a:pPr lvl="3"/>
             <a:r>
               <a:rPr lang="sk-SK" dirty="0" err="1"/>
               <a:t>Bottleneck</a:t>
             </a:r>
-            <a:endParaRPr lang="en-US" dirty="0"/>
+            <a:r>
+              <a:rPr lang="sk-SK" dirty="0"/>
+              <a:t>: je to situácia kedy je jeden komponent v počítači príliš slabý oproti zvyšku komponentov a </a:t>
+            </a:r>
+            <a:r>
+              <a:rPr lang="sk-SK" dirty="0" err="1"/>
+              <a:t>týmpádom</a:t>
+            </a:r>
+            <a:r>
+              <a:rPr lang="sk-SK" dirty="0"/>
+              <a:t> obmedzuje zvyšok PC</a:t>
+            </a:r>
+          </a:p>
+          <a:p>
+            <a:pPr lvl="2"/>
+            <a:endParaRPr lang="en-US" b="1" dirty="0"/>
           </a:p>
         </p:txBody>
       </p:sp>
@@ -22311,6 +22283,12 @@
           <a:lstStyle/>
           <a:p>
             <a:r>
+              <a:rPr lang="sk-SK"/>
+              <a:t>Výkon:</a:t>
+            </a:r>
+          </a:p>
+          <a:p>
+            <a:r>
               <a:rPr lang="sk-SK" dirty="0"/>
               <a:t>Výkon: Uviesť benchmarky, hranie v reálnom svete a profesionálne pracovné zaťaženie.</a:t>
             </a:r>
@@ -22486,6 +22464,22 @@
               <a:rPr lang="sk-SK" dirty="0"/>
               <a:t>Zabezpečenie do budúcnosti: VRAM, porty a podpora novej technológie.</a:t>
             </a:r>
+          </a:p>
+          <a:p>
+            <a:r>
+              <a:rPr lang="sk-SK" dirty="0"/>
+              <a:t>Kupovať z overených zdrojov ako sú </a:t>
+            </a:r>
+            <a:r>
+              <a:rPr lang="sk-SK" dirty="0" err="1"/>
+              <a:t>Nvidia</a:t>
+            </a:r>
+            <a:r>
+              <a:rPr lang="sk-SK" dirty="0"/>
+              <a:t> a AMD</a:t>
+            </a:r>
+          </a:p>
+          <a:p>
             <a:endParaRPr lang="en-US" dirty="0"/>
           </a:p>
           <a:p>
@@ -23747,6 +23741,15 @@
 </file>
 
 <file path=customXml/item1.xml><?xml version="1.0" encoding="utf-8"?>
+<?mso-contentType ?>
+<FormTemplates xmlns="http://schemas.microsoft.com/sharepoint/v3/contenttype/forms">
+  <Display>DocumentLibraryForm</Display>
+  <Edit>DocumentLibraryForm</Edit>
+  <New>DocumentLibraryForm</New>
+</FormTemplates>
+</file>
+
+<file path=customXml/item2.xml><?xml version="1.0" encoding="utf-8"?>
 <p:properties xmlns:p="http://schemas.microsoft.com/office/2006/metadata/properties" xmlns:xsi="http://www.w3.org/2001/XMLSchema-instance" xmlns:pc="http://schemas.microsoft.com/office/infopath/2007/PartnerControls">
   <documentManagement>
     <Background xmlns="71af3243-3dd4-4a8d-8c0d-dd76da1f02a5">false</Background>
@@ -23764,15 +23767,6 @@
     <MediaServiceKeyPoints xmlns="71af3243-3dd4-4a8d-8c0d-dd76da1f02a5" xsi:nil="true"/>
   </documentManagement>
 </p:properties>
-</file>
-
-<file path=customXml/item2.xml><?xml version="1.0" encoding="utf-8"?>
-<?mso-contentType ?>
-<FormTemplates xmlns="http://schemas.microsoft.com/sharepoint/v3/contenttype/forms">
-  <Display>DocumentLibraryForm</Display>
-  <Edit>DocumentLibraryForm</Edit>
-  <New>DocumentLibraryForm</New>
-</FormTemplates>
 </file>
 
 <file path=customXml/item3.xml><?xml version="1.0" encoding="utf-8"?>
@@ -24088,6 +24082,14 @@
 </file>
 
 <file path=customXml/itemProps1.xml><?xml version="1.0" encoding="utf-8"?>
+<ds:datastoreItem xmlns:ds="http://schemas.openxmlformats.org/officeDocument/2006/customXml" ds:itemID="{8451406B-581B-4C29-A833-E33D8A6AB075}">
+  <ds:schemaRefs>
+    <ds:schemaRef ds:uri="http://schemas.microsoft.com/sharepoint/v3/contenttype/forms"/>
+  </ds:schemaRefs>
+</ds:datastoreItem>
+</file>
+
+<file path=customXml/itemProps2.xml><?xml version="1.0" encoding="utf-8"?>
 <ds:datastoreItem xmlns:ds="http://schemas.openxmlformats.org/officeDocument/2006/customXml" ds:itemID="{0F65614A-92F9-4391-AC3D-F3F5B0704F99}">
   <ds:schemaRefs>
     <ds:schemaRef ds:uri="http://schemas.microsoft.com/office/2006/metadata/properties"/>
@@ -24095,14 +24097,6 @@
     <ds:schemaRef ds:uri="71af3243-3dd4-4a8d-8c0d-dd76da1f02a5"/>
     <ds:schemaRef ds:uri="http://schemas.microsoft.com/sharepoint/v3"/>
     <ds:schemaRef ds:uri="230e9df3-be65-4c73-a93b-d1236ebd677e"/>
-  </ds:schemaRefs>
-</ds:datastoreItem>
-</file>
-
-<file path=customXml/itemProps2.xml><?xml version="1.0" encoding="utf-8"?>
-<ds:datastoreItem xmlns:ds="http://schemas.openxmlformats.org/officeDocument/2006/customXml" ds:itemID="{8451406B-581B-4C29-A833-E33D8A6AB075}">
-  <ds:schemaRefs>
-    <ds:schemaRef ds:uri="http://schemas.microsoft.com/sharepoint/v3/contenttype/forms"/>
   </ds:schemaRefs>
 </ds:datastoreItem>
 </file>

--- a/ROCNIKOVA_GPU_PREZ.pptx
+++ b/ROCNIKOVA_GPU_PREZ.pptx
@@ -17,9 +17,9 @@
     <p:sldId id="283" r:id="rId8"/>
     <p:sldId id="264" r:id="rId9"/>
     <p:sldId id="284" r:id="rId10"/>
-    <p:sldId id="279" r:id="rId11"/>
-    <p:sldId id="280" r:id="rId12"/>
-    <p:sldId id="281" r:id="rId13"/>
+    <p:sldId id="291" r:id="rId11"/>
+    <p:sldId id="293" r:id="rId12"/>
+    <p:sldId id="280" r:id="rId13"/>
     <p:sldId id="285" r:id="rId14"/>
     <p:sldId id="286" r:id="rId15"/>
     <p:sldId id="278" r:id="rId16"/>
@@ -166,6 +166,75 @@
 <file path=ppt/changesInfos/changesInfo1.xml><?xml version="1.0" encoding="utf-8"?>
 <pc:chgInfo xmlns:a="http://schemas.openxmlformats.org/drawingml/2006/main" xmlns:r="http://schemas.openxmlformats.org/officeDocument/2006/relationships" xmlns:ac="http://schemas.microsoft.com/office/drawing/2013/main/command" xmlns:pc="http://schemas.microsoft.com/office/powerpoint/2013/main/command">
   <pc:docChgLst>
+    <pc:chgData name="Jetam Adzak" userId="e9381150120ba3b7" providerId="LiveId" clId="{6E099CDB-8226-423C-9221-8D5D82F0F3C9}"/>
+    <pc:docChg chg="undo custSel modSld">
+      <pc:chgData name="Jetam Adzak" userId="e9381150120ba3b7" providerId="LiveId" clId="{6E099CDB-8226-423C-9221-8D5D82F0F3C9}" dt="2024-03-17T19:21:34.391" v="628" actId="15"/>
+      <pc:docMkLst>
+        <pc:docMk/>
+      </pc:docMkLst>
+      <pc:sldChg chg="modSp mod">
+        <pc:chgData name="Jetam Adzak" userId="e9381150120ba3b7" providerId="LiveId" clId="{6E099CDB-8226-423C-9221-8D5D82F0F3C9}" dt="2024-03-17T18:00:12.310" v="184" actId="20577"/>
+        <pc:sldMkLst>
+          <pc:docMk/>
+          <pc:sldMk cId="1642425379" sldId="256"/>
+        </pc:sldMkLst>
+        <pc:spChg chg="mod">
+          <ac:chgData name="Jetam Adzak" userId="e9381150120ba3b7" providerId="LiveId" clId="{6E099CDB-8226-423C-9221-8D5D82F0F3C9}" dt="2024-03-17T18:00:12.310" v="184" actId="20577"/>
+          <ac:spMkLst>
+            <pc:docMk/>
+            <pc:sldMk cId="1642425379" sldId="256"/>
+            <ac:spMk id="2" creationId="{216815C6-3AD0-46E6-A74A-1967BD91AF50}"/>
+          </ac:spMkLst>
+        </pc:spChg>
+      </pc:sldChg>
+      <pc:sldChg chg="modSp mod">
+        <pc:chgData name="Jetam Adzak" userId="e9381150120ba3b7" providerId="LiveId" clId="{6E099CDB-8226-423C-9221-8D5D82F0F3C9}" dt="2024-03-17T18:27:24.574" v="371" actId="20577"/>
+        <pc:sldMkLst>
+          <pc:docMk/>
+          <pc:sldMk cId="2243494996" sldId="277"/>
+        </pc:sldMkLst>
+        <pc:spChg chg="mod">
+          <ac:chgData name="Jetam Adzak" userId="e9381150120ba3b7" providerId="LiveId" clId="{6E099CDB-8226-423C-9221-8D5D82F0F3C9}" dt="2024-03-17T18:27:24.574" v="371" actId="20577"/>
+          <ac:spMkLst>
+            <pc:docMk/>
+            <pc:sldMk cId="2243494996" sldId="277"/>
+            <ac:spMk id="3" creationId="{35E3EA69-4E0E-41BD-8095-A124225A2647}"/>
+          </ac:spMkLst>
+        </pc:spChg>
+      </pc:sldChg>
+      <pc:sldChg chg="modSp mod">
+        <pc:chgData name="Jetam Adzak" userId="e9381150120ba3b7" providerId="LiveId" clId="{6E099CDB-8226-423C-9221-8D5D82F0F3C9}" dt="2024-03-17T19:21:34.391" v="628" actId="15"/>
+        <pc:sldMkLst>
+          <pc:docMk/>
+          <pc:sldMk cId="2945236607" sldId="282"/>
+        </pc:sldMkLst>
+        <pc:spChg chg="mod">
+          <ac:chgData name="Jetam Adzak" userId="e9381150120ba3b7" providerId="LiveId" clId="{6E099CDB-8226-423C-9221-8D5D82F0F3C9}" dt="2024-03-17T19:21:34.391" v="628" actId="15"/>
+          <ac:spMkLst>
+            <pc:docMk/>
+            <pc:sldMk cId="2945236607" sldId="282"/>
+            <ac:spMk id="4" creationId="{67D16960-58C9-651F-2793-349CED3B04EC}"/>
+          </ac:spMkLst>
+        </pc:spChg>
+      </pc:sldChg>
+      <pc:sldChg chg="modSp mod">
+        <pc:chgData name="Jetam Adzak" userId="e9381150120ba3b7" providerId="LiveId" clId="{6E099CDB-8226-423C-9221-8D5D82F0F3C9}" dt="2024-03-13T19:58:08.907" v="13" actId="20577"/>
+        <pc:sldMkLst>
+          <pc:docMk/>
+          <pc:sldMk cId="3031972281" sldId="288"/>
+        </pc:sldMkLst>
+        <pc:spChg chg="mod">
+          <ac:chgData name="Jetam Adzak" userId="e9381150120ba3b7" providerId="LiveId" clId="{6E099CDB-8226-423C-9221-8D5D82F0F3C9}" dt="2024-03-13T19:58:08.907" v="13" actId="20577"/>
+          <ac:spMkLst>
+            <pc:docMk/>
+            <pc:sldMk cId="3031972281" sldId="288"/>
+            <ac:spMk id="4" creationId="{34AA0C94-6C51-BD6B-1CAB-7BEEEB817D08}"/>
+          </ac:spMkLst>
+        </pc:spChg>
+      </pc:sldChg>
+    </pc:docChg>
+  </pc:docChgLst>
+  <pc:docChgLst>
     <pc:chgData name="Jetam Adzak" userId="e9381150120ba3b7" providerId="LiveId" clId="{8C32FF50-CC00-47E5-B324-559F002FA7B9}"/>
     <pc:docChg chg="undo custSel delSld modSld sldOrd">
       <pc:chgData name="Jetam Adzak" userId="e9381150120ba3b7" providerId="LiveId" clId="{8C32FF50-CC00-47E5-B324-559F002FA7B9}" dt="2024-05-02T15:08:35.089" v="1303" actId="20577"/>
@@ -294,75 +363,6 @@
       </pc:sldChg>
     </pc:docChg>
   </pc:docChgLst>
-  <pc:docChgLst>
-    <pc:chgData name="Jetam Adzak" userId="e9381150120ba3b7" providerId="LiveId" clId="{6E099CDB-8226-423C-9221-8D5D82F0F3C9}"/>
-    <pc:docChg chg="undo custSel modSld">
-      <pc:chgData name="Jetam Adzak" userId="e9381150120ba3b7" providerId="LiveId" clId="{6E099CDB-8226-423C-9221-8D5D82F0F3C9}" dt="2024-03-17T19:21:34.391" v="628" actId="15"/>
-      <pc:docMkLst>
-        <pc:docMk/>
-      </pc:docMkLst>
-      <pc:sldChg chg="modSp mod">
-        <pc:chgData name="Jetam Adzak" userId="e9381150120ba3b7" providerId="LiveId" clId="{6E099CDB-8226-423C-9221-8D5D82F0F3C9}" dt="2024-03-17T18:00:12.310" v="184" actId="20577"/>
-        <pc:sldMkLst>
-          <pc:docMk/>
-          <pc:sldMk cId="1642425379" sldId="256"/>
-        </pc:sldMkLst>
-        <pc:spChg chg="mod">
-          <ac:chgData name="Jetam Adzak" userId="e9381150120ba3b7" providerId="LiveId" clId="{6E099CDB-8226-423C-9221-8D5D82F0F3C9}" dt="2024-03-17T18:00:12.310" v="184" actId="20577"/>
-          <ac:spMkLst>
-            <pc:docMk/>
-            <pc:sldMk cId="1642425379" sldId="256"/>
-            <ac:spMk id="2" creationId="{216815C6-3AD0-46E6-A74A-1967BD91AF50}"/>
-          </ac:spMkLst>
-        </pc:spChg>
-      </pc:sldChg>
-      <pc:sldChg chg="modSp mod">
-        <pc:chgData name="Jetam Adzak" userId="e9381150120ba3b7" providerId="LiveId" clId="{6E099CDB-8226-423C-9221-8D5D82F0F3C9}" dt="2024-03-17T18:27:24.574" v="371" actId="20577"/>
-        <pc:sldMkLst>
-          <pc:docMk/>
-          <pc:sldMk cId="2243494996" sldId="277"/>
-        </pc:sldMkLst>
-        <pc:spChg chg="mod">
-          <ac:chgData name="Jetam Adzak" userId="e9381150120ba3b7" providerId="LiveId" clId="{6E099CDB-8226-423C-9221-8D5D82F0F3C9}" dt="2024-03-17T18:27:24.574" v="371" actId="20577"/>
-          <ac:spMkLst>
-            <pc:docMk/>
-            <pc:sldMk cId="2243494996" sldId="277"/>
-            <ac:spMk id="3" creationId="{35E3EA69-4E0E-41BD-8095-A124225A2647}"/>
-          </ac:spMkLst>
-        </pc:spChg>
-      </pc:sldChg>
-      <pc:sldChg chg="modSp mod">
-        <pc:chgData name="Jetam Adzak" userId="e9381150120ba3b7" providerId="LiveId" clId="{6E099CDB-8226-423C-9221-8D5D82F0F3C9}" dt="2024-03-17T19:21:34.391" v="628" actId="15"/>
-        <pc:sldMkLst>
-          <pc:docMk/>
-          <pc:sldMk cId="2945236607" sldId="282"/>
-        </pc:sldMkLst>
-        <pc:spChg chg="mod">
-          <ac:chgData name="Jetam Adzak" userId="e9381150120ba3b7" providerId="LiveId" clId="{6E099CDB-8226-423C-9221-8D5D82F0F3C9}" dt="2024-03-17T19:21:34.391" v="628" actId="15"/>
-          <ac:spMkLst>
-            <pc:docMk/>
-            <pc:sldMk cId="2945236607" sldId="282"/>
-            <ac:spMk id="4" creationId="{67D16960-58C9-651F-2793-349CED3B04EC}"/>
-          </ac:spMkLst>
-        </pc:spChg>
-      </pc:sldChg>
-      <pc:sldChg chg="modSp mod">
-        <pc:chgData name="Jetam Adzak" userId="e9381150120ba3b7" providerId="LiveId" clId="{6E099CDB-8226-423C-9221-8D5D82F0F3C9}" dt="2024-03-13T19:58:08.907" v="13" actId="20577"/>
-        <pc:sldMkLst>
-          <pc:docMk/>
-          <pc:sldMk cId="3031972281" sldId="288"/>
-        </pc:sldMkLst>
-        <pc:spChg chg="mod">
-          <ac:chgData name="Jetam Adzak" userId="e9381150120ba3b7" providerId="LiveId" clId="{6E099CDB-8226-423C-9221-8D5D82F0F3C9}" dt="2024-03-13T19:58:08.907" v="13" actId="20577"/>
-          <ac:spMkLst>
-            <pc:docMk/>
-            <pc:sldMk cId="3031972281" sldId="288"/>
-            <ac:spMk id="4" creationId="{34AA0C94-6C51-BD6B-1CAB-7BEEEB817D08}"/>
-          </ac:spMkLst>
-        </pc:spChg>
-      </pc:sldChg>
-    </pc:docChg>
-  </pc:docChgLst>
 </pc:chgInfo>
 </file>
 
@@ -460,7 +460,7 @@
           <a:p>
             <a:fld id="{058ABBF3-49A8-4B3F-9773-22E67695BB12}" type="datetimeFigureOut">
               <a:rPr lang="en-US" smtClean="0"/>
-              <a:t>5/2/2024</a:t>
+              <a:t>5/3/2024</a:t>
             </a:fld>
             <a:endParaRPr lang="en-US" dirty="0"/>
           </a:p>
@@ -637,7 +637,7 @@
           <a:p>
             <a:fld id="{F44AAC2B-A50D-4386-849A-6B59FB991B4C}" type="datetimeFigureOut">
               <a:rPr lang="en-US" smtClean="0"/>
-              <a:t>5/2/2024</a:t>
+              <a:t>5/3/2024</a:t>
             </a:fld>
             <a:endParaRPr lang="en-US" dirty="0"/>
           </a:p>
@@ -20522,9 +20522,16 @@
             <p:ph type="title"/>
           </p:nvPr>
         </p:nvSpPr>
-        <p:spPr/>
+        <p:spPr>
+          <a:xfrm>
+            <a:off x="1552574" y="896111"/>
+            <a:ext cx="9866540" cy="1358140"/>
+          </a:xfrm>
+        </p:spPr>
         <p:txBody>
-          <a:bodyPr/>
+          <a:bodyPr anchor="t">
+            <a:normAutofit/>
+          </a:bodyPr>
           <a:lstStyle/>
           <a:p>
             <a:r>
@@ -20532,6 +20539,131 @@
               <a:t>Porovnanie</a:t>
             </a:r>
             <a:endParaRPr lang="en-US" dirty="0"/>
+          </a:p>
+        </p:txBody>
+      </p:sp>
+      <p:pic>
+        <p:nvPicPr>
+          <p:cNvPr id="5" name="Picture 4" descr="A graph of red and grey bars&#10;&#10;Description automatically generated">
+            <a:extLst>
+              <a:ext uri="{FF2B5EF4-FFF2-40B4-BE49-F238E27FC236}">
+                <a16:creationId xmlns:a16="http://schemas.microsoft.com/office/drawing/2014/main" id="{2BAED8BF-6C40-3898-2AE2-15A6947AAB21}"/>
+              </a:ext>
+            </a:extLst>
+          </p:cNvPr>
+          <p:cNvPicPr>
+            <a:picLocks noChangeAspect="1"/>
+          </p:cNvPicPr>
+          <p:nvPr/>
+        </p:nvPicPr>
+        <p:blipFill>
+          <a:blip r:embed="rId2" cstate="print">
+            <a:extLst>
+              <a:ext uri="{28A0092B-C50C-407E-A947-70E740481C1C}">
+                <a14:useLocalDpi xmlns:a14="http://schemas.microsoft.com/office/drawing/2010/main" val="0"/>
+              </a:ext>
+            </a:extLst>
+          </a:blip>
+          <a:stretch>
+            <a:fillRect/>
+          </a:stretch>
+        </p:blipFill>
+        <p:spPr bwMode="auto">
+          <a:xfrm>
+            <a:off x="1552575" y="2567003"/>
+            <a:ext cx="6477952" cy="3465704"/>
+          </a:xfrm>
+          <a:prstGeom prst="rect">
+            <a:avLst/>
+          </a:prstGeom>
+          <a:noFill/>
+          <a:ln>
+            <a:noFill/>
+          </a:ln>
+        </p:spPr>
+      </p:pic>
+      <p:sp>
+        <p:nvSpPr>
+          <p:cNvPr id="4" name="Content Placeholder 3">
+            <a:extLst>
+              <a:ext uri="{FF2B5EF4-FFF2-40B4-BE49-F238E27FC236}">
+                <a16:creationId xmlns:a16="http://schemas.microsoft.com/office/drawing/2014/main" id="{5956B914-DD39-AE88-7BAA-CC371BFBFB21}"/>
+              </a:ext>
+            </a:extLst>
+          </p:cNvPr>
+          <p:cNvSpPr>
+            <a:spLocks noGrp="1"/>
+          </p:cNvSpPr>
+          <p:nvPr>
+            <p:ph type="body" sz="quarter" idx="14"/>
+          </p:nvPr>
+        </p:nvSpPr>
+        <p:spPr>
+          <a:xfrm>
+            <a:off x="8191500" y="2481940"/>
+            <a:ext cx="3790949" cy="3759200"/>
+          </a:xfrm>
+        </p:spPr>
+        <p:txBody>
+          <a:bodyPr>
+            <a:normAutofit/>
+          </a:bodyPr>
+          <a:lstStyle/>
+          <a:p>
+            <a:pPr marL="0" indent="0" algn="ctr">
+              <a:buNone/>
+            </a:pPr>
+            <a:r>
+              <a:rPr lang="sk-SK" dirty="0"/>
+              <a:t>Porovnanie od IGN </a:t>
+            </a:r>
+          </a:p>
+          <a:p>
+            <a:pPr marL="0" indent="0" algn="ctr">
+              <a:buNone/>
+            </a:pPr>
+            <a:r>
+              <a:rPr lang="sk-SK" dirty="0"/>
+              <a:t>RTX 3080 od </a:t>
+            </a:r>
+            <a:r>
+              <a:rPr lang="sk-SK" dirty="0" err="1"/>
+              <a:t>Nvidia</a:t>
+            </a:r>
+            <a:endParaRPr lang="sk-SK" dirty="0"/>
+          </a:p>
+          <a:p>
+            <a:pPr marL="0" indent="0" algn="ctr">
+              <a:buNone/>
+            </a:pPr>
+            <a:r>
+              <a:rPr lang="sk-SK" dirty="0"/>
+              <a:t>A</a:t>
+            </a:r>
+          </a:p>
+          <a:p>
+            <a:pPr marL="0" indent="0" algn="ctr">
+              <a:buNone/>
+            </a:pPr>
+            <a:r>
+              <a:rPr lang="sk-SK" dirty="0"/>
+              <a:t>RX 6800 XT od AMD</a:t>
+            </a:r>
+          </a:p>
+          <a:p>
+            <a:pPr marL="0" indent="0">
+              <a:buNone/>
+            </a:pPr>
+            <a:endParaRPr lang="sk-SK" dirty="0"/>
+          </a:p>
+          <a:p>
+            <a:pPr marL="0" indent="0">
+              <a:buNone/>
+            </a:pPr>
+            <a:r>
+              <a:rPr lang="sk-SK" dirty="0"/>
+              <a:t>V tomto grafe je zdôraznené koľko napätia obidve karty potrebujú</a:t>
+            </a:r>
           </a:p>
         </p:txBody>
       </p:sp>
@@ -20551,54 +20683,33 @@
             <p:ph type="sldNum" sz="quarter" idx="12"/>
           </p:nvPr>
         </p:nvSpPr>
-        <p:spPr/>
+        <p:spPr>
+          <a:xfrm>
+            <a:off x="11123295" y="6356350"/>
+            <a:ext cx="457200" cy="365125"/>
+          </a:xfrm>
+        </p:spPr>
         <p:txBody>
-          <a:bodyPr/>
+          <a:bodyPr anchor="ctr">
+            <a:normAutofit/>
+          </a:bodyPr>
           <a:lstStyle/>
           <a:p>
+            <a:pPr>
+              <a:spcAft>
+                <a:spcPts val="600"/>
+              </a:spcAft>
+            </a:pPr>
             <a:fld id="{B5CEABB6-07DC-46E8-9B57-56EC44A396E5}" type="slidenum">
               <a:rPr lang="en-US" smtClean="0"/>
-              <a:pPr/>
+              <a:pPr>
+                <a:spcAft>
+                  <a:spcPts val="600"/>
+                </a:spcAft>
+              </a:pPr>
               <a:t>10</a:t>
             </a:fld>
-            <a:endParaRPr lang="en-US" dirty="0"/>
-          </a:p>
-        </p:txBody>
-      </p:sp>
-      <p:sp>
-        <p:nvSpPr>
-          <p:cNvPr id="4" name="Content Placeholder 3">
-            <a:extLst>
-              <a:ext uri="{FF2B5EF4-FFF2-40B4-BE49-F238E27FC236}">
-                <a16:creationId xmlns:a16="http://schemas.microsoft.com/office/drawing/2014/main" id="{5956B914-DD39-AE88-7BAA-CC371BFBFB21}"/>
-              </a:ext>
-            </a:extLst>
-          </p:cNvPr>
-          <p:cNvSpPr>
-            <a:spLocks noGrp="1"/>
-          </p:cNvSpPr>
-          <p:nvPr>
-            <p:ph sz="half" idx="14"/>
-          </p:nvPr>
-        </p:nvSpPr>
-        <p:spPr/>
-        <p:txBody>
-          <a:bodyPr/>
-          <a:lstStyle/>
-          <a:p>
-            <a:r>
-              <a:rPr lang="sk-SK" dirty="0"/>
-              <a:t>Ukázať obrázky </a:t>
-            </a:r>
-            <a:r>
-              <a:rPr lang="sk-SK" dirty="0" err="1"/>
-              <a:t>benchmarkových</a:t>
-            </a:r>
-            <a:r>
-              <a:rPr lang="sk-SK" dirty="0"/>
-              <a:t> výkonov populárnych hier s pomocou obrázkov</a:t>
-            </a:r>
-            <a:endParaRPr lang="en-US" dirty="0"/>
+            <a:endParaRPr lang="en-US"/>
           </a:p>
         </p:txBody>
       </p:sp>
@@ -21862,7 +21973,7 @@
         </p:nvSpPr>
         <p:spPr>
           <a:xfrm>
-            <a:off x="3803953" y="3010619"/>
+            <a:off x="3803687" y="2613804"/>
             <a:ext cx="7615274" cy="3226669"/>
           </a:xfrm>
         </p:spPr>
@@ -22283,14 +22394,24 @@
           <a:lstStyle/>
           <a:p>
             <a:r>
-              <a:rPr lang="sk-SK"/>
-              <a:t>Výkon:</a:t>
-            </a:r>
-          </a:p>
-          <a:p>
-            <a:r>
               <a:rPr lang="sk-SK" dirty="0"/>
-              <a:t>Výkon: Uviesť benchmarky, hranie v reálnom svete a profesionálne pracovné zaťaženie.</a:t>
+              <a:t>Pri vyberaní GPU sa treba pozrieť na niekoľko</a:t>
+            </a:r>
+            <a:r>
+              <a:rPr lang="en-US" dirty="0"/>
+              <a:t> </a:t>
+            </a:r>
+            <a:r>
+              <a:rPr lang="sk-SK" dirty="0"/>
+              <a:t>faktorov</a:t>
+            </a:r>
+            <a:r>
+              <a:rPr lang="en-US" dirty="0"/>
+              <a:t> </a:t>
+            </a:r>
+            <a:r>
+              <a:rPr lang="sk-SK" dirty="0"/>
+              <a:t>ako je výkon danej karty </a:t>
             </a:r>
           </a:p>
           <a:p>
@@ -22522,7 +22643,7 @@
           <p:cNvPr id="2" name="Title 1">
             <a:extLst>
               <a:ext uri="{FF2B5EF4-FFF2-40B4-BE49-F238E27FC236}">
-                <a16:creationId xmlns:a16="http://schemas.microsoft.com/office/drawing/2014/main" id="{3144F41E-5597-D56D-EF08-D159A2A11476}"/>
+                <a16:creationId xmlns:a16="http://schemas.microsoft.com/office/drawing/2014/main" id="{871E23A8-BB35-1F58-9CA1-598951C755E3}"/>
               </a:ext>
             </a:extLst>
           </p:cNvPr>
@@ -22538,9 +22659,21 @@
           <a:bodyPr/>
           <a:lstStyle/>
           <a:p>
+            <a:pPr algn="ctr"/>
+            <a:r>
+              <a:rPr lang="sk-SK" dirty="0" err="1"/>
+              <a:t>Nvidia</a:t>
+            </a:r>
             <a:r>
               <a:rPr lang="sk-SK" dirty="0"/>
-              <a:t>NVIDIA - Prehľad</a:t>
+              <a:t> pre profesionálov</a:t>
+            </a:r>
+            <a:br>
+              <a:rPr lang="sk-SK" dirty="0"/>
+            </a:br>
+            <a:r>
+              <a:rPr lang="sk-SK" sz="1400" dirty="0"/>
+              <a:t>Editovanie, renderovanie, animovanie a 3D modelovanie</a:t>
             </a:r>
             <a:endParaRPr lang="en-US" dirty="0"/>
           </a:p>
@@ -22551,7 +22684,7 @@
           <p:cNvPr id="3" name="Slide Number Placeholder 2">
             <a:extLst>
               <a:ext uri="{FF2B5EF4-FFF2-40B4-BE49-F238E27FC236}">
-                <a16:creationId xmlns:a16="http://schemas.microsoft.com/office/drawing/2014/main" id="{3C28874A-2CB7-5225-EB45-81FE2648E182}"/>
+                <a16:creationId xmlns:a16="http://schemas.microsoft.com/office/drawing/2014/main" id="{5417740F-75E0-0B09-CE77-0125F06434D8}"/>
               </a:ext>
             </a:extLst>
           </p:cNvPr>
@@ -22581,7 +22714,7 @@
           <p:cNvPr id="4" name="Content Placeholder 3">
             <a:extLst>
               <a:ext uri="{FF2B5EF4-FFF2-40B4-BE49-F238E27FC236}">
-                <a16:creationId xmlns:a16="http://schemas.microsoft.com/office/drawing/2014/main" id="{7B11B466-C5E7-C24F-0344-E3BA20970780}"/>
+                <a16:creationId xmlns:a16="http://schemas.microsoft.com/office/drawing/2014/main" id="{5E8F947A-D443-1A45-0014-0B02E3811309}"/>
               </a:ext>
             </a:extLst>
           </p:cNvPr>
@@ -22592,47 +22725,182 @@
             <p:ph sz="half" idx="14"/>
           </p:nvPr>
         </p:nvSpPr>
-        <p:spPr/>
+        <p:spPr>
+          <a:xfrm>
+            <a:off x="224288" y="2055962"/>
+            <a:ext cx="5062482" cy="4603630"/>
+          </a:xfrm>
+        </p:spPr>
+        <p:txBody>
+          <a:bodyPr>
+            <a:normAutofit/>
+          </a:bodyPr>
+          <a:lstStyle/>
+          <a:p>
+            <a:pPr algn="ctr"/>
+            <a:r>
+              <a:rPr lang="sk-SK" b="1" dirty="0"/>
+              <a:t>RTX STUDIO</a:t>
+            </a:r>
+          </a:p>
+          <a:p>
+            <a:pPr algn="ctr"/>
+            <a:r>
+              <a:rPr lang="sk-SK" dirty="0"/>
+              <a:t>Označované s RTX </a:t>
+            </a:r>
+            <a:r>
+              <a:rPr lang="sk-SK" dirty="0" err="1"/>
+              <a:t>Studio</a:t>
+            </a:r>
+            <a:r>
+              <a:rPr lang="sk-SK" dirty="0"/>
+              <a:t> nálepkou pri logu</a:t>
+            </a:r>
+          </a:p>
+          <a:p>
+            <a:pPr algn="ctr"/>
+            <a:r>
+              <a:rPr lang="sk-SK" dirty="0"/>
+              <a:t>Výkon sa meria podľa série čo sú prvé dve čísla a modelom posledné dve čísla sú model</a:t>
+            </a:r>
+          </a:p>
+          <a:p>
+            <a:pPr algn="ctr"/>
+            <a:r>
+              <a:rPr lang="sk-SK" dirty="0"/>
+              <a:t>Napríklad RTX </a:t>
+            </a:r>
+            <a:r>
+              <a:rPr lang="sk-SK" b="1" dirty="0"/>
+              <a:t>4</a:t>
+            </a:r>
+            <a:r>
+              <a:rPr lang="sk-SK" dirty="0"/>
+              <a:t>0</a:t>
+            </a:r>
+            <a:r>
+              <a:rPr lang="sk-SK" b="1" dirty="0"/>
+              <a:t>7</a:t>
+            </a:r>
+            <a:r>
+              <a:rPr lang="sk-SK" dirty="0"/>
+              <a:t>0</a:t>
+            </a:r>
+          </a:p>
+          <a:p>
+            <a:pPr algn="ctr"/>
+            <a:r>
+              <a:rPr lang="sk-SK" dirty="0"/>
+              <a:t>Existujú aj extra verzie a to sú Ti a Super, tieto verziu sú lepšie ako základná verzia</a:t>
+            </a:r>
+          </a:p>
+          <a:p>
+            <a:pPr algn="ctr"/>
+            <a:r>
+              <a:rPr lang="sk-SK" dirty="0"/>
+              <a:t>Napríklad RTX 4070 </a:t>
+            </a:r>
+            <a:r>
+              <a:rPr lang="sk-SK" b="1" dirty="0"/>
+              <a:t>Ti</a:t>
+            </a:r>
+          </a:p>
+          <a:p>
+            <a:pPr algn="ctr"/>
+            <a:r>
+              <a:rPr lang="sk-SK" dirty="0"/>
+              <a:t>RTX 4070 je špeciálna lebo má aj verziu kde sú skombinované aj super aj Ti</a:t>
+            </a:r>
+          </a:p>
+          <a:p>
+            <a:pPr algn="ctr"/>
+            <a:r>
+              <a:rPr lang="sk-SK" dirty="0"/>
+              <a:t>RTX 4070 </a:t>
+            </a:r>
+            <a:r>
+              <a:rPr lang="sk-SK" b="1" dirty="0"/>
+              <a:t>Super Ti</a:t>
+            </a:r>
+            <a:endParaRPr lang="en-US" b="1" dirty="0"/>
+          </a:p>
+        </p:txBody>
+      </p:sp>
+      <p:sp>
+        <p:nvSpPr>
+          <p:cNvPr id="5" name="Content Placeholder 4">
+            <a:extLst>
+              <a:ext uri="{FF2B5EF4-FFF2-40B4-BE49-F238E27FC236}">
+                <a16:creationId xmlns:a16="http://schemas.microsoft.com/office/drawing/2014/main" id="{E3B52400-48DC-0ED1-3D4F-4B8032CC0941}"/>
+              </a:ext>
+            </a:extLst>
+          </p:cNvPr>
+          <p:cNvSpPr>
+            <a:spLocks noGrp="1"/>
+          </p:cNvSpPr>
+          <p:nvPr>
+            <p:ph sz="half" idx="15"/>
+          </p:nvPr>
+        </p:nvSpPr>
+        <p:spPr>
+          <a:xfrm>
+            <a:off x="5645989" y="2055962"/>
+            <a:ext cx="5477306" cy="4603630"/>
+          </a:xfrm>
+        </p:spPr>
         <p:txBody>
           <a:bodyPr/>
           <a:lstStyle/>
           <a:p>
+            <a:pPr algn="ctr"/>
+            <a:r>
+              <a:rPr lang="sk-SK" b="1" dirty="0"/>
+              <a:t>RTX A</a:t>
+            </a:r>
+          </a:p>
+          <a:p>
+            <a:pPr algn="ctr"/>
             <a:r>
               <a:rPr lang="sk-SK" dirty="0"/>
-              <a:t>Zvýrazniť kľúčové modely a ich postavenie na trhu (napr. RTX 3060, RTX 3090 pre </a:t>
-            </a:r>
-            <a:r>
-              <a:rPr lang="sk-SK" dirty="0" err="1"/>
-              <a:t>high</a:t>
-            </a:r>
+              <a:t>Označujú sa písmenom A na začiatku mena</a:t>
+            </a:r>
+          </a:p>
+          <a:p>
+            <a:pPr algn="ctr"/>
             <a:r>
               <a:rPr lang="sk-SK" dirty="0"/>
-              <a:t>-end).Stručne popísať exkluzívne funkcie (DLSS, </a:t>
-            </a:r>
-            <a:r>
-              <a:rPr lang="sk-SK" dirty="0" err="1"/>
-              <a:t>Ray</a:t>
-            </a:r>
+              <a:t>Výkon sa značí podľa druhého znaku (čísla)</a:t>
+            </a:r>
+          </a:p>
+          <a:p>
+            <a:pPr algn="ctr"/>
             <a:r>
               <a:rPr lang="sk-SK" dirty="0"/>
-              <a:t> </a:t>
-            </a:r>
-            <a:r>
-              <a:rPr lang="sk-SK" dirty="0" err="1"/>
-              <a:t>Tracing</a:t>
+              <a:t>Napr. RTX A</a:t>
+            </a:r>
+            <a:r>
+              <a:rPr lang="sk-SK" b="1" dirty="0"/>
+              <a:t>6</a:t>
             </a:r>
             <a:r>
               <a:rPr lang="sk-SK" dirty="0"/>
-              <a:t> atď.).</a:t>
-            </a:r>
-            <a:endParaRPr lang="en-US" dirty="0"/>
+              <a:t>000</a:t>
+            </a:r>
+          </a:p>
+          <a:p>
+            <a:pPr algn="ctr"/>
+            <a:r>
+              <a:rPr lang="sk-SK" dirty="0"/>
+              <a:t>Čím väčšie číslo tým výkonnejší</a:t>
+            </a:r>
           </a:p>
         </p:txBody>
       </p:sp>
     </p:spTree>
     <p:extLst>
       <p:ext uri="{BB962C8B-B14F-4D97-AF65-F5344CB8AC3E}">
-        <p14:creationId xmlns:p14="http://schemas.microsoft.com/office/powerpoint/2010/main" val="979006609"/>
+        <p14:creationId xmlns:p14="http://schemas.microsoft.com/office/powerpoint/2010/main" val="1163652253"/>
       </p:ext>
     </p:extLst>
   </p:cSld>
@@ -22643,6 +22911,317 @@
 </file>
 
 <file path=ppt/slides/slide8.xml><?xml version="1.0" encoding="utf-8"?>
+<p:sld xmlns:a="http://schemas.openxmlformats.org/drawingml/2006/main" xmlns:r="http://schemas.openxmlformats.org/officeDocument/2006/relationships" xmlns:p="http://schemas.openxmlformats.org/presentationml/2006/main">
+  <p:cSld>
+    <p:spTree>
+      <p:nvGrpSpPr>
+        <p:cNvPr id="1" name=""/>
+        <p:cNvGrpSpPr/>
+        <p:nvPr/>
+      </p:nvGrpSpPr>
+      <p:grpSpPr>
+        <a:xfrm>
+          <a:off x="0" y="0"/>
+          <a:ext cx="0" cy="0"/>
+          <a:chOff x="0" y="0"/>
+          <a:chExt cx="0" cy="0"/>
+        </a:xfrm>
+      </p:grpSpPr>
+      <p:sp>
+        <p:nvSpPr>
+          <p:cNvPr id="2" name="Title 1">
+            <a:extLst>
+              <a:ext uri="{FF2B5EF4-FFF2-40B4-BE49-F238E27FC236}">
+                <a16:creationId xmlns:a16="http://schemas.microsoft.com/office/drawing/2014/main" id="{871E23A8-BB35-1F58-9CA1-598951C755E3}"/>
+              </a:ext>
+            </a:extLst>
+          </p:cNvPr>
+          <p:cNvSpPr>
+            <a:spLocks noGrp="1"/>
+          </p:cNvSpPr>
+          <p:nvPr>
+            <p:ph type="title"/>
+          </p:nvPr>
+        </p:nvSpPr>
+        <p:spPr/>
+        <p:txBody>
+          <a:bodyPr/>
+          <a:lstStyle/>
+          <a:p>
+            <a:pPr algn="ctr"/>
+            <a:r>
+              <a:rPr lang="sk-SK" dirty="0"/>
+              <a:t>AMD pre profesionálov</a:t>
+            </a:r>
+            <a:br>
+              <a:rPr lang="sk-SK" dirty="0"/>
+            </a:br>
+            <a:endParaRPr lang="en-US" dirty="0"/>
+          </a:p>
+        </p:txBody>
+      </p:sp>
+      <p:sp>
+        <p:nvSpPr>
+          <p:cNvPr id="3" name="Slide Number Placeholder 2">
+            <a:extLst>
+              <a:ext uri="{FF2B5EF4-FFF2-40B4-BE49-F238E27FC236}">
+                <a16:creationId xmlns:a16="http://schemas.microsoft.com/office/drawing/2014/main" id="{5417740F-75E0-0B09-CE77-0125F06434D8}"/>
+              </a:ext>
+            </a:extLst>
+          </p:cNvPr>
+          <p:cNvSpPr>
+            <a:spLocks noGrp="1"/>
+          </p:cNvSpPr>
+          <p:nvPr>
+            <p:ph type="sldNum" sz="quarter" idx="12"/>
+          </p:nvPr>
+        </p:nvSpPr>
+        <p:spPr/>
+        <p:txBody>
+          <a:bodyPr/>
+          <a:lstStyle/>
+          <a:p>
+            <a:fld id="{B5CEABB6-07DC-46E8-9B57-56EC44A396E5}" type="slidenum">
+              <a:rPr lang="en-US" smtClean="0"/>
+              <a:pPr/>
+              <a:t>8</a:t>
+            </a:fld>
+            <a:endParaRPr lang="en-US" dirty="0"/>
+          </a:p>
+        </p:txBody>
+      </p:sp>
+      <p:sp>
+        <p:nvSpPr>
+          <p:cNvPr id="4" name="Content Placeholder 3">
+            <a:extLst>
+              <a:ext uri="{FF2B5EF4-FFF2-40B4-BE49-F238E27FC236}">
+                <a16:creationId xmlns:a16="http://schemas.microsoft.com/office/drawing/2014/main" id="{5E8F947A-D443-1A45-0014-0B02E3811309}"/>
+              </a:ext>
+            </a:extLst>
+          </p:cNvPr>
+          <p:cNvSpPr>
+            <a:spLocks noGrp="1"/>
+          </p:cNvSpPr>
+          <p:nvPr>
+            <p:ph sz="half" idx="14"/>
+          </p:nvPr>
+        </p:nvSpPr>
+        <p:spPr>
+          <a:xfrm>
+            <a:off x="224288" y="2055962"/>
+            <a:ext cx="5062482" cy="4603630"/>
+          </a:xfrm>
+        </p:spPr>
+        <p:txBody>
+          <a:bodyPr>
+            <a:normAutofit fontScale="92500"/>
+          </a:bodyPr>
+          <a:lstStyle/>
+          <a:p>
+            <a:pPr algn="ctr"/>
+            <a:r>
+              <a:rPr lang="sk-SK" b="1" dirty="0"/>
+              <a:t>RADEON PRO</a:t>
+            </a:r>
+          </a:p>
+          <a:p>
+            <a:pPr algn="ctr"/>
+            <a:r>
+              <a:rPr lang="sk-SK" dirty="0"/>
+              <a:t>3D modelovanie, animovanie a vedecké výpočty</a:t>
+            </a:r>
+          </a:p>
+          <a:p>
+            <a:pPr algn="ctr"/>
+            <a:r>
+              <a:rPr lang="sk-SK" dirty="0"/>
+              <a:t>Označované s RTX </a:t>
+            </a:r>
+            <a:r>
+              <a:rPr lang="sk-SK" dirty="0" err="1"/>
+              <a:t>Studio</a:t>
+            </a:r>
+            <a:r>
+              <a:rPr lang="sk-SK" dirty="0"/>
+              <a:t> nálepkou pri logu</a:t>
+            </a:r>
+          </a:p>
+          <a:p>
+            <a:pPr algn="ctr"/>
+            <a:r>
+              <a:rPr lang="sk-SK" dirty="0"/>
+              <a:t>Výkon sa meria podľa série čo sú prvé dve čísla a modelom posledné dve čísla sú model</a:t>
+            </a:r>
+          </a:p>
+          <a:p>
+            <a:pPr algn="ctr"/>
+            <a:r>
+              <a:rPr lang="sk-SK" dirty="0"/>
+              <a:t>Napríklad RTX </a:t>
+            </a:r>
+            <a:r>
+              <a:rPr lang="sk-SK" b="1" dirty="0"/>
+              <a:t>4</a:t>
+            </a:r>
+            <a:r>
+              <a:rPr lang="sk-SK" dirty="0"/>
+              <a:t>0</a:t>
+            </a:r>
+            <a:r>
+              <a:rPr lang="sk-SK" b="1" dirty="0"/>
+              <a:t>7</a:t>
+            </a:r>
+            <a:r>
+              <a:rPr lang="sk-SK" dirty="0"/>
+              <a:t>0</a:t>
+            </a:r>
+          </a:p>
+          <a:p>
+            <a:pPr algn="ctr"/>
+            <a:r>
+              <a:rPr lang="sk-SK" dirty="0"/>
+              <a:t>Existujú aj extra verzie a to sú Ti a Super, tieto verziu sú lepšie ako základná verzia</a:t>
+            </a:r>
+          </a:p>
+          <a:p>
+            <a:pPr algn="ctr"/>
+            <a:r>
+              <a:rPr lang="sk-SK" dirty="0"/>
+              <a:t>Napríklad RTX 4070 </a:t>
+            </a:r>
+            <a:r>
+              <a:rPr lang="sk-SK" b="1" dirty="0"/>
+              <a:t>Ti</a:t>
+            </a:r>
+          </a:p>
+          <a:p>
+            <a:pPr algn="ctr"/>
+            <a:r>
+              <a:rPr lang="sk-SK" dirty="0"/>
+              <a:t>RTX 4070 je špeciálna lebo má aj verziu kde sú skombinované aj super aj Ti</a:t>
+            </a:r>
+          </a:p>
+          <a:p>
+            <a:pPr algn="ctr"/>
+            <a:r>
+              <a:rPr lang="sk-SK" dirty="0"/>
+              <a:t>RTX 4070 </a:t>
+            </a:r>
+            <a:r>
+              <a:rPr lang="sk-SK" b="1" dirty="0"/>
+              <a:t>Super Ti</a:t>
+            </a:r>
+            <a:endParaRPr lang="en-US" b="1" dirty="0"/>
+          </a:p>
+        </p:txBody>
+      </p:sp>
+      <p:sp>
+        <p:nvSpPr>
+          <p:cNvPr id="5" name="Content Placeholder 4">
+            <a:extLst>
+              <a:ext uri="{FF2B5EF4-FFF2-40B4-BE49-F238E27FC236}">
+                <a16:creationId xmlns:a16="http://schemas.microsoft.com/office/drawing/2014/main" id="{E3B52400-48DC-0ED1-3D4F-4B8032CC0941}"/>
+              </a:ext>
+            </a:extLst>
+          </p:cNvPr>
+          <p:cNvSpPr>
+            <a:spLocks noGrp="1"/>
+          </p:cNvSpPr>
+          <p:nvPr>
+            <p:ph sz="half" idx="15"/>
+          </p:nvPr>
+        </p:nvSpPr>
+        <p:spPr>
+          <a:xfrm>
+            <a:off x="5645989" y="2055962"/>
+            <a:ext cx="5477306" cy="4603630"/>
+          </a:xfrm>
+        </p:spPr>
+        <p:txBody>
+          <a:bodyPr/>
+          <a:lstStyle/>
+          <a:p>
+            <a:pPr algn="ctr"/>
+            <a:r>
+              <a:rPr lang="sk-SK" b="1" dirty="0"/>
+              <a:t>RADEON INSTINCT</a:t>
+            </a:r>
+          </a:p>
+          <a:p>
+            <a:pPr algn="ctr"/>
+            <a:r>
+              <a:rPr lang="sk-SK" dirty="0"/>
+              <a:t>AI </a:t>
+            </a:r>
+            <a:r>
+              <a:rPr lang="sk-SK" dirty="0" err="1"/>
+              <a:t>deep</a:t>
+            </a:r>
+            <a:r>
+              <a:rPr lang="sk-SK" dirty="0"/>
+              <a:t> </a:t>
+            </a:r>
+            <a:r>
+              <a:rPr lang="sk-SK" dirty="0" err="1"/>
+              <a:t>learning</a:t>
+            </a:r>
+            <a:r>
+              <a:rPr lang="sk-SK" dirty="0"/>
+              <a:t> a vedecké výpočty</a:t>
+            </a:r>
+          </a:p>
+          <a:p>
+            <a:pPr algn="ctr"/>
+            <a:r>
+              <a:rPr lang="sk-SK" dirty="0"/>
+              <a:t>Označujú sa písmenom A na začiatku mena</a:t>
+            </a:r>
+          </a:p>
+          <a:p>
+            <a:pPr algn="ctr"/>
+            <a:r>
+              <a:rPr lang="sk-SK" dirty="0"/>
+              <a:t>Výkon sa značí podľa druhého znaku (čísla)</a:t>
+            </a:r>
+          </a:p>
+          <a:p>
+            <a:pPr algn="ctr"/>
+            <a:r>
+              <a:rPr lang="sk-SK" dirty="0"/>
+              <a:t>Napr. RTX A</a:t>
+            </a:r>
+            <a:r>
+              <a:rPr lang="sk-SK" b="1" dirty="0"/>
+              <a:t>6</a:t>
+            </a:r>
+            <a:r>
+              <a:rPr lang="sk-SK" dirty="0"/>
+              <a:t>000</a:t>
+            </a:r>
+          </a:p>
+          <a:p>
+            <a:pPr algn="ctr"/>
+            <a:r>
+              <a:rPr lang="sk-SK" dirty="0"/>
+              <a:t>Čím väčšie číslo tým výkonnejší</a:t>
+            </a:r>
+          </a:p>
+        </p:txBody>
+      </p:sp>
+    </p:spTree>
+    <p:extLst>
+      <p:ext uri="{BB962C8B-B14F-4D97-AF65-F5344CB8AC3E}">
+        <p14:creationId xmlns:p14="http://schemas.microsoft.com/office/powerpoint/2010/main" val="892920798"/>
+      </p:ext>
+    </p:extLst>
+  </p:cSld>
+  <p:clrMapOvr>
+    <a:masterClrMapping/>
+  </p:clrMapOvr>
+</p:sld>
+</file>
+
+<file path=ppt/slides/slide9.xml><?xml version="1.0" encoding="utf-8"?>
 <p:sld xmlns:a="http://schemas.openxmlformats.org/drawingml/2006/main" xmlns:r="http://schemas.openxmlformats.org/officeDocument/2006/relationships" xmlns:p="http://schemas.openxmlformats.org/presentationml/2006/main">
   <p:cSld>
     <p:spTree>
@@ -22712,7 +23291,7 @@
             <a:fld id="{B5CEABB6-07DC-46E8-9B57-56EC44A396E5}" type="slidenum">
               <a:rPr lang="en-US" smtClean="0"/>
               <a:pPr/>
-              <a:t>8</a:t>
+              <a:t>9</a:t>
             </a:fld>
             <a:endParaRPr lang="en-US" dirty="0"/>
           </a:p>
@@ -22775,171 +23354,6 @@
     <p:extLst>
       <p:ext uri="{BB962C8B-B14F-4D97-AF65-F5344CB8AC3E}">
         <p14:creationId xmlns:p14="http://schemas.microsoft.com/office/powerpoint/2010/main" val="1624298508"/>
-      </p:ext>
-    </p:extLst>
-  </p:cSld>
-  <p:clrMapOvr>
-    <a:masterClrMapping/>
-  </p:clrMapOvr>
-</p:sld>
-</file>
-
-<file path=ppt/slides/slide9.xml><?xml version="1.0" encoding="utf-8"?>
-<p:sld xmlns:a="http://schemas.openxmlformats.org/drawingml/2006/main" xmlns:r="http://schemas.openxmlformats.org/officeDocument/2006/relationships" xmlns:p="http://schemas.openxmlformats.org/presentationml/2006/main">
-  <p:cSld>
-    <p:spTree>
-      <p:nvGrpSpPr>
-        <p:cNvPr id="1" name=""/>
-        <p:cNvGrpSpPr/>
-        <p:nvPr/>
-      </p:nvGrpSpPr>
-      <p:grpSpPr>
-        <a:xfrm>
-          <a:off x="0" y="0"/>
-          <a:ext cx="0" cy="0"/>
-          <a:chOff x="0" y="0"/>
-          <a:chExt cx="0" cy="0"/>
-        </a:xfrm>
-      </p:grpSpPr>
-      <p:sp>
-        <p:nvSpPr>
-          <p:cNvPr id="2" name="Title 1">
-            <a:extLst>
-              <a:ext uri="{FF2B5EF4-FFF2-40B4-BE49-F238E27FC236}">
-                <a16:creationId xmlns:a16="http://schemas.microsoft.com/office/drawing/2014/main" id="{711B8620-6B8B-9D09-4F0C-F9DD141B437F}"/>
-              </a:ext>
-            </a:extLst>
-          </p:cNvPr>
-          <p:cNvSpPr>
-            <a:spLocks noGrp="1"/>
-          </p:cNvSpPr>
-          <p:nvPr>
-            <p:ph type="title"/>
-          </p:nvPr>
-        </p:nvSpPr>
-        <p:spPr>
-          <a:xfrm>
-            <a:off x="762000" y="896112"/>
-            <a:ext cx="7044267" cy="1988706"/>
-          </a:xfrm>
-        </p:spPr>
-        <p:txBody>
-          <a:bodyPr>
-            <a:normAutofit/>
-          </a:bodyPr>
-          <a:lstStyle/>
-          <a:p>
-            <a:r>
-              <a:rPr lang="sk-SK" dirty="0"/>
-              <a:t>Porovnanie</a:t>
-            </a:r>
-            <a:endParaRPr lang="en-US" dirty="0"/>
-          </a:p>
-        </p:txBody>
-      </p:sp>
-      <p:sp>
-        <p:nvSpPr>
-          <p:cNvPr id="3" name="Slide Number Placeholder 2">
-            <a:extLst>
-              <a:ext uri="{FF2B5EF4-FFF2-40B4-BE49-F238E27FC236}">
-                <a16:creationId xmlns:a16="http://schemas.microsoft.com/office/drawing/2014/main" id="{BF5D8DBF-334F-8C28-2095-E4CF31672A80}"/>
-              </a:ext>
-            </a:extLst>
-          </p:cNvPr>
-          <p:cNvSpPr>
-            <a:spLocks noGrp="1"/>
-          </p:cNvSpPr>
-          <p:nvPr>
-            <p:ph type="sldNum" sz="quarter" idx="12"/>
-          </p:nvPr>
-        </p:nvSpPr>
-        <p:spPr/>
-        <p:txBody>
-          <a:bodyPr/>
-          <a:lstStyle/>
-          <a:p>
-            <a:fld id="{B5CEABB6-07DC-46E8-9B57-56EC44A396E5}" type="slidenum">
-              <a:rPr lang="en-US" smtClean="0"/>
-              <a:pPr/>
-              <a:t>9</a:t>
-            </a:fld>
-            <a:endParaRPr lang="en-US" dirty="0"/>
-          </a:p>
-        </p:txBody>
-      </p:sp>
-      <p:sp>
-        <p:nvSpPr>
-          <p:cNvPr id="4" name="Content Placeholder 3">
-            <a:extLst>
-              <a:ext uri="{FF2B5EF4-FFF2-40B4-BE49-F238E27FC236}">
-                <a16:creationId xmlns:a16="http://schemas.microsoft.com/office/drawing/2014/main" id="{7A4E8AB8-4F36-D702-FF1D-203BCC07D5D6}"/>
-              </a:ext>
-            </a:extLst>
-          </p:cNvPr>
-          <p:cNvSpPr>
-            <a:spLocks noGrp="1"/>
-          </p:cNvSpPr>
-          <p:nvPr>
-            <p:ph sz="half" idx="14"/>
-          </p:nvPr>
-        </p:nvSpPr>
-        <p:spPr/>
-        <p:txBody>
-          <a:bodyPr/>
-          <a:lstStyle/>
-          <a:p>
-            <a:r>
-              <a:rPr lang="sk-SK" dirty="0"/>
-              <a:t>Pomocou tabuľky alebo grafu priamo porovnať výber grafických procesorov </a:t>
-            </a:r>
-            <a:r>
-              <a:rPr lang="sk-SK" dirty="0" err="1"/>
-              <a:t>Nvidia</a:t>
-            </a:r>
-            <a:r>
-              <a:rPr lang="sk-SK" dirty="0"/>
-              <a:t> a AMD so špecifikáciami, ako sú procesory CUDA </a:t>
-            </a:r>
-            <a:r>
-              <a:rPr lang="sk-SK" dirty="0" err="1"/>
-              <a:t>Cores</a:t>
-            </a:r>
-            <a:r>
-              <a:rPr lang="sk-SK" dirty="0"/>
-              <a:t>/Stream </a:t>
-            </a:r>
-            <a:r>
-              <a:rPr lang="sk-SK" dirty="0" err="1"/>
-              <a:t>processory</a:t>
-            </a:r>
-            <a:r>
-              <a:rPr lang="sk-SK" dirty="0"/>
-              <a:t>, pamäť, </a:t>
-            </a:r>
-            <a:r>
-              <a:rPr lang="sk-SK" dirty="0" err="1"/>
-              <a:t>clock</a:t>
-            </a:r>
-            <a:r>
-              <a:rPr lang="sk-SK" dirty="0"/>
-              <a:t> </a:t>
-            </a:r>
-            <a:r>
-              <a:rPr lang="sk-SK" dirty="0" err="1"/>
-              <a:t>speed</a:t>
-            </a:r>
-            <a:r>
-              <a:rPr lang="sk-SK" dirty="0"/>
-              <a:t> a TDP.</a:t>
-            </a:r>
-            <a:endParaRPr lang="en-US" dirty="0"/>
-          </a:p>
-        </p:txBody>
-      </p:sp>
-    </p:spTree>
-    <p:extLst>
-      <p:ext uri="{BB962C8B-B14F-4D97-AF65-F5344CB8AC3E}">
-        <p14:creationId xmlns:p14="http://schemas.microsoft.com/office/powerpoint/2010/main" val="1799143526"/>
       </p:ext>
     </p:extLst>
   </p:cSld>
@@ -23741,15 +24155,6 @@
 </file>
 
 <file path=customXml/item1.xml><?xml version="1.0" encoding="utf-8"?>
-<?mso-contentType ?>
-<FormTemplates xmlns="http://schemas.microsoft.com/sharepoint/v3/contenttype/forms">
-  <Display>DocumentLibraryForm</Display>
-  <Edit>DocumentLibraryForm</Edit>
-  <New>DocumentLibraryForm</New>
-</FormTemplates>
-</file>
-
-<file path=customXml/item2.xml><?xml version="1.0" encoding="utf-8"?>
 <p:properties xmlns:p="http://schemas.microsoft.com/office/2006/metadata/properties" xmlns:xsi="http://www.w3.org/2001/XMLSchema-instance" xmlns:pc="http://schemas.microsoft.com/office/infopath/2007/PartnerControls">
   <documentManagement>
     <Background xmlns="71af3243-3dd4-4a8d-8c0d-dd76da1f02a5">false</Background>
@@ -23769,7 +24174,7 @@
 </p:properties>
 </file>
 
-<file path=customXml/item3.xml><?xml version="1.0" encoding="utf-8"?>
+<file path=customXml/item2.xml><?xml version="1.0" encoding="utf-8"?>
 <ct:contentTypeSchema xmlns:ct="http://schemas.microsoft.com/office/2006/metadata/contentType" xmlns:ma="http://schemas.microsoft.com/office/2006/metadata/properties/metaAttributes" ct:_="" ma:_="" ma:contentTypeName="Document" ma:contentTypeID="0x01010079F111ED35F8CC479449609E8A0923A6" ma:contentTypeVersion="28" ma:contentTypeDescription="Create a new document." ma:contentTypeScope="" ma:versionID="60f5a4f2d2b0abadcf532d48ebf9cb71">
   <xsd:schema xmlns:xsd="http://www.w3.org/2001/XMLSchema" xmlns:xs="http://www.w3.org/2001/XMLSchema" xmlns:p="http://schemas.microsoft.com/office/2006/metadata/properties" xmlns:ns1="http://schemas.microsoft.com/sharepoint/v3" xmlns:ns2="71af3243-3dd4-4a8d-8c0d-dd76da1f02a5" xmlns:ns3="16c05727-aa75-4e4a-9b5f-8a80a1165891" xmlns:ns4="230e9df3-be65-4c73-a93b-d1236ebd677e" targetNamespace="http://schemas.microsoft.com/office/2006/metadata/properties" ma:root="true" ma:fieldsID="7dd78129e6a1811f84807ad11c651531" ns1:_="" ns2:_="" ns3:_="" ns4:_="">
     <xsd:import namespace="http://schemas.microsoft.com/sharepoint/v3"/>
@@ -24081,15 +24486,16 @@
 </ct:contentTypeSchema>
 </file>
 
-<file path=customXml/itemProps1.xml><?xml version="1.0" encoding="utf-8"?>
-<ds:datastoreItem xmlns:ds="http://schemas.openxmlformats.org/officeDocument/2006/customXml" ds:itemID="{8451406B-581B-4C29-A833-E33D8A6AB075}">
-  <ds:schemaRefs>
-    <ds:schemaRef ds:uri="http://schemas.microsoft.com/sharepoint/v3/contenttype/forms"/>
-  </ds:schemaRefs>
-</ds:datastoreItem>
+<file path=customXml/item3.xml><?xml version="1.0" encoding="utf-8"?>
+<?mso-contentType ?>
+<FormTemplates xmlns="http://schemas.microsoft.com/sharepoint/v3/contenttype/forms">
+  <Display>DocumentLibraryForm</Display>
+  <Edit>DocumentLibraryForm</Edit>
+  <New>DocumentLibraryForm</New>
+</FormTemplates>
 </file>
 
-<file path=customXml/itemProps2.xml><?xml version="1.0" encoding="utf-8"?>
+<file path=customXml/itemProps1.xml><?xml version="1.0" encoding="utf-8"?>
 <ds:datastoreItem xmlns:ds="http://schemas.openxmlformats.org/officeDocument/2006/customXml" ds:itemID="{0F65614A-92F9-4391-AC3D-F3F5B0704F99}">
   <ds:schemaRefs>
     <ds:schemaRef ds:uri="http://schemas.microsoft.com/office/2006/metadata/properties"/>
@@ -24101,7 +24507,7 @@
 </ds:datastoreItem>
 </file>
 
-<file path=customXml/itemProps3.xml><?xml version="1.0" encoding="utf-8"?>
+<file path=customXml/itemProps2.xml><?xml version="1.0" encoding="utf-8"?>
 <ds:datastoreItem xmlns:ds="http://schemas.openxmlformats.org/officeDocument/2006/customXml" ds:itemID="{18903D25-5BE2-4D9E-B7D8-BE1DCAE2DC41}">
   <ds:schemaRefs>
     <ds:schemaRef ds:uri="http://schemas.microsoft.com/office/2006/metadata/contentType"/>
@@ -24122,6 +24528,14 @@
 </ds:datastoreItem>
 </file>
 
+<file path=customXml/itemProps3.xml><?xml version="1.0" encoding="utf-8"?>
+<ds:datastoreItem xmlns:ds="http://schemas.openxmlformats.org/officeDocument/2006/customXml" ds:itemID="{8451406B-581B-4C29-A833-E33D8A6AB075}">
+  <ds:schemaRefs>
+    <ds:schemaRef ds:uri="http://schemas.microsoft.com/sharepoint/v3/contenttype/forms"/>
+  </ds:schemaRefs>
+</ds:datastoreItem>
+</file>
+
 <file path=docMetadata/LabelInfo.xml><?xml version="1.0" encoding="utf-8"?>
 <clbl:labelList xmlns:clbl="http://schemas.microsoft.com/office/2020/mipLabelMetadata"/>
 </file>
--- a/ROCNIKOVA_GPU_PREZ.pptx
+++ b/ROCNIKOVA_GPU_PREZ.pptx
@@ -5,27 +5,25 @@
     <p:sldMasterId id="2147483648" r:id="rId4"/>
   </p:sldMasterIdLst>
   <p:notesMasterIdLst>
-    <p:notesMasterId r:id="rId20"/>
+    <p:notesMasterId r:id="rId18"/>
   </p:notesMasterIdLst>
   <p:handoutMasterIdLst>
-    <p:handoutMasterId r:id="rId21"/>
+    <p:handoutMasterId r:id="rId19"/>
   </p:handoutMasterIdLst>
   <p:sldIdLst>
     <p:sldId id="256" r:id="rId5"/>
     <p:sldId id="277" r:id="rId6"/>
     <p:sldId id="282" r:id="rId7"/>
     <p:sldId id="283" r:id="rId8"/>
-    <p:sldId id="264" r:id="rId9"/>
-    <p:sldId id="284" r:id="rId10"/>
-    <p:sldId id="291" r:id="rId11"/>
-    <p:sldId id="293" r:id="rId12"/>
-    <p:sldId id="280" r:id="rId13"/>
-    <p:sldId id="285" r:id="rId14"/>
-    <p:sldId id="286" r:id="rId15"/>
-    <p:sldId id="278" r:id="rId16"/>
-    <p:sldId id="287" r:id="rId17"/>
-    <p:sldId id="276" r:id="rId18"/>
-    <p:sldId id="289" r:id="rId19"/>
+    <p:sldId id="291" r:id="rId9"/>
+    <p:sldId id="293" r:id="rId10"/>
+    <p:sldId id="295" r:id="rId11"/>
+    <p:sldId id="294" r:id="rId12"/>
+    <p:sldId id="285" r:id="rId13"/>
+    <p:sldId id="278" r:id="rId14"/>
+    <p:sldId id="296" r:id="rId15"/>
+    <p:sldId id="276" r:id="rId16"/>
+    <p:sldId id="289" r:id="rId17"/>
   </p:sldIdLst>
   <p:sldSz cx="12192000" cy="6858000"/>
   <p:notesSz cx="6858000" cy="9144000"/>
@@ -163,8 +161,542 @@
 </p:cmAuthorLst>
 </file>
 
+<file path=ppt/revisionInfo.xml><?xml version="1.0" encoding="utf-8"?>
+<p1510:revInfo xmlns:a="http://schemas.openxmlformats.org/drawingml/2006/main" xmlns:r="http://schemas.openxmlformats.org/officeDocument/2006/relationships" xmlns:p1510="http://schemas.microsoft.com/office/powerpoint/2015/10/main">
+  <p1510:revLst>
+    <p1510:client id="{8C32FF50-CC00-47E5-B324-559F002FA7B9}" v="126" dt="2024-05-26T16:41:31.075"/>
+  </p1510:revLst>
+</p1510:revInfo>
+</file>
+
 <file path=ppt/changesInfos/changesInfo1.xml><?xml version="1.0" encoding="utf-8"?>
 <pc:chgInfo xmlns:a="http://schemas.openxmlformats.org/drawingml/2006/main" xmlns:r="http://schemas.openxmlformats.org/officeDocument/2006/relationships" xmlns:ac="http://schemas.microsoft.com/office/drawing/2013/main/command" xmlns:pc="http://schemas.microsoft.com/office/powerpoint/2013/main/command">
+  <pc:docChgLst>
+    <pc:chgData name="Jetam Adzak" userId="e9381150120ba3b7" providerId="LiveId" clId="{8C32FF50-CC00-47E5-B324-559F002FA7B9}"/>
+    <pc:docChg chg="undo custSel addSld delSld modSld sldOrd">
+      <pc:chgData name="Jetam Adzak" userId="e9381150120ba3b7" providerId="LiveId" clId="{8C32FF50-CC00-47E5-B324-559F002FA7B9}" dt="2024-05-26T16:41:31.074" v="2433" actId="14100"/>
+      <pc:docMkLst>
+        <pc:docMk/>
+      </pc:docMkLst>
+      <pc:sldChg chg="modSp del mod">
+        <pc:chgData name="Jetam Adzak" userId="e9381150120ba3b7" providerId="LiveId" clId="{8C32FF50-CC00-47E5-B324-559F002FA7B9}" dt="2024-05-26T10:59:52.195" v="1831" actId="47"/>
+        <pc:sldMkLst>
+          <pc:docMk/>
+          <pc:sldMk cId="1346372204" sldId="264"/>
+        </pc:sldMkLst>
+        <pc:spChg chg="mod">
+          <ac:chgData name="Jetam Adzak" userId="e9381150120ba3b7" providerId="LiveId" clId="{8C32FF50-CC00-47E5-B324-559F002FA7B9}" dt="2024-05-02T15:08:35.089" v="1303" actId="20577"/>
+          <ac:spMkLst>
+            <pc:docMk/>
+            <pc:sldMk cId="1346372204" sldId="264"/>
+            <ac:spMk id="3" creationId="{033634FE-ADF0-4BC3-A0A9-447EA9DD096B}"/>
+          </ac:spMkLst>
+        </pc:spChg>
+      </pc:sldChg>
+      <pc:sldChg chg="modSp mod">
+        <pc:chgData name="Jetam Adzak" userId="e9381150120ba3b7" providerId="LiveId" clId="{8C32FF50-CC00-47E5-B324-559F002FA7B9}" dt="2024-05-26T16:10:33.292" v="2374" actId="20577"/>
+        <pc:sldMkLst>
+          <pc:docMk/>
+          <pc:sldMk cId="2436493926" sldId="276"/>
+        </pc:sldMkLst>
+        <pc:spChg chg="mod">
+          <ac:chgData name="Jetam Adzak" userId="e9381150120ba3b7" providerId="LiveId" clId="{8C32FF50-CC00-47E5-B324-559F002FA7B9}" dt="2024-05-26T16:10:33.292" v="2374" actId="20577"/>
+          <ac:spMkLst>
+            <pc:docMk/>
+            <pc:sldMk cId="2436493926" sldId="276"/>
+            <ac:spMk id="3" creationId="{24AFFC60-19C3-4901-93F7-7AAF4C09F8C6}"/>
+          </ac:spMkLst>
+        </pc:spChg>
+      </pc:sldChg>
+      <pc:sldChg chg="modSp mod">
+        <pc:chgData name="Jetam Adzak" userId="e9381150120ba3b7" providerId="LiveId" clId="{8C32FF50-CC00-47E5-B324-559F002FA7B9}" dt="2024-05-01T09:54:58.290" v="456" actId="1076"/>
+        <pc:sldMkLst>
+          <pc:docMk/>
+          <pc:sldMk cId="2243494996" sldId="277"/>
+        </pc:sldMkLst>
+        <pc:spChg chg="mod">
+          <ac:chgData name="Jetam Adzak" userId="e9381150120ba3b7" providerId="LiveId" clId="{8C32FF50-CC00-47E5-B324-559F002FA7B9}" dt="2024-05-01T09:54:58.290" v="456" actId="1076"/>
+          <ac:spMkLst>
+            <pc:docMk/>
+            <pc:sldMk cId="2243494996" sldId="277"/>
+            <ac:spMk id="2" creationId="{6719F29B-F233-48AF-8261-F33A4E079E3E}"/>
+          </ac:spMkLst>
+        </pc:spChg>
+        <pc:spChg chg="mod">
+          <ac:chgData name="Jetam Adzak" userId="e9381150120ba3b7" providerId="LiveId" clId="{8C32FF50-CC00-47E5-B324-559F002FA7B9}" dt="2024-05-01T09:54:55.980" v="455" actId="14100"/>
+          <ac:spMkLst>
+            <pc:docMk/>
+            <pc:sldMk cId="2243494996" sldId="277"/>
+            <ac:spMk id="3" creationId="{35E3EA69-4E0E-41BD-8095-A124225A2647}"/>
+          </ac:spMkLst>
+        </pc:spChg>
+      </pc:sldChg>
+      <pc:sldChg chg="addSp delSp modSp mod">
+        <pc:chgData name="Jetam Adzak" userId="e9381150120ba3b7" providerId="LiveId" clId="{8C32FF50-CC00-47E5-B324-559F002FA7B9}" dt="2024-05-26T16:07:11.479" v="2350" actId="20577"/>
+        <pc:sldMkLst>
+          <pc:docMk/>
+          <pc:sldMk cId="4188141668" sldId="278"/>
+        </pc:sldMkLst>
+        <pc:spChg chg="add del mod">
+          <ac:chgData name="Jetam Adzak" userId="e9381150120ba3b7" providerId="LiveId" clId="{8C32FF50-CC00-47E5-B324-559F002FA7B9}" dt="2024-05-26T16:07:11.479" v="2350" actId="20577"/>
+          <ac:spMkLst>
+            <pc:docMk/>
+            <pc:sldMk cId="4188141668" sldId="278"/>
+            <ac:spMk id="4" creationId="{5D678C81-D97C-447B-0BAC-1E6EF5B4CD2B}"/>
+          </ac:spMkLst>
+        </pc:spChg>
+        <pc:spChg chg="add mod">
+          <ac:chgData name="Jetam Adzak" userId="e9381150120ba3b7" providerId="LiveId" clId="{8C32FF50-CC00-47E5-B324-559F002FA7B9}" dt="2024-05-26T15:39:31.902" v="2210"/>
+          <ac:spMkLst>
+            <pc:docMk/>
+            <pc:sldMk cId="4188141668" sldId="278"/>
+            <ac:spMk id="5" creationId="{A54046DB-1388-18CD-A06C-DDC364B9E98B}"/>
+          </ac:spMkLst>
+        </pc:spChg>
+      </pc:sldChg>
+      <pc:sldChg chg="ord">
+        <pc:chgData name="Jetam Adzak" userId="e9381150120ba3b7" providerId="LiveId" clId="{8C32FF50-CC00-47E5-B324-559F002FA7B9}" dt="2024-05-01T08:58:28.378" v="3"/>
+        <pc:sldMkLst>
+          <pc:docMk/>
+          <pc:sldMk cId="979006609" sldId="279"/>
+        </pc:sldMkLst>
+      </pc:sldChg>
+      <pc:sldChg chg="del">
+        <pc:chgData name="Jetam Adzak" userId="e9381150120ba3b7" providerId="LiveId" clId="{8C32FF50-CC00-47E5-B324-559F002FA7B9}" dt="2024-05-26T10:46:21.983" v="1735" actId="47"/>
+        <pc:sldMkLst>
+          <pc:docMk/>
+          <pc:sldMk cId="1624298508" sldId="280"/>
+        </pc:sldMkLst>
+      </pc:sldChg>
+      <pc:sldChg chg="addSp delSp modSp mod modClrScheme chgLayout">
+        <pc:chgData name="Jetam Adzak" userId="e9381150120ba3b7" providerId="LiveId" clId="{8C32FF50-CC00-47E5-B324-559F002FA7B9}" dt="2024-05-26T16:39:26.554" v="2419" actId="26606"/>
+        <pc:sldMkLst>
+          <pc:docMk/>
+          <pc:sldMk cId="2945236607" sldId="282"/>
+        </pc:sldMkLst>
+        <pc:spChg chg="mod">
+          <ac:chgData name="Jetam Adzak" userId="e9381150120ba3b7" providerId="LiveId" clId="{8C32FF50-CC00-47E5-B324-559F002FA7B9}" dt="2024-05-26T16:39:26.554" v="2419" actId="26606"/>
+          <ac:spMkLst>
+            <pc:docMk/>
+            <pc:sldMk cId="2945236607" sldId="282"/>
+            <ac:spMk id="2" creationId="{A6AB1DEB-FB51-103D-61B0-CC48581E6E84}"/>
+          </ac:spMkLst>
+        </pc:spChg>
+        <pc:spChg chg="add del">
+          <ac:chgData name="Jetam Adzak" userId="e9381150120ba3b7" providerId="LiveId" clId="{8C32FF50-CC00-47E5-B324-559F002FA7B9}" dt="2024-05-26T16:39:26.554" v="2419" actId="26606"/>
+          <ac:spMkLst>
+            <pc:docMk/>
+            <pc:sldMk cId="2945236607" sldId="282"/>
+            <ac:spMk id="3" creationId="{D430E082-300E-74DC-FEC0-1C52010DBD1E}"/>
+          </ac:spMkLst>
+        </pc:spChg>
+        <pc:spChg chg="mod">
+          <ac:chgData name="Jetam Adzak" userId="e9381150120ba3b7" providerId="LiveId" clId="{8C32FF50-CC00-47E5-B324-559F002FA7B9}" dt="2024-05-26T16:39:26.554" v="2419" actId="26606"/>
+          <ac:spMkLst>
+            <pc:docMk/>
+            <pc:sldMk cId="2945236607" sldId="282"/>
+            <ac:spMk id="4" creationId="{67D16960-58C9-651F-2793-349CED3B04EC}"/>
+          </ac:spMkLst>
+        </pc:spChg>
+        <pc:spChg chg="mod">
+          <ac:chgData name="Jetam Adzak" userId="e9381150120ba3b7" providerId="LiveId" clId="{8C32FF50-CC00-47E5-B324-559F002FA7B9}" dt="2024-05-26T16:39:26.554" v="2419" actId="26606"/>
+          <ac:spMkLst>
+            <pc:docMk/>
+            <pc:sldMk cId="2945236607" sldId="282"/>
+            <ac:spMk id="5" creationId="{62FF570E-76EB-5868-804F-82A193480D00}"/>
+          </ac:spMkLst>
+        </pc:spChg>
+        <pc:picChg chg="add del mod ord">
+          <ac:chgData name="Jetam Adzak" userId="e9381150120ba3b7" providerId="LiveId" clId="{8C32FF50-CC00-47E5-B324-559F002FA7B9}" dt="2024-05-26T16:37:44.410" v="2407" actId="21"/>
+          <ac:picMkLst>
+            <pc:docMk/>
+            <pc:sldMk cId="2945236607" sldId="282"/>
+            <ac:picMk id="7170" creationId="{868AC706-7B05-35DB-BB6E-D65790AA1913}"/>
+          </ac:picMkLst>
+        </pc:picChg>
+        <pc:picChg chg="add mod ord">
+          <ac:chgData name="Jetam Adzak" userId="e9381150120ba3b7" providerId="LiveId" clId="{8C32FF50-CC00-47E5-B324-559F002FA7B9}" dt="2024-05-26T16:39:26.554" v="2419" actId="26606"/>
+          <ac:picMkLst>
+            <pc:docMk/>
+            <pc:sldMk cId="2945236607" sldId="282"/>
+            <ac:picMk id="8194" creationId="{875A67E3-50AC-26E3-604D-E2F29F7896D3}"/>
+          </ac:picMkLst>
+        </pc:picChg>
+      </pc:sldChg>
+      <pc:sldChg chg="addSp delSp modSp mod">
+        <pc:chgData name="Jetam Adzak" userId="e9381150120ba3b7" providerId="LiveId" clId="{8C32FF50-CC00-47E5-B324-559F002FA7B9}" dt="2024-05-26T16:41:31.074" v="2433" actId="14100"/>
+        <pc:sldMkLst>
+          <pc:docMk/>
+          <pc:sldMk cId="3870670037" sldId="283"/>
+        </pc:sldMkLst>
+        <pc:spChg chg="mod">
+          <ac:chgData name="Jetam Adzak" userId="e9381150120ba3b7" providerId="LiveId" clId="{8C32FF50-CC00-47E5-B324-559F002FA7B9}" dt="2024-05-01T11:21:30.221" v="1130" actId="14100"/>
+          <ac:spMkLst>
+            <pc:docMk/>
+            <pc:sldMk cId="3870670037" sldId="283"/>
+            <ac:spMk id="2" creationId="{722B6481-6761-FE25-5AB9-D9B90CC5B13A}"/>
+          </ac:spMkLst>
+        </pc:spChg>
+        <pc:spChg chg="add del">
+          <ac:chgData name="Jetam Adzak" userId="e9381150120ba3b7" providerId="LiveId" clId="{8C32FF50-CC00-47E5-B324-559F002FA7B9}" dt="2024-05-26T16:41:14.928" v="2430"/>
+          <ac:spMkLst>
+            <pc:docMk/>
+            <pc:sldMk cId="3870670037" sldId="283"/>
+            <ac:spMk id="3" creationId="{FD5FECD1-286F-DAB8-BCA7-DEC0571B974F}"/>
+          </ac:spMkLst>
+        </pc:spChg>
+        <pc:spChg chg="mod">
+          <ac:chgData name="Jetam Adzak" userId="e9381150120ba3b7" providerId="LiveId" clId="{8C32FF50-CC00-47E5-B324-559F002FA7B9}" dt="2024-05-26T09:12:30.266" v="1603" actId="313"/>
+          <ac:spMkLst>
+            <pc:docMk/>
+            <pc:sldMk cId="3870670037" sldId="283"/>
+            <ac:spMk id="4" creationId="{4173006D-8774-183E-FE1E-5CB00814E219}"/>
+          </ac:spMkLst>
+        </pc:spChg>
+        <pc:picChg chg="add mod">
+          <ac:chgData name="Jetam Adzak" userId="e9381150120ba3b7" providerId="LiveId" clId="{8C32FF50-CC00-47E5-B324-559F002FA7B9}" dt="2024-05-26T16:41:31.074" v="2433" actId="14100"/>
+          <ac:picMkLst>
+            <pc:docMk/>
+            <pc:sldMk cId="3870670037" sldId="283"/>
+            <ac:picMk id="6" creationId="{8140ACA3-8A5B-DFEF-ED84-A38881965F67}"/>
+          </ac:picMkLst>
+        </pc:picChg>
+        <pc:picChg chg="add del mod">
+          <ac:chgData name="Jetam Adzak" userId="e9381150120ba3b7" providerId="LiveId" clId="{8C32FF50-CC00-47E5-B324-559F002FA7B9}" dt="2024-05-26T16:41:19.410" v="2431" actId="478"/>
+          <ac:picMkLst>
+            <pc:docMk/>
+            <pc:sldMk cId="3870670037" sldId="283"/>
+            <ac:picMk id="9218" creationId="{CCB2FA99-BBA4-5C5B-BBE5-D5F3E95F7B59}"/>
+          </ac:picMkLst>
+        </pc:picChg>
+        <pc:picChg chg="add mod">
+          <ac:chgData name="Jetam Adzak" userId="e9381150120ba3b7" providerId="LiveId" clId="{8C32FF50-CC00-47E5-B324-559F002FA7B9}" dt="2024-05-26T16:41:09.099" v="2428"/>
+          <ac:picMkLst>
+            <pc:docMk/>
+            <pc:sldMk cId="3870670037" sldId="283"/>
+            <ac:picMk id="9220" creationId="{B4682ACE-A88F-64DB-7B35-4F7E5F86C967}"/>
+          </ac:picMkLst>
+        </pc:picChg>
+      </pc:sldChg>
+      <pc:sldChg chg="modSp del mod">
+        <pc:chgData name="Jetam Adzak" userId="e9381150120ba3b7" providerId="LiveId" clId="{8C32FF50-CC00-47E5-B324-559F002FA7B9}" dt="2024-05-26T10:59:52.969" v="1832" actId="47"/>
+        <pc:sldMkLst>
+          <pc:docMk/>
+          <pc:sldMk cId="3978263284" sldId="284"/>
+        </pc:sldMkLst>
+        <pc:spChg chg="mod">
+          <ac:chgData name="Jetam Adzak" userId="e9381150120ba3b7" providerId="LiveId" clId="{8C32FF50-CC00-47E5-B324-559F002FA7B9}" dt="2024-05-01T12:17:55.940" v="1279" actId="20577"/>
+          <ac:spMkLst>
+            <pc:docMk/>
+            <pc:sldMk cId="3978263284" sldId="284"/>
+            <ac:spMk id="4" creationId="{B973C373-AEA2-54CF-B23F-2B10238F9E30}"/>
+          </ac:spMkLst>
+        </pc:spChg>
+      </pc:sldChg>
+      <pc:sldChg chg="addSp delSp modSp mod">
+        <pc:chgData name="Jetam Adzak" userId="e9381150120ba3b7" providerId="LiveId" clId="{8C32FF50-CC00-47E5-B324-559F002FA7B9}" dt="2024-05-26T11:31:31.162" v="1970" actId="1076"/>
+        <pc:sldMkLst>
+          <pc:docMk/>
+          <pc:sldMk cId="717518750" sldId="285"/>
+        </pc:sldMkLst>
+        <pc:spChg chg="del">
+          <ac:chgData name="Jetam Adzak" userId="e9381150120ba3b7" providerId="LiveId" clId="{8C32FF50-CC00-47E5-B324-559F002FA7B9}" dt="2024-05-26T11:23:04.796" v="1909" actId="478"/>
+          <ac:spMkLst>
+            <pc:docMk/>
+            <pc:sldMk cId="717518750" sldId="285"/>
+            <ac:spMk id="2" creationId="{CA8951EF-7FE8-5E66-4BE1-8481FF311562}"/>
+          </ac:spMkLst>
+        </pc:spChg>
+        <pc:spChg chg="mod">
+          <ac:chgData name="Jetam Adzak" userId="e9381150120ba3b7" providerId="LiveId" clId="{8C32FF50-CC00-47E5-B324-559F002FA7B9}" dt="2024-05-26T11:31:31.162" v="1970" actId="1076"/>
+          <ac:spMkLst>
+            <pc:docMk/>
+            <pc:sldMk cId="717518750" sldId="285"/>
+            <ac:spMk id="4" creationId="{5956B914-DD39-AE88-7BAA-CC371BFBFB21}"/>
+          </ac:spMkLst>
+        </pc:spChg>
+        <pc:spChg chg="add mod">
+          <ac:chgData name="Jetam Adzak" userId="e9381150120ba3b7" providerId="LiveId" clId="{8C32FF50-CC00-47E5-B324-559F002FA7B9}" dt="2024-05-26T11:18:20.586" v="1884"/>
+          <ac:spMkLst>
+            <pc:docMk/>
+            <pc:sldMk cId="717518750" sldId="285"/>
+            <ac:spMk id="10" creationId="{FDDF207C-D9EF-5C94-C665-4DEAE54A982B}"/>
+          </ac:spMkLst>
+        </pc:spChg>
+        <pc:spChg chg="add del mod">
+          <ac:chgData name="Jetam Adzak" userId="e9381150120ba3b7" providerId="LiveId" clId="{8C32FF50-CC00-47E5-B324-559F002FA7B9}" dt="2024-05-26T11:23:07.239" v="1910" actId="478"/>
+          <ac:spMkLst>
+            <pc:docMk/>
+            <pc:sldMk cId="717518750" sldId="285"/>
+            <ac:spMk id="16" creationId="{86F3EE38-708C-D36C-1C30-4F659BA34DE4}"/>
+          </ac:spMkLst>
+        </pc:spChg>
+        <pc:graphicFrameChg chg="add del mod">
+          <ac:chgData name="Jetam Adzak" userId="e9381150120ba3b7" providerId="LiveId" clId="{8C32FF50-CC00-47E5-B324-559F002FA7B9}" dt="2024-05-26T11:15:45.380" v="1879" actId="478"/>
+          <ac:graphicFrameMkLst>
+            <pc:docMk/>
+            <pc:sldMk cId="717518750" sldId="285"/>
+            <ac:graphicFrameMk id="8" creationId="{4F67BDAA-85C4-BDC0-6A52-5C72F606848E}"/>
+          </ac:graphicFrameMkLst>
+        </pc:graphicFrameChg>
+        <pc:graphicFrameChg chg="add mod">
+          <ac:chgData name="Jetam Adzak" userId="e9381150120ba3b7" providerId="LiveId" clId="{8C32FF50-CC00-47E5-B324-559F002FA7B9}" dt="2024-05-26T11:18:13.616" v="1882" actId="255"/>
+          <ac:graphicFrameMkLst>
+            <pc:docMk/>
+            <pc:sldMk cId="717518750" sldId="285"/>
+            <ac:graphicFrameMk id="9" creationId="{1A2DF4A4-44C8-C02C-3313-A01339A7F91B}"/>
+          </ac:graphicFrameMkLst>
+        </pc:graphicFrameChg>
+        <pc:graphicFrameChg chg="add del mod">
+          <ac:chgData name="Jetam Adzak" userId="e9381150120ba3b7" providerId="LiveId" clId="{8C32FF50-CC00-47E5-B324-559F002FA7B9}" dt="2024-05-26T11:21:16.485" v="1899" actId="21"/>
+          <ac:graphicFrameMkLst>
+            <pc:docMk/>
+            <pc:sldMk cId="717518750" sldId="285"/>
+            <ac:graphicFrameMk id="13" creationId="{AFD39437-EED1-75BD-5F53-834A778AED0E}"/>
+          </ac:graphicFrameMkLst>
+        </pc:graphicFrameChg>
+        <pc:graphicFrameChg chg="add mod">
+          <ac:chgData name="Jetam Adzak" userId="e9381150120ba3b7" providerId="LiveId" clId="{8C32FF50-CC00-47E5-B324-559F002FA7B9}" dt="2024-05-26T11:31:26.768" v="1969" actId="1076"/>
+          <ac:graphicFrameMkLst>
+            <pc:docMk/>
+            <pc:sldMk cId="717518750" sldId="285"/>
+            <ac:graphicFrameMk id="14" creationId="{AFD39437-EED1-75BD-5F53-834A778AED0E}"/>
+          </ac:graphicFrameMkLst>
+        </pc:graphicFrameChg>
+        <pc:picChg chg="del">
+          <ac:chgData name="Jetam Adzak" userId="e9381150120ba3b7" providerId="LiveId" clId="{8C32FF50-CC00-47E5-B324-559F002FA7B9}" dt="2024-05-26T11:17:52.110" v="1880" actId="478"/>
+          <ac:picMkLst>
+            <pc:docMk/>
+            <pc:sldMk cId="717518750" sldId="285"/>
+            <ac:picMk id="5" creationId="{2BAED8BF-6C40-3898-2AE2-15A6947AAB21}"/>
+          </ac:picMkLst>
+        </pc:picChg>
+      </pc:sldChg>
+      <pc:sldChg chg="del">
+        <pc:chgData name="Jetam Adzak" userId="e9381150120ba3b7" providerId="LiveId" clId="{8C32FF50-CC00-47E5-B324-559F002FA7B9}" dt="2024-05-26T16:37:49.535" v="2408" actId="47"/>
+        <pc:sldMkLst>
+          <pc:docMk/>
+          <pc:sldMk cId="350717622" sldId="286"/>
+        </pc:sldMkLst>
+      </pc:sldChg>
+      <pc:sldChg chg="del">
+        <pc:chgData name="Jetam Adzak" userId="e9381150120ba3b7" providerId="LiveId" clId="{8C32FF50-CC00-47E5-B324-559F002FA7B9}" dt="2024-05-26T15:40:09.989" v="2220" actId="47"/>
+        <pc:sldMkLst>
+          <pc:docMk/>
+          <pc:sldMk cId="3192646812" sldId="287"/>
+        </pc:sldMkLst>
+      </pc:sldChg>
+      <pc:sldChg chg="del">
+        <pc:chgData name="Jetam Adzak" userId="e9381150120ba3b7" providerId="LiveId" clId="{8C32FF50-CC00-47E5-B324-559F002FA7B9}" dt="2024-05-01T10:52:22.920" v="475" actId="47"/>
+        <pc:sldMkLst>
+          <pc:docMk/>
+          <pc:sldMk cId="3031972281" sldId="288"/>
+        </pc:sldMkLst>
+      </pc:sldChg>
+      <pc:sldChg chg="modSp mod">
+        <pc:chgData name="Jetam Adzak" userId="e9381150120ba3b7" providerId="LiveId" clId="{8C32FF50-CC00-47E5-B324-559F002FA7B9}" dt="2024-05-01T10:52:43.367" v="478" actId="20577"/>
+        <pc:sldMkLst>
+          <pc:docMk/>
+          <pc:sldMk cId="1680597229" sldId="289"/>
+        </pc:sldMkLst>
+        <pc:spChg chg="mod">
+          <ac:chgData name="Jetam Adzak" userId="e9381150120ba3b7" providerId="LiveId" clId="{8C32FF50-CC00-47E5-B324-559F002FA7B9}" dt="2024-05-01T10:52:43.367" v="478" actId="20577"/>
+          <ac:spMkLst>
+            <pc:docMk/>
+            <pc:sldMk cId="1680597229" sldId="289"/>
+            <ac:spMk id="2" creationId="{72A0C4AB-C525-2090-EF05-FF6CB531F276}"/>
+          </ac:spMkLst>
+        </pc:spChg>
+      </pc:sldChg>
+      <pc:sldChg chg="addSp modSp">
+        <pc:chgData name="Jetam Adzak" userId="e9381150120ba3b7" providerId="LiveId" clId="{8C32FF50-CC00-47E5-B324-559F002FA7B9}" dt="2024-05-26T10:58:41.362" v="1824" actId="1076"/>
+        <pc:sldMkLst>
+          <pc:docMk/>
+          <pc:sldMk cId="1163652253" sldId="291"/>
+        </pc:sldMkLst>
+        <pc:picChg chg="add mod">
+          <ac:chgData name="Jetam Adzak" userId="e9381150120ba3b7" providerId="LiveId" clId="{8C32FF50-CC00-47E5-B324-559F002FA7B9}" dt="2024-05-26T10:58:41.362" v="1824" actId="1076"/>
+          <ac:picMkLst>
+            <pc:docMk/>
+            <pc:sldMk cId="1163652253" sldId="291"/>
+            <ac:picMk id="1026" creationId="{2FF510D0-8735-7332-DF40-BC79903D70F9}"/>
+          </ac:picMkLst>
+        </pc:picChg>
+      </pc:sldChg>
+      <pc:sldChg chg="addSp modSp">
+        <pc:chgData name="Jetam Adzak" userId="e9381150120ba3b7" providerId="LiveId" clId="{8C32FF50-CC00-47E5-B324-559F002FA7B9}" dt="2024-05-26T16:25:02.222" v="2383" actId="1076"/>
+        <pc:sldMkLst>
+          <pc:docMk/>
+          <pc:sldMk cId="892920798" sldId="293"/>
+        </pc:sldMkLst>
+        <pc:picChg chg="add mod">
+          <ac:chgData name="Jetam Adzak" userId="e9381150120ba3b7" providerId="LiveId" clId="{8C32FF50-CC00-47E5-B324-559F002FA7B9}" dt="2024-05-26T16:25:02.222" v="2383" actId="1076"/>
+          <ac:picMkLst>
+            <pc:docMk/>
+            <pc:sldMk cId="892920798" sldId="293"/>
+            <ac:picMk id="6146" creationId="{5618F850-6B86-DEAA-D8C6-9A4BF07B1F17}"/>
+          </ac:picMkLst>
+        </pc:picChg>
+      </pc:sldChg>
+      <pc:sldChg chg="addSp delSp modSp new mod ord">
+        <pc:chgData name="Jetam Adzak" userId="e9381150120ba3b7" providerId="LiveId" clId="{8C32FF50-CC00-47E5-B324-559F002FA7B9}" dt="2024-05-26T16:37:20.527" v="2392" actId="21"/>
+        <pc:sldMkLst>
+          <pc:docMk/>
+          <pc:sldMk cId="781952838" sldId="294"/>
+        </pc:sldMkLst>
+        <pc:spChg chg="mod">
+          <ac:chgData name="Jetam Adzak" userId="e9381150120ba3b7" providerId="LiveId" clId="{8C32FF50-CC00-47E5-B324-559F002FA7B9}" dt="2024-05-26T10:32:19.630" v="1644" actId="122"/>
+          <ac:spMkLst>
+            <pc:docMk/>
+            <pc:sldMk cId="781952838" sldId="294"/>
+            <ac:spMk id="2" creationId="{342581AA-E8EC-AF13-EE50-A23B8E717FFF}"/>
+          </ac:spMkLst>
+        </pc:spChg>
+        <pc:spChg chg="mod">
+          <ac:chgData name="Jetam Adzak" userId="e9381150120ba3b7" providerId="LiveId" clId="{8C32FF50-CC00-47E5-B324-559F002FA7B9}" dt="2024-05-26T16:37:02.907" v="2386" actId="1076"/>
+          <ac:spMkLst>
+            <pc:docMk/>
+            <pc:sldMk cId="781952838" sldId="294"/>
+            <ac:spMk id="4" creationId="{D180E11E-7D60-2117-1CEB-AB9785423A5C}"/>
+          </ac:spMkLst>
+        </pc:spChg>
+        <pc:spChg chg="mod">
+          <ac:chgData name="Jetam Adzak" userId="e9381150120ba3b7" providerId="LiveId" clId="{8C32FF50-CC00-47E5-B324-559F002FA7B9}" dt="2024-05-26T16:37:05.087" v="2387" actId="1076"/>
+          <ac:spMkLst>
+            <pc:docMk/>
+            <pc:sldMk cId="781952838" sldId="294"/>
+            <ac:spMk id="5" creationId="{01562584-B5B1-4155-F4C6-7C6B1D52BDD7}"/>
+          </ac:spMkLst>
+        </pc:spChg>
+        <pc:picChg chg="add del mod">
+          <ac:chgData name="Jetam Adzak" userId="e9381150120ba3b7" providerId="LiveId" clId="{8C32FF50-CC00-47E5-B324-559F002FA7B9}" dt="2024-05-26T16:37:20.527" v="2392" actId="21"/>
+          <ac:picMkLst>
+            <pc:docMk/>
+            <pc:sldMk cId="781952838" sldId="294"/>
+            <ac:picMk id="7170" creationId="{868AC706-7B05-35DB-BB6E-D65790AA1913}"/>
+          </ac:picMkLst>
+        </pc:picChg>
+      </pc:sldChg>
+      <pc:sldChg chg="addSp modSp new mod">
+        <pc:chgData name="Jetam Adzak" userId="e9381150120ba3b7" providerId="LiveId" clId="{8C32FF50-CC00-47E5-B324-559F002FA7B9}" dt="2024-05-26T16:16:44.887" v="2380" actId="1076"/>
+        <pc:sldMkLst>
+          <pc:docMk/>
+          <pc:sldMk cId="3311985377" sldId="295"/>
+        </pc:sldMkLst>
+        <pc:spChg chg="mod">
+          <ac:chgData name="Jetam Adzak" userId="e9381150120ba3b7" providerId="LiveId" clId="{8C32FF50-CC00-47E5-B324-559F002FA7B9}" dt="2024-05-26T10:32:37.691" v="1669" actId="122"/>
+          <ac:spMkLst>
+            <pc:docMk/>
+            <pc:sldMk cId="3311985377" sldId="295"/>
+            <ac:spMk id="2" creationId="{639B19C9-5FD8-3D48-CEBD-7C85E3E3ECC2}"/>
+          </ac:spMkLst>
+        </pc:spChg>
+        <pc:spChg chg="mod">
+          <ac:chgData name="Jetam Adzak" userId="e9381150120ba3b7" providerId="LiveId" clId="{8C32FF50-CC00-47E5-B324-559F002FA7B9}" dt="2024-05-26T10:44:56.189" v="1733" actId="790"/>
+          <ac:spMkLst>
+            <pc:docMk/>
+            <pc:sldMk cId="3311985377" sldId="295"/>
+            <ac:spMk id="4" creationId="{C926E9AB-DC39-0064-3FAE-7C6950E0840D}"/>
+          </ac:spMkLst>
+        </pc:spChg>
+        <pc:spChg chg="mod">
+          <ac:chgData name="Jetam Adzak" userId="e9381150120ba3b7" providerId="LiveId" clId="{8C32FF50-CC00-47E5-B324-559F002FA7B9}" dt="2024-05-26T10:44:48.616" v="1732" actId="313"/>
+          <ac:spMkLst>
+            <pc:docMk/>
+            <pc:sldMk cId="3311985377" sldId="295"/>
+            <ac:spMk id="5" creationId="{955A075D-A7C5-9ADE-6EB4-2239EC691AEC}"/>
+          </ac:spMkLst>
+        </pc:spChg>
+        <pc:picChg chg="add">
+          <ac:chgData name="Jetam Adzak" userId="e9381150120ba3b7" providerId="LiveId" clId="{8C32FF50-CC00-47E5-B324-559F002FA7B9}" dt="2024-05-26T16:12:31.107" v="2375"/>
+          <ac:picMkLst>
+            <pc:docMk/>
+            <pc:sldMk cId="3311985377" sldId="295"/>
+            <ac:picMk id="5122" creationId="{2E9A248A-708D-5142-87DB-D7135DA645C1}"/>
+          </ac:picMkLst>
+        </pc:picChg>
+        <pc:picChg chg="add">
+          <ac:chgData name="Jetam Adzak" userId="e9381150120ba3b7" providerId="LiveId" clId="{8C32FF50-CC00-47E5-B324-559F002FA7B9}" dt="2024-05-26T16:14:58.800" v="2376"/>
+          <ac:picMkLst>
+            <pc:docMk/>
+            <pc:sldMk cId="3311985377" sldId="295"/>
+            <ac:picMk id="5124" creationId="{FAE748D9-0F0C-09C7-8205-D1C9FFFFC34A}"/>
+          </ac:picMkLst>
+        </pc:picChg>
+        <pc:picChg chg="add">
+          <ac:chgData name="Jetam Adzak" userId="e9381150120ba3b7" providerId="LiveId" clId="{8C32FF50-CC00-47E5-B324-559F002FA7B9}" dt="2024-05-26T16:16:08.666" v="2377"/>
+          <ac:picMkLst>
+            <pc:docMk/>
+            <pc:sldMk cId="3311985377" sldId="295"/>
+            <ac:picMk id="5126" creationId="{2CB8AE3D-5EE0-D8F8-4B20-806626B56605}"/>
+          </ac:picMkLst>
+        </pc:picChg>
+        <pc:picChg chg="add mod">
+          <ac:chgData name="Jetam Adzak" userId="e9381150120ba3b7" providerId="LiveId" clId="{8C32FF50-CC00-47E5-B324-559F002FA7B9}" dt="2024-05-26T16:16:44.887" v="2380" actId="1076"/>
+          <ac:picMkLst>
+            <pc:docMk/>
+            <pc:sldMk cId="3311985377" sldId="295"/>
+            <ac:picMk id="5128" creationId="{BB21A5E2-7A58-9AE7-7F1D-5DB98973603C}"/>
+          </ac:picMkLst>
+        </pc:picChg>
+      </pc:sldChg>
+      <pc:sldChg chg="addSp delSp modSp new mod">
+        <pc:chgData name="Jetam Adzak" userId="e9381150120ba3b7" providerId="LiveId" clId="{8C32FF50-CC00-47E5-B324-559F002FA7B9}" dt="2024-05-26T16:38:23.232" v="2417" actId="1076"/>
+        <pc:sldMkLst>
+          <pc:docMk/>
+          <pc:sldMk cId="1752392832" sldId="296"/>
+        </pc:sldMkLst>
+        <pc:spChg chg="mod">
+          <ac:chgData name="Jetam Adzak" userId="e9381150120ba3b7" providerId="LiveId" clId="{8C32FF50-CC00-47E5-B324-559F002FA7B9}" dt="2024-05-26T15:40:35.717" v="2240" actId="20577"/>
+          <ac:spMkLst>
+            <pc:docMk/>
+            <pc:sldMk cId="1752392832" sldId="296"/>
+            <ac:spMk id="2" creationId="{D1EFF723-0B85-CF2A-6395-9D56ACBC43F6}"/>
+          </ac:spMkLst>
+        </pc:spChg>
+        <pc:spChg chg="add del mod">
+          <ac:chgData name="Jetam Adzak" userId="e9381150120ba3b7" providerId="LiveId" clId="{8C32FF50-CC00-47E5-B324-559F002FA7B9}" dt="2024-05-26T16:38:00.888" v="2414" actId="1076"/>
+          <ac:spMkLst>
+            <pc:docMk/>
+            <pc:sldMk cId="1752392832" sldId="296"/>
+            <ac:spMk id="4" creationId="{E1D427C5-F3C0-0039-AB78-B0CA789C7EC1}"/>
+          </ac:spMkLst>
+        </pc:spChg>
+        <pc:spChg chg="mod">
+          <ac:chgData name="Jetam Adzak" userId="e9381150120ba3b7" providerId="LiveId" clId="{8C32FF50-CC00-47E5-B324-559F002FA7B9}" dt="2024-05-26T16:37:55.765" v="2412" actId="1076"/>
+          <ac:spMkLst>
+            <pc:docMk/>
+            <pc:sldMk cId="1752392832" sldId="296"/>
+            <ac:spMk id="5" creationId="{DAB99E7B-443B-1297-2F8F-B4BDB9291A88}"/>
+          </ac:spMkLst>
+        </pc:spChg>
+        <pc:spChg chg="add mod">
+          <ac:chgData name="Jetam Adzak" userId="e9381150120ba3b7" providerId="LiveId" clId="{8C32FF50-CC00-47E5-B324-559F002FA7B9}" dt="2024-05-26T15:40:20.912" v="2223"/>
+          <ac:spMkLst>
+            <pc:docMk/>
+            <pc:sldMk cId="1752392832" sldId="296"/>
+            <ac:spMk id="6" creationId="{AC7DC9CE-6971-3AB2-D7CD-DB9408AA6826}"/>
+          </ac:spMkLst>
+        </pc:spChg>
+        <pc:picChg chg="add mod">
+          <ac:chgData name="Jetam Adzak" userId="e9381150120ba3b7" providerId="LiveId" clId="{8C32FF50-CC00-47E5-B324-559F002FA7B9}" dt="2024-05-26T16:38:23.232" v="2417" actId="1076"/>
+          <ac:picMkLst>
+            <pc:docMk/>
+            <pc:sldMk cId="1752392832" sldId="296"/>
+            <ac:picMk id="4099" creationId="{A90F6431-3C0B-5094-9709-0E3195CEE9A1}"/>
+          </ac:picMkLst>
+        </pc:picChg>
+        <pc:picChg chg="add mod">
+          <ac:chgData name="Jetam Adzak" userId="e9381150120ba3b7" providerId="LiveId" clId="{8C32FF50-CC00-47E5-B324-559F002FA7B9}" dt="2024-05-26T16:37:56.801" v="2413" actId="1076"/>
+          <ac:picMkLst>
+            <pc:docMk/>
+            <pc:sldMk cId="1752392832" sldId="296"/>
+            <ac:picMk id="7170" creationId="{868AC706-7B05-35DB-BB6E-D65790AA1913}"/>
+          </ac:picMkLst>
+        </pc:picChg>
+      </pc:sldChg>
+    </pc:docChg>
+  </pc:docChgLst>
   <pc:docChgLst>
     <pc:chgData name="Jetam Adzak" userId="e9381150120ba3b7" providerId="LiveId" clId="{6E099CDB-8226-423C-9221-8D5D82F0F3C9}"/>
     <pc:docChg chg="undo custSel modSld">
@@ -234,136 +766,1109 @@
       </pc:sldChg>
     </pc:docChg>
   </pc:docChgLst>
-  <pc:docChgLst>
-    <pc:chgData name="Jetam Adzak" userId="e9381150120ba3b7" providerId="LiveId" clId="{8C32FF50-CC00-47E5-B324-559F002FA7B9}"/>
-    <pc:docChg chg="undo custSel delSld modSld sldOrd">
-      <pc:chgData name="Jetam Adzak" userId="e9381150120ba3b7" providerId="LiveId" clId="{8C32FF50-CC00-47E5-B324-559F002FA7B9}" dt="2024-05-02T15:08:35.089" v="1303" actId="20577"/>
-      <pc:docMkLst>
-        <pc:docMk/>
-      </pc:docMkLst>
-      <pc:sldChg chg="modSp mod">
-        <pc:chgData name="Jetam Adzak" userId="e9381150120ba3b7" providerId="LiveId" clId="{8C32FF50-CC00-47E5-B324-559F002FA7B9}" dt="2024-05-02T15:08:35.089" v="1303" actId="20577"/>
-        <pc:sldMkLst>
-          <pc:docMk/>
-          <pc:sldMk cId="1346372204" sldId="264"/>
-        </pc:sldMkLst>
-        <pc:spChg chg="mod">
-          <ac:chgData name="Jetam Adzak" userId="e9381150120ba3b7" providerId="LiveId" clId="{8C32FF50-CC00-47E5-B324-559F002FA7B9}" dt="2024-05-02T15:08:35.089" v="1303" actId="20577"/>
-          <ac:spMkLst>
-            <pc:docMk/>
-            <pc:sldMk cId="1346372204" sldId="264"/>
-            <ac:spMk id="3" creationId="{033634FE-ADF0-4BC3-A0A9-447EA9DD096B}"/>
-          </ac:spMkLst>
-        </pc:spChg>
-      </pc:sldChg>
-      <pc:sldChg chg="modSp mod">
-        <pc:chgData name="Jetam Adzak" userId="e9381150120ba3b7" providerId="LiveId" clId="{8C32FF50-CC00-47E5-B324-559F002FA7B9}" dt="2024-05-01T09:54:58.290" v="456" actId="1076"/>
-        <pc:sldMkLst>
-          <pc:docMk/>
-          <pc:sldMk cId="2243494996" sldId="277"/>
-        </pc:sldMkLst>
-        <pc:spChg chg="mod">
-          <ac:chgData name="Jetam Adzak" userId="e9381150120ba3b7" providerId="LiveId" clId="{8C32FF50-CC00-47E5-B324-559F002FA7B9}" dt="2024-05-01T09:54:58.290" v="456" actId="1076"/>
-          <ac:spMkLst>
-            <pc:docMk/>
-            <pc:sldMk cId="2243494996" sldId="277"/>
-            <ac:spMk id="2" creationId="{6719F29B-F233-48AF-8261-F33A4E079E3E}"/>
-          </ac:spMkLst>
-        </pc:spChg>
-        <pc:spChg chg="mod">
-          <ac:chgData name="Jetam Adzak" userId="e9381150120ba3b7" providerId="LiveId" clId="{8C32FF50-CC00-47E5-B324-559F002FA7B9}" dt="2024-05-01T09:54:55.980" v="455" actId="14100"/>
-          <ac:spMkLst>
-            <pc:docMk/>
-            <pc:sldMk cId="2243494996" sldId="277"/>
-            <ac:spMk id="3" creationId="{35E3EA69-4E0E-41BD-8095-A124225A2647}"/>
-          </ac:spMkLst>
-        </pc:spChg>
-      </pc:sldChg>
-      <pc:sldChg chg="ord">
-        <pc:chgData name="Jetam Adzak" userId="e9381150120ba3b7" providerId="LiveId" clId="{8C32FF50-CC00-47E5-B324-559F002FA7B9}" dt="2024-05-01T08:58:28.378" v="3"/>
-        <pc:sldMkLst>
-          <pc:docMk/>
-          <pc:sldMk cId="979006609" sldId="279"/>
-        </pc:sldMkLst>
-      </pc:sldChg>
-      <pc:sldChg chg="modSp mod">
-        <pc:chgData name="Jetam Adzak" userId="e9381150120ba3b7" providerId="LiveId" clId="{8C32FF50-CC00-47E5-B324-559F002FA7B9}" dt="2024-05-01T11:25:14.591" v="1225" actId="2711"/>
-        <pc:sldMkLst>
-          <pc:docMk/>
-          <pc:sldMk cId="2945236607" sldId="282"/>
-        </pc:sldMkLst>
-        <pc:spChg chg="mod">
-          <ac:chgData name="Jetam Adzak" userId="e9381150120ba3b7" providerId="LiveId" clId="{8C32FF50-CC00-47E5-B324-559F002FA7B9}" dt="2024-05-01T11:25:14.591" v="1225" actId="2711"/>
-          <ac:spMkLst>
-            <pc:docMk/>
-            <pc:sldMk cId="2945236607" sldId="282"/>
-            <ac:spMk id="4" creationId="{67D16960-58C9-651F-2793-349CED3B04EC}"/>
-          </ac:spMkLst>
-        </pc:spChg>
-      </pc:sldChg>
-      <pc:sldChg chg="modSp mod">
-        <pc:chgData name="Jetam Adzak" userId="e9381150120ba3b7" providerId="LiveId" clId="{8C32FF50-CC00-47E5-B324-559F002FA7B9}" dt="2024-05-01T11:21:42.488" v="1136" actId="14100"/>
-        <pc:sldMkLst>
-          <pc:docMk/>
-          <pc:sldMk cId="3870670037" sldId="283"/>
-        </pc:sldMkLst>
-        <pc:spChg chg="mod">
-          <ac:chgData name="Jetam Adzak" userId="e9381150120ba3b7" providerId="LiveId" clId="{8C32FF50-CC00-47E5-B324-559F002FA7B9}" dt="2024-05-01T11:21:30.221" v="1130" actId="14100"/>
-          <ac:spMkLst>
-            <pc:docMk/>
-            <pc:sldMk cId="3870670037" sldId="283"/>
-            <ac:spMk id="2" creationId="{722B6481-6761-FE25-5AB9-D9B90CC5B13A}"/>
-          </ac:spMkLst>
-        </pc:spChg>
-        <pc:spChg chg="mod">
-          <ac:chgData name="Jetam Adzak" userId="e9381150120ba3b7" providerId="LiveId" clId="{8C32FF50-CC00-47E5-B324-559F002FA7B9}" dt="2024-05-01T11:21:42.488" v="1136" actId="14100"/>
-          <ac:spMkLst>
-            <pc:docMk/>
-            <pc:sldMk cId="3870670037" sldId="283"/>
-            <ac:spMk id="4" creationId="{4173006D-8774-183E-FE1E-5CB00814E219}"/>
-          </ac:spMkLst>
-        </pc:spChg>
-      </pc:sldChg>
-      <pc:sldChg chg="modSp mod">
-        <pc:chgData name="Jetam Adzak" userId="e9381150120ba3b7" providerId="LiveId" clId="{8C32FF50-CC00-47E5-B324-559F002FA7B9}" dt="2024-05-01T12:17:55.940" v="1279" actId="20577"/>
-        <pc:sldMkLst>
-          <pc:docMk/>
-          <pc:sldMk cId="3978263284" sldId="284"/>
-        </pc:sldMkLst>
-        <pc:spChg chg="mod">
-          <ac:chgData name="Jetam Adzak" userId="e9381150120ba3b7" providerId="LiveId" clId="{8C32FF50-CC00-47E5-B324-559F002FA7B9}" dt="2024-05-01T12:17:55.940" v="1279" actId="20577"/>
-          <ac:spMkLst>
-            <pc:docMk/>
-            <pc:sldMk cId="3978263284" sldId="284"/>
-            <ac:spMk id="4" creationId="{B973C373-AEA2-54CF-B23F-2B10238F9E30}"/>
-          </ac:spMkLst>
-        </pc:spChg>
-      </pc:sldChg>
-      <pc:sldChg chg="del">
-        <pc:chgData name="Jetam Adzak" userId="e9381150120ba3b7" providerId="LiveId" clId="{8C32FF50-CC00-47E5-B324-559F002FA7B9}" dt="2024-05-01T10:52:22.920" v="475" actId="47"/>
-        <pc:sldMkLst>
-          <pc:docMk/>
-          <pc:sldMk cId="3031972281" sldId="288"/>
-        </pc:sldMkLst>
-      </pc:sldChg>
-      <pc:sldChg chg="modSp mod">
-        <pc:chgData name="Jetam Adzak" userId="e9381150120ba3b7" providerId="LiveId" clId="{8C32FF50-CC00-47E5-B324-559F002FA7B9}" dt="2024-05-01T10:52:43.367" v="478" actId="20577"/>
-        <pc:sldMkLst>
-          <pc:docMk/>
-          <pc:sldMk cId="1680597229" sldId="289"/>
-        </pc:sldMkLst>
-        <pc:spChg chg="mod">
-          <ac:chgData name="Jetam Adzak" userId="e9381150120ba3b7" providerId="LiveId" clId="{8C32FF50-CC00-47E5-B324-559F002FA7B9}" dt="2024-05-01T10:52:43.367" v="478" actId="20577"/>
-          <ac:spMkLst>
-            <pc:docMk/>
-            <pc:sldMk cId="1680597229" sldId="289"/>
-            <ac:spMk id="2" creationId="{72A0C4AB-C525-2090-EF05-FF6CB531F276}"/>
-          </ac:spMkLst>
-        </pc:spChg>
-      </pc:sldChg>
-    </pc:docChg>
-  </pc:docChgLst>
 </pc:chgInfo>
+</file>
+
+<file path=ppt/charts/chart1.xml><?xml version="1.0" encoding="utf-8"?>
+<c:chartSpace xmlns:c="http://schemas.openxmlformats.org/drawingml/2006/chart" xmlns:a="http://schemas.openxmlformats.org/drawingml/2006/main" xmlns:r="http://schemas.openxmlformats.org/officeDocument/2006/relationships" xmlns:c16r2="http://schemas.microsoft.com/office/drawing/2015/06/chart">
+  <c:date1904 val="0"/>
+  <c:lang val="en-US"/>
+  <c:roundedCorners val="0"/>
+  <mc:AlternateContent xmlns:mc="http://schemas.openxmlformats.org/markup-compatibility/2006">
+    <mc:Choice xmlns:c14="http://schemas.microsoft.com/office/drawing/2007/8/2/chart" Requires="c14">
+      <c14:style val="108"/>
+    </mc:Choice>
+    <mc:Fallback>
+      <c:style val="8"/>
+    </mc:Fallback>
+  </mc:AlternateContent>
+  <c:chart>
+    <c:title>
+      <c:tx>
+        <c:rich>
+          <a:bodyPr rot="0" spcFirstLastPara="1" vertOverflow="ellipsis" vert="horz" wrap="square" anchor="ctr" anchorCtr="1"/>
+          <a:lstStyle/>
+          <a:p>
+            <a:pPr>
+              <a:defRPr sz="2128" b="1" i="0" u="none" strike="noStrike" kern="1200" cap="all" spc="120" normalizeH="0" baseline="0">
+                <a:solidFill>
+                  <a:schemeClr val="bg1"/>
+                </a:solidFill>
+                <a:latin typeface="+mn-lt"/>
+                <a:ea typeface="+mn-ea"/>
+                <a:cs typeface="+mn-cs"/>
+              </a:defRPr>
+            </a:pPr>
+            <a:r>
+              <a:rPr lang="sk-SK" dirty="0"/>
+              <a:t>Porovnanie</a:t>
+            </a:r>
+            <a:endParaRPr lang="en-US" dirty="0"/>
+          </a:p>
+        </c:rich>
+      </c:tx>
+      <c:overlay val="0"/>
+      <c:spPr>
+        <a:noFill/>
+        <a:ln>
+          <a:noFill/>
+        </a:ln>
+        <a:effectLst/>
+      </c:spPr>
+      <c:txPr>
+        <a:bodyPr rot="0" spcFirstLastPara="1" vertOverflow="ellipsis" vert="horz" wrap="square" anchor="ctr" anchorCtr="1"/>
+        <a:lstStyle/>
+        <a:p>
+          <a:pPr>
+            <a:defRPr sz="2128" b="1" i="0" u="none" strike="noStrike" kern="1200" cap="all" spc="120" normalizeH="0" baseline="0">
+              <a:solidFill>
+                <a:schemeClr val="bg1"/>
+              </a:solidFill>
+              <a:latin typeface="+mn-lt"/>
+              <a:ea typeface="+mn-ea"/>
+              <a:cs typeface="+mn-cs"/>
+            </a:defRPr>
+          </a:pPr>
+          <a:endParaRPr lang="en-US"/>
+        </a:p>
+      </c:txPr>
+    </c:title>
+    <c:autoTitleDeleted val="0"/>
+    <c:plotArea>
+      <c:layout>
+        <c:manualLayout>
+          <c:layoutTarget val="inner"/>
+          <c:xMode val="edge"/>
+          <c:yMode val="edge"/>
+          <c:x val="7.437304064802551E-2"/>
+          <c:y val="0.19079684975523603"/>
+          <c:w val="0.90260168662349161"/>
+          <c:h val="0.38947826074288117"/>
+        </c:manualLayout>
+      </c:layout>
+      <c:barChart>
+        <c:barDir val="col"/>
+        <c:grouping val="clustered"/>
+        <c:varyColors val="0"/>
+        <c:ser>
+          <c:idx val="0"/>
+          <c:order val="0"/>
+          <c:tx>
+            <c:strRef>
+              <c:f>Sheet1!$B$1</c:f>
+              <c:strCache>
+                <c:ptCount val="1"/>
+                <c:pt idx="0">
+                  <c:v>RTX 3080 (320W) FPS</c:v>
+                </c:pt>
+              </c:strCache>
+            </c:strRef>
+          </c:tx>
+          <c:spPr>
+            <a:solidFill>
+              <a:schemeClr val="accent6">
+                <a:shade val="76000"/>
+              </a:schemeClr>
+            </a:solidFill>
+            <a:ln>
+              <a:noFill/>
+            </a:ln>
+            <a:effectLst/>
+          </c:spPr>
+          <c:invertIfNegative val="0"/>
+          <c:dLbls>
+            <c:spPr>
+              <a:noFill/>
+              <a:ln>
+                <a:noFill/>
+              </a:ln>
+              <a:effectLst/>
+            </c:spPr>
+            <c:txPr>
+              <a:bodyPr rot="-5400000" spcFirstLastPara="1" vertOverflow="clip" horzOverflow="clip" vert="horz" wrap="square" lIns="38100" tIns="19050" rIns="38100" bIns="19050" anchor="ctr" anchorCtr="1">
+                <a:spAutoFit/>
+              </a:bodyPr>
+              <a:lstStyle/>
+              <a:p>
+                <a:pPr>
+                  <a:defRPr sz="1064" b="0" i="0" u="none" strike="noStrike" kern="1200" baseline="0">
+                    <a:solidFill>
+                      <a:schemeClr val="bg1"/>
+                    </a:solidFill>
+                    <a:latin typeface="+mn-lt"/>
+                    <a:ea typeface="+mn-ea"/>
+                    <a:cs typeface="+mn-cs"/>
+                  </a:defRPr>
+                </a:pPr>
+                <a:endParaRPr lang="en-US"/>
+              </a:p>
+            </c:txPr>
+            <c:dLblPos val="outEnd"/>
+            <c:showLegendKey val="0"/>
+            <c:showVal val="1"/>
+            <c:showCatName val="0"/>
+            <c:showSerName val="0"/>
+            <c:showPercent val="0"/>
+            <c:showBubbleSize val="0"/>
+            <c:showLeaderLines val="0"/>
+            <c:extLst>
+              <c:ext xmlns:c15="http://schemas.microsoft.com/office/drawing/2012/chart" uri="{CE6537A1-D6FC-4f65-9D91-7224C49458BB}">
+                <c15:showLeaderLines val="1"/>
+                <c15:leaderLines>
+                  <c:spPr>
+                    <a:ln w="9525">
+                      <a:solidFill>
+                        <a:schemeClr val="tx1">
+                          <a:lumMod val="35000"/>
+                          <a:lumOff val="65000"/>
+                        </a:schemeClr>
+                      </a:solidFill>
+                    </a:ln>
+                    <a:effectLst/>
+                  </c:spPr>
+                </c15:leaderLines>
+              </c:ext>
+            </c:extLst>
+          </c:dLbls>
+          <c:cat>
+            <c:strRef>
+              <c:f>Sheet1!$A$2:$A$11</c:f>
+              <c:strCache>
+                <c:ptCount val="10"/>
+                <c:pt idx="0">
+                  <c:v>Battlefield V</c:v>
+                </c:pt>
+                <c:pt idx="1">
+                  <c:v>Borderlands 3</c:v>
+                </c:pt>
+                <c:pt idx="2">
+                  <c:v>Call of Duty: Modern Warfare</c:v>
+                </c:pt>
+                <c:pt idx="3">
+                  <c:v>Division 2</c:v>
+                </c:pt>
+                <c:pt idx="4">
+                  <c:v>Doom Eternal</c:v>
+                </c:pt>
+                <c:pt idx="5">
+                  <c:v>Forza Horizon 4</c:v>
+                </c:pt>
+                <c:pt idx="6">
+                  <c:v>Gears of War 5</c:v>
+                </c:pt>
+                <c:pt idx="7">
+                  <c:v>Resident Evil 3</c:v>
+                </c:pt>
+                <c:pt idx="8">
+                  <c:v>Shadow of the Tomb Raider</c:v>
+                </c:pt>
+                <c:pt idx="9">
+                  <c:v>Wolfenstein: Young Blood</c:v>
+                </c:pt>
+              </c:strCache>
+            </c:strRef>
+          </c:cat>
+          <c:val>
+            <c:numRef>
+              <c:f>Sheet1!$B$2:$B$11</c:f>
+              <c:numCache>
+                <c:formatCode>General</c:formatCode>
+                <c:ptCount val="10"/>
+                <c:pt idx="0">
+                  <c:v>111</c:v>
+                </c:pt>
+                <c:pt idx="1">
+                  <c:v>61</c:v>
+                </c:pt>
+                <c:pt idx="2">
+                  <c:v>88</c:v>
+                </c:pt>
+                <c:pt idx="3">
+                  <c:v>77</c:v>
+                </c:pt>
+                <c:pt idx="4">
+                  <c:v>139</c:v>
+                </c:pt>
+                <c:pt idx="5">
+                  <c:v>133</c:v>
+                </c:pt>
+                <c:pt idx="6">
+                  <c:v>77</c:v>
+                </c:pt>
+                <c:pt idx="7">
+                  <c:v>122</c:v>
+                </c:pt>
+                <c:pt idx="8">
+                  <c:v>88</c:v>
+                </c:pt>
+                <c:pt idx="9">
+                  <c:v>145</c:v>
+                </c:pt>
+              </c:numCache>
+            </c:numRef>
+          </c:val>
+          <c:extLst>
+            <c:ext xmlns:c16="http://schemas.microsoft.com/office/drawing/2014/chart" uri="{C3380CC4-5D6E-409C-BE32-E72D297353CC}">
+              <c16:uniqueId val="{00000000-58EC-4771-881D-D100BDE36DB7}"/>
+            </c:ext>
+          </c:extLst>
+        </c:ser>
+        <c:ser>
+          <c:idx val="1"/>
+          <c:order val="1"/>
+          <c:tx>
+            <c:strRef>
+              <c:f>Sheet1!$C$1</c:f>
+              <c:strCache>
+                <c:ptCount val="1"/>
+                <c:pt idx="0">
+                  <c:v>RX 6800 XT (300W) FPS</c:v>
+                </c:pt>
+              </c:strCache>
+            </c:strRef>
+          </c:tx>
+          <c:spPr>
+            <a:solidFill>
+              <a:schemeClr val="accent6">
+                <a:tint val="77000"/>
+              </a:schemeClr>
+            </a:solidFill>
+            <a:ln>
+              <a:noFill/>
+            </a:ln>
+            <a:effectLst/>
+          </c:spPr>
+          <c:invertIfNegative val="0"/>
+          <c:dLbls>
+            <c:spPr>
+              <a:noFill/>
+              <a:ln>
+                <a:noFill/>
+              </a:ln>
+              <a:effectLst/>
+            </c:spPr>
+            <c:txPr>
+              <a:bodyPr rot="-5400000" spcFirstLastPara="1" vertOverflow="clip" horzOverflow="clip" vert="horz" wrap="square" lIns="38100" tIns="19050" rIns="38100" bIns="19050" anchor="ctr" anchorCtr="1">
+                <a:spAutoFit/>
+              </a:bodyPr>
+              <a:lstStyle/>
+              <a:p>
+                <a:pPr>
+                  <a:defRPr sz="1064" b="0" i="0" u="none" strike="noStrike" kern="1200" baseline="0">
+                    <a:solidFill>
+                      <a:schemeClr val="bg1"/>
+                    </a:solidFill>
+                    <a:latin typeface="+mn-lt"/>
+                    <a:ea typeface="+mn-ea"/>
+                    <a:cs typeface="+mn-cs"/>
+                  </a:defRPr>
+                </a:pPr>
+                <a:endParaRPr lang="en-US"/>
+              </a:p>
+            </c:txPr>
+            <c:dLblPos val="outEnd"/>
+            <c:showLegendKey val="0"/>
+            <c:showVal val="1"/>
+            <c:showCatName val="0"/>
+            <c:showSerName val="0"/>
+            <c:showPercent val="0"/>
+            <c:showBubbleSize val="0"/>
+            <c:showLeaderLines val="0"/>
+            <c:extLst>
+              <c:ext xmlns:c15="http://schemas.microsoft.com/office/drawing/2012/chart" uri="{CE6537A1-D6FC-4f65-9D91-7224C49458BB}">
+                <c15:showLeaderLines val="1"/>
+                <c15:leaderLines>
+                  <c:spPr>
+                    <a:ln w="9525">
+                      <a:solidFill>
+                        <a:schemeClr val="tx1">
+                          <a:lumMod val="35000"/>
+                          <a:lumOff val="65000"/>
+                        </a:schemeClr>
+                      </a:solidFill>
+                    </a:ln>
+                    <a:effectLst/>
+                  </c:spPr>
+                </c15:leaderLines>
+              </c:ext>
+            </c:extLst>
+          </c:dLbls>
+          <c:cat>
+            <c:strRef>
+              <c:f>Sheet1!$A$2:$A$11</c:f>
+              <c:strCache>
+                <c:ptCount val="10"/>
+                <c:pt idx="0">
+                  <c:v>Battlefield V</c:v>
+                </c:pt>
+                <c:pt idx="1">
+                  <c:v>Borderlands 3</c:v>
+                </c:pt>
+                <c:pt idx="2">
+                  <c:v>Call of Duty: Modern Warfare</c:v>
+                </c:pt>
+                <c:pt idx="3">
+                  <c:v>Division 2</c:v>
+                </c:pt>
+                <c:pt idx="4">
+                  <c:v>Doom Eternal</c:v>
+                </c:pt>
+                <c:pt idx="5">
+                  <c:v>Forza Horizon 4</c:v>
+                </c:pt>
+                <c:pt idx="6">
+                  <c:v>Gears of War 5</c:v>
+                </c:pt>
+                <c:pt idx="7">
+                  <c:v>Resident Evil 3</c:v>
+                </c:pt>
+                <c:pt idx="8">
+                  <c:v>Shadow of the Tomb Raider</c:v>
+                </c:pt>
+                <c:pt idx="9">
+                  <c:v>Wolfenstein: Young Blood</c:v>
+                </c:pt>
+              </c:strCache>
+            </c:strRef>
+          </c:cat>
+          <c:val>
+            <c:numRef>
+              <c:f>Sheet1!$C$2:$C$11</c:f>
+              <c:numCache>
+                <c:formatCode>General</c:formatCode>
+                <c:ptCount val="10"/>
+                <c:pt idx="0">
+                  <c:v>113</c:v>
+                </c:pt>
+                <c:pt idx="1">
+                  <c:v>63</c:v>
+                </c:pt>
+                <c:pt idx="2">
+                  <c:v>91</c:v>
+                </c:pt>
+                <c:pt idx="3">
+                  <c:v>74</c:v>
+                </c:pt>
+                <c:pt idx="4">
+                  <c:v>138</c:v>
+                </c:pt>
+                <c:pt idx="5">
+                  <c:v>138</c:v>
+                </c:pt>
+                <c:pt idx="6">
+                  <c:v>78</c:v>
+                </c:pt>
+                <c:pt idx="7">
+                  <c:v>117</c:v>
+                </c:pt>
+                <c:pt idx="8">
+                  <c:v>88</c:v>
+                </c:pt>
+                <c:pt idx="9">
+                  <c:v>142</c:v>
+                </c:pt>
+              </c:numCache>
+            </c:numRef>
+          </c:val>
+          <c:extLst>
+            <c:ext xmlns:c16="http://schemas.microsoft.com/office/drawing/2014/chart" uri="{C3380CC4-5D6E-409C-BE32-E72D297353CC}">
+              <c16:uniqueId val="{00000001-58EC-4771-881D-D100BDE36DB7}"/>
+            </c:ext>
+          </c:extLst>
+        </c:ser>
+        <c:dLbls>
+          <c:dLblPos val="outEnd"/>
+          <c:showLegendKey val="0"/>
+          <c:showVal val="1"/>
+          <c:showCatName val="0"/>
+          <c:showSerName val="0"/>
+          <c:showPercent val="0"/>
+          <c:showBubbleSize val="0"/>
+        </c:dLbls>
+        <c:gapWidth val="444"/>
+        <c:overlap val="-90"/>
+        <c:axId val="1360805936"/>
+        <c:axId val="1360809296"/>
+      </c:barChart>
+      <c:catAx>
+        <c:axId val="1360805936"/>
+        <c:scaling>
+          <c:orientation val="minMax"/>
+        </c:scaling>
+        <c:delete val="0"/>
+        <c:axPos val="b"/>
+        <c:majorGridlines>
+          <c:spPr>
+            <a:ln w="9525" cap="flat" cmpd="sng" algn="ctr">
+              <a:solidFill>
+                <a:schemeClr val="tx1">
+                  <a:lumMod val="15000"/>
+                  <a:lumOff val="85000"/>
+                </a:schemeClr>
+              </a:solidFill>
+              <a:round/>
+            </a:ln>
+            <a:effectLst/>
+          </c:spPr>
+        </c:majorGridlines>
+        <c:numFmt formatCode="General" sourceLinked="1"/>
+        <c:majorTickMark val="none"/>
+        <c:minorTickMark val="none"/>
+        <c:tickLblPos val="nextTo"/>
+        <c:spPr>
+          <a:noFill/>
+          <a:ln w="9525" cap="flat" cmpd="sng" algn="ctr">
+            <a:solidFill>
+              <a:schemeClr val="tx1">
+                <a:lumMod val="15000"/>
+                <a:lumOff val="85000"/>
+              </a:schemeClr>
+            </a:solidFill>
+            <a:round/>
+          </a:ln>
+          <a:effectLst/>
+        </c:spPr>
+        <c:txPr>
+          <a:bodyPr rot="-60000000" spcFirstLastPara="1" vertOverflow="ellipsis" vert="horz" wrap="square" anchor="ctr" anchorCtr="1"/>
+          <a:lstStyle/>
+          <a:p>
+            <a:pPr>
+              <a:defRPr sz="1064" b="0" i="0" u="none" strike="noStrike" kern="1200" cap="all" spc="120" normalizeH="0" baseline="0">
+                <a:solidFill>
+                  <a:schemeClr val="bg1"/>
+                </a:solidFill>
+                <a:latin typeface="+mn-lt"/>
+                <a:ea typeface="+mn-ea"/>
+                <a:cs typeface="+mn-cs"/>
+              </a:defRPr>
+            </a:pPr>
+            <a:endParaRPr lang="en-US"/>
+          </a:p>
+        </c:txPr>
+        <c:crossAx val="1360809296"/>
+        <c:crosses val="autoZero"/>
+        <c:auto val="1"/>
+        <c:lblAlgn val="ctr"/>
+        <c:lblOffset val="100"/>
+        <c:noMultiLvlLbl val="0"/>
+      </c:catAx>
+      <c:valAx>
+        <c:axId val="1360809296"/>
+        <c:scaling>
+          <c:orientation val="minMax"/>
+        </c:scaling>
+        <c:delete val="1"/>
+        <c:axPos val="l"/>
+        <c:numFmt formatCode="General" sourceLinked="1"/>
+        <c:majorTickMark val="none"/>
+        <c:minorTickMark val="none"/>
+        <c:tickLblPos val="nextTo"/>
+        <c:crossAx val="1360805936"/>
+        <c:crosses val="autoZero"/>
+        <c:crossBetween val="between"/>
+      </c:valAx>
+      <c:spPr>
+        <a:noFill/>
+        <a:ln>
+          <a:noFill/>
+        </a:ln>
+        <a:effectLst/>
+      </c:spPr>
+    </c:plotArea>
+    <c:legend>
+      <c:legendPos val="t"/>
+      <c:overlay val="0"/>
+      <c:spPr>
+        <a:noFill/>
+        <a:ln>
+          <a:noFill/>
+        </a:ln>
+        <a:effectLst/>
+      </c:spPr>
+      <c:txPr>
+        <a:bodyPr rot="0" spcFirstLastPara="1" vertOverflow="ellipsis" vert="horz" wrap="square" anchor="ctr" anchorCtr="1"/>
+        <a:lstStyle/>
+        <a:p>
+          <a:pPr>
+            <a:defRPr sz="1197" b="0" i="0" u="none" strike="noStrike" kern="1200" baseline="0">
+              <a:solidFill>
+                <a:schemeClr val="bg1"/>
+              </a:solidFill>
+              <a:latin typeface="+mn-lt"/>
+              <a:ea typeface="+mn-ea"/>
+              <a:cs typeface="+mn-cs"/>
+            </a:defRPr>
+          </a:pPr>
+          <a:endParaRPr lang="en-US"/>
+        </a:p>
+      </c:txPr>
+    </c:legend>
+    <c:plotVisOnly val="1"/>
+    <c:dispBlanksAs val="gap"/>
+    <c:extLst>
+      <c:ext xmlns:c16r3="http://schemas.microsoft.com/office/drawing/2017/03/chart" uri="{56B9EC1D-385E-4148-901F-78D8002777C0}">
+        <c16r3:dataDisplayOptions16>
+          <c16r3:dispNaAsBlank val="1"/>
+        </c16r3:dataDisplayOptions16>
+      </c:ext>
+    </c:extLst>
+    <c:showDLblsOverMax val="0"/>
+  </c:chart>
+  <c:spPr>
+    <a:noFill/>
+    <a:ln>
+      <a:noFill/>
+    </a:ln>
+    <a:effectLst/>
+  </c:spPr>
+  <c:txPr>
+    <a:bodyPr/>
+    <a:lstStyle/>
+    <a:p>
+      <a:pPr>
+        <a:defRPr>
+          <a:solidFill>
+            <a:schemeClr val="bg1"/>
+          </a:solidFill>
+        </a:defRPr>
+      </a:pPr>
+      <a:endParaRPr lang="en-US"/>
+    </a:p>
+  </c:txPr>
+  <c:externalData r:id="rId3">
+    <c:autoUpdate val="0"/>
+  </c:externalData>
+</c:chartSpace>
+</file>
+
+<file path=ppt/charts/colors1.xml><?xml version="1.0" encoding="utf-8"?>
+<cs:colorStyle xmlns:cs="http://schemas.microsoft.com/office/drawing/2012/chartStyle" xmlns:a="http://schemas.openxmlformats.org/drawingml/2006/main" meth="withinLinear" id="19">
+  <a:schemeClr val="accent6"/>
+</cs:colorStyle>
+</file>
+
+<file path=ppt/charts/style1.xml><?xml version="1.0" encoding="utf-8"?>
+<cs:chartStyle xmlns:cs="http://schemas.microsoft.com/office/drawing/2012/chartStyle" xmlns:a="http://schemas.openxmlformats.org/drawingml/2006/main" id="202">
+  <cs:axisTitle>
+    <cs:lnRef idx="0"/>
+    <cs:fillRef idx="0"/>
+    <cs:effectRef idx="0"/>
+    <cs:fontRef idx="minor">
+      <a:schemeClr val="tx1">
+        <a:lumMod val="65000"/>
+        <a:lumOff val="35000"/>
+      </a:schemeClr>
+    </cs:fontRef>
+    <cs:defRPr sz="1197" kern="1200" cap="all"/>
+  </cs:axisTitle>
+  <cs:categoryAxis>
+    <cs:lnRef idx="0"/>
+    <cs:fillRef idx="0"/>
+    <cs:effectRef idx="0"/>
+    <cs:fontRef idx="minor">
+      <a:schemeClr val="tx1">
+        <a:lumMod val="65000"/>
+        <a:lumOff val="35000"/>
+      </a:schemeClr>
+    </cs:fontRef>
+    <cs:spPr>
+      <a:ln w="9525" cap="flat" cmpd="sng" algn="ctr">
+        <a:solidFill>
+          <a:schemeClr val="tx1">
+            <a:lumMod val="15000"/>
+            <a:lumOff val="85000"/>
+          </a:schemeClr>
+        </a:solidFill>
+        <a:round/>
+      </a:ln>
+    </cs:spPr>
+    <cs:defRPr sz="1064" kern="1200" cap="all" spc="120" normalizeH="0" baseline="0"/>
+  </cs:categoryAxis>
+  <cs:chartArea mods="allowNoFillOverride allowNoLineOverride">
+    <cs:lnRef idx="0"/>
+    <cs:fillRef idx="0"/>
+    <cs:effectRef idx="0"/>
+    <cs:fontRef idx="minor">
+      <a:schemeClr val="dk1"/>
+    </cs:fontRef>
+    <cs:spPr>
+      <a:solidFill>
+        <a:schemeClr val="lt1"/>
+      </a:solidFill>
+      <a:ln w="9525" cap="flat" cmpd="sng" algn="ctr">
+        <a:solidFill>
+          <a:schemeClr val="tx1">
+            <a:lumMod val="15000"/>
+            <a:lumOff val="85000"/>
+          </a:schemeClr>
+        </a:solidFill>
+        <a:round/>
+      </a:ln>
+    </cs:spPr>
+    <cs:defRPr sz="1197" kern="1200"/>
+  </cs:chartArea>
+  <cs:dataLabel>
+    <cs:lnRef idx="0"/>
+    <cs:fillRef idx="0"/>
+    <cs:effectRef idx="0"/>
+    <cs:fontRef idx="minor">
+      <a:schemeClr val="tx1">
+        <a:lumMod val="50000"/>
+        <a:lumOff val="50000"/>
+      </a:schemeClr>
+    </cs:fontRef>
+    <cs:defRPr sz="1064" b="0" i="0" u="none" strike="noStrike" kern="1200" baseline="0"/>
+    <cs:bodyPr rot="-5400000" spcFirstLastPara="1" vertOverflow="clip" horzOverflow="clip" vert="horz" wrap="square" lIns="38100" tIns="19050" rIns="38100" bIns="19050" anchor="ctr" anchorCtr="1">
+      <a:spAutoFit/>
+    </cs:bodyPr>
+  </cs:dataLabel>
+  <cs:dataLabelCallout>
+    <cs:lnRef idx="0"/>
+    <cs:fillRef idx="0"/>
+    <cs:effectRef idx="0"/>
+    <cs:fontRef idx="minor">
+      <a:schemeClr val="dk1">
+        <a:lumMod val="65000"/>
+        <a:lumOff val="35000"/>
+      </a:schemeClr>
+    </cs:fontRef>
+    <cs:spPr>
+      <a:solidFill>
+        <a:schemeClr val="lt1"/>
+      </a:solidFill>
+      <a:ln>
+        <a:solidFill>
+          <a:schemeClr val="dk1">
+            <a:lumMod val="25000"/>
+            <a:lumOff val="75000"/>
+          </a:schemeClr>
+        </a:solidFill>
+      </a:ln>
+    </cs:spPr>
+    <cs:defRPr sz="1197" kern="1200"/>
+    <cs:bodyPr rot="0" spcFirstLastPara="1" vertOverflow="clip" horzOverflow="clip" vert="horz" wrap="square" lIns="36576" tIns="18288" rIns="36576" bIns="18288" anchor="ctr" anchorCtr="1">
+      <a:spAutoFit/>
+    </cs:bodyPr>
+  </cs:dataLabelCallout>
+  <cs:dataPoint>
+    <cs:lnRef idx="0"/>
+    <cs:fillRef idx="0">
+      <cs:styleClr val="auto"/>
+    </cs:fillRef>
+    <cs:effectRef idx="0"/>
+    <cs:fontRef idx="minor">
+      <a:schemeClr val="dk1"/>
+    </cs:fontRef>
+    <cs:spPr>
+      <a:solidFill>
+        <a:schemeClr val="phClr"/>
+      </a:solidFill>
+    </cs:spPr>
+  </cs:dataPoint>
+  <cs:dataPoint3D>
+    <cs:lnRef idx="0"/>
+    <cs:fillRef idx="0">
+      <cs:styleClr val="auto"/>
+    </cs:fillRef>
+    <cs:effectRef idx="0"/>
+    <cs:fontRef idx="minor">
+      <a:schemeClr val="dk1"/>
+    </cs:fontRef>
+    <cs:spPr>
+      <a:solidFill>
+        <a:schemeClr val="phClr"/>
+      </a:solidFill>
+    </cs:spPr>
+  </cs:dataPoint3D>
+  <cs:dataPointLine>
+    <cs:lnRef idx="0">
+      <cs:styleClr val="auto"/>
+    </cs:lnRef>
+    <cs:fillRef idx="0"/>
+    <cs:effectRef idx="0"/>
+    <cs:fontRef idx="minor">
+      <a:schemeClr val="dk1"/>
+    </cs:fontRef>
+    <cs:spPr>
+      <a:ln w="22225" cap="rnd">
+        <a:solidFill>
+          <a:schemeClr val="phClr"/>
+        </a:solidFill>
+        <a:round/>
+      </a:ln>
+    </cs:spPr>
+  </cs:dataPointLine>
+  <cs:dataPointMarker>
+    <cs:lnRef idx="0">
+      <cs:styleClr val="auto"/>
+    </cs:lnRef>
+    <cs:fillRef idx="0">
+      <cs:styleClr val="auto"/>
+    </cs:fillRef>
+    <cs:effectRef idx="0"/>
+    <cs:fontRef idx="minor">
+      <a:schemeClr val="dk1"/>
+    </cs:fontRef>
+    <cs:spPr>
+      <a:solidFill>
+        <a:schemeClr val="phClr"/>
+      </a:solidFill>
+      <a:ln w="9525">
+        <a:solidFill>
+          <a:schemeClr val="phClr"/>
+        </a:solidFill>
+        <a:round/>
+      </a:ln>
+    </cs:spPr>
+  </cs:dataPointMarker>
+  <cs:dataPointMarkerLayout size="6"/>
+  <cs:dataPointWireframe>
+    <cs:lnRef idx="0">
+      <cs:styleClr val="auto"/>
+    </cs:lnRef>
+    <cs:fillRef idx="0"/>
+    <cs:effectRef idx="0"/>
+    <cs:fontRef idx="minor">
+      <a:schemeClr val="dk1"/>
+    </cs:fontRef>
+    <cs:spPr>
+      <a:ln w="9525" cap="rnd">
+        <a:solidFill>
+          <a:schemeClr val="phClr"/>
+        </a:solidFill>
+        <a:round/>
+      </a:ln>
+    </cs:spPr>
+  </cs:dataPointWireframe>
+  <cs:dataTable>
+    <cs:lnRef idx="0"/>
+    <cs:fillRef idx="0"/>
+    <cs:effectRef idx="0"/>
+    <cs:fontRef idx="minor">
+      <a:schemeClr val="tx1">
+        <a:lumMod val="65000"/>
+        <a:lumOff val="35000"/>
+      </a:schemeClr>
+    </cs:fontRef>
+    <cs:spPr>
+      <a:ln w="9525">
+        <a:solidFill>
+          <a:schemeClr val="tx1">
+            <a:lumMod val="15000"/>
+            <a:lumOff val="85000"/>
+          </a:schemeClr>
+        </a:solidFill>
+      </a:ln>
+    </cs:spPr>
+    <cs:defRPr sz="1197" kern="1200"/>
+  </cs:dataTable>
+  <cs:downBar>
+    <cs:lnRef idx="0"/>
+    <cs:fillRef idx="0"/>
+    <cs:effectRef idx="0"/>
+    <cs:fontRef idx="minor">
+      <a:schemeClr val="dk1"/>
+    </cs:fontRef>
+    <cs:spPr>
+      <a:solidFill>
+        <a:schemeClr val="dk1">
+          <a:lumMod val="75000"/>
+          <a:lumOff val="25000"/>
+        </a:schemeClr>
+      </a:solidFill>
+      <a:ln w="9525">
+        <a:solidFill>
+          <a:schemeClr val="tx1">
+            <a:lumMod val="15000"/>
+            <a:lumOff val="85000"/>
+          </a:schemeClr>
+        </a:solidFill>
+      </a:ln>
+    </cs:spPr>
+  </cs:downBar>
+  <cs:dropLine>
+    <cs:lnRef idx="0"/>
+    <cs:fillRef idx="0"/>
+    <cs:effectRef idx="0"/>
+    <cs:fontRef idx="minor">
+      <a:schemeClr val="dk1"/>
+    </cs:fontRef>
+    <cs:spPr>
+      <a:ln w="9525">
+        <a:solidFill>
+          <a:schemeClr val="tx1">
+            <a:lumMod val="35000"/>
+            <a:lumOff val="65000"/>
+          </a:schemeClr>
+        </a:solidFill>
+      </a:ln>
+    </cs:spPr>
+  </cs:dropLine>
+  <cs:errorBar>
+    <cs:lnRef idx="0"/>
+    <cs:fillRef idx="0"/>
+    <cs:effectRef idx="0"/>
+    <cs:fontRef idx="minor">
+      <a:schemeClr val="dk1"/>
+    </cs:fontRef>
+    <cs:spPr>
+      <a:ln w="9525">
+        <a:solidFill>
+          <a:schemeClr val="tx1">
+            <a:lumMod val="65000"/>
+            <a:lumOff val="35000"/>
+          </a:schemeClr>
+        </a:solidFill>
+        <a:round/>
+      </a:ln>
+    </cs:spPr>
+  </cs:errorBar>
+  <cs:floor>
+    <cs:lnRef idx="0"/>
+    <cs:fillRef idx="0"/>
+    <cs:effectRef idx="0"/>
+    <cs:fontRef idx="minor">
+      <a:schemeClr val="dk1"/>
+    </cs:fontRef>
+  </cs:floor>
+  <cs:gridlineMajor>
+    <cs:lnRef idx="0"/>
+    <cs:fillRef idx="0"/>
+    <cs:effectRef idx="0"/>
+    <cs:fontRef idx="minor">
+      <a:schemeClr val="dk1"/>
+    </cs:fontRef>
+    <cs:spPr>
+      <a:ln w="9525" cap="flat" cmpd="sng" algn="ctr">
+        <a:solidFill>
+          <a:schemeClr val="tx1">
+            <a:lumMod val="15000"/>
+            <a:lumOff val="85000"/>
+          </a:schemeClr>
+        </a:solidFill>
+        <a:round/>
+      </a:ln>
+    </cs:spPr>
+  </cs:gridlineMajor>
+  <cs:gridlineMinor>
+    <cs:lnRef idx="0"/>
+    <cs:fillRef idx="0"/>
+    <cs:effectRef idx="0"/>
+    <cs:fontRef idx="minor">
+      <a:schemeClr val="dk1"/>
+    </cs:fontRef>
+    <cs:spPr>
+      <a:ln>
+        <a:solidFill>
+          <a:schemeClr val="tx1">
+            <a:lumMod val="5000"/>
+            <a:lumOff val="95000"/>
+          </a:schemeClr>
+        </a:solidFill>
+      </a:ln>
+    </cs:spPr>
+  </cs:gridlineMinor>
+  <cs:hiLoLine>
+    <cs:lnRef idx="0"/>
+    <cs:fillRef idx="0"/>
+    <cs:effectRef idx="0"/>
+    <cs:fontRef idx="minor">
+      <a:schemeClr val="dk1"/>
+    </cs:fontRef>
+    <cs:spPr>
+      <a:ln w="9525">
+        <a:solidFill>
+          <a:schemeClr val="tx1">
+            <a:lumMod val="50000"/>
+            <a:lumOff val="50000"/>
+          </a:schemeClr>
+        </a:solidFill>
+      </a:ln>
+    </cs:spPr>
+  </cs:hiLoLine>
+  <cs:leaderLine>
+    <cs:lnRef idx="0"/>
+    <cs:fillRef idx="0"/>
+    <cs:effectRef idx="0"/>
+    <cs:fontRef idx="minor">
+      <a:schemeClr val="dk1"/>
+    </cs:fontRef>
+    <cs:spPr>
+      <a:ln w="9525">
+        <a:solidFill>
+          <a:schemeClr val="tx1">
+            <a:lumMod val="35000"/>
+            <a:lumOff val="65000"/>
+          </a:schemeClr>
+        </a:solidFill>
+      </a:ln>
+    </cs:spPr>
+  </cs:leaderLine>
+  <cs:legend>
+    <cs:lnRef idx="0"/>
+    <cs:fillRef idx="0"/>
+    <cs:effectRef idx="0"/>
+    <cs:fontRef idx="minor">
+      <a:schemeClr val="tx1">
+        <a:lumMod val="65000"/>
+        <a:lumOff val="35000"/>
+      </a:schemeClr>
+    </cs:fontRef>
+    <cs:defRPr sz="1197" kern="1200"/>
+  </cs:legend>
+  <cs:plotArea mods="allowNoFillOverride allowNoLineOverride">
+    <cs:lnRef idx="0"/>
+    <cs:fillRef idx="0"/>
+    <cs:effectRef idx="0"/>
+    <cs:fontRef idx="minor">
+      <a:schemeClr val="dk1"/>
+    </cs:fontRef>
+  </cs:plotArea>
+  <cs:plotArea3D mods="allowNoFillOverride allowNoLineOverride">
+    <cs:lnRef idx="0"/>
+    <cs:fillRef idx="0"/>
+    <cs:effectRef idx="0"/>
+    <cs:fontRef idx="minor">
+      <a:schemeClr val="dk1"/>
+    </cs:fontRef>
+  </cs:plotArea3D>
+  <cs:seriesAxis>
+    <cs:lnRef idx="0"/>
+    <cs:fillRef idx="0"/>
+    <cs:effectRef idx="0"/>
+    <cs:fontRef idx="minor">
+      <a:schemeClr val="tx1">
+        <a:lumMod val="65000"/>
+        <a:lumOff val="35000"/>
+      </a:schemeClr>
+    </cs:fontRef>
+    <cs:spPr>
+      <a:ln w="9525" cap="flat" cmpd="sng" algn="ctr">
+        <a:solidFill>
+          <a:schemeClr val="tx1">
+            <a:lumMod val="15000"/>
+            <a:lumOff val="85000"/>
+          </a:schemeClr>
+        </a:solidFill>
+        <a:round/>
+      </a:ln>
+    </cs:spPr>
+    <cs:defRPr sz="1197" kern="1200"/>
+  </cs:seriesAxis>
+  <cs:seriesLine>
+    <cs:lnRef idx="0"/>
+    <cs:fillRef idx="0"/>
+    <cs:effectRef idx="0"/>
+    <cs:fontRef idx="minor">
+      <a:schemeClr val="dk1"/>
+    </cs:fontRef>
+    <cs:spPr>
+      <a:ln w="9525">
+        <a:solidFill>
+          <a:schemeClr val="tx1">
+            <a:lumMod val="35000"/>
+            <a:lumOff val="65000"/>
+          </a:schemeClr>
+        </a:solidFill>
+        <a:round/>
+      </a:ln>
+    </cs:spPr>
+  </cs:seriesLine>
+  <cs:title>
+    <cs:lnRef idx="0"/>
+    <cs:fillRef idx="0"/>
+    <cs:effectRef idx="0"/>
+    <cs:fontRef idx="minor">
+      <a:schemeClr val="tx1">
+        <a:lumMod val="65000"/>
+        <a:lumOff val="35000"/>
+      </a:schemeClr>
+    </cs:fontRef>
+    <cs:defRPr sz="2128" b="1" kern="1200" cap="all" spc="120" normalizeH="0" baseline="0"/>
+  </cs:title>
+  <cs:trendline>
+    <cs:lnRef idx="0">
+      <cs:styleClr val="auto"/>
+    </cs:lnRef>
+    <cs:fillRef idx="0"/>
+    <cs:effectRef idx="0"/>
+    <cs:fontRef idx="minor">
+      <a:schemeClr val="dk1"/>
+    </cs:fontRef>
+    <cs:spPr>
+      <a:ln w="19050" cap="rnd">
+        <a:solidFill>
+          <a:schemeClr val="phClr"/>
+        </a:solidFill>
+        <a:prstDash val="sysDash"/>
+      </a:ln>
+    </cs:spPr>
+  </cs:trendline>
+  <cs:trendlineLabel>
+    <cs:lnRef idx="0"/>
+    <cs:fillRef idx="0"/>
+    <cs:effectRef idx="0"/>
+    <cs:fontRef idx="minor">
+      <a:schemeClr val="tx1">
+        <a:lumMod val="65000"/>
+        <a:lumOff val="35000"/>
+      </a:schemeClr>
+    </cs:fontRef>
+    <cs:defRPr sz="1064" kern="1200"/>
+  </cs:trendlineLabel>
+  <cs:upBar>
+    <cs:lnRef idx="0"/>
+    <cs:fillRef idx="0"/>
+    <cs:effectRef idx="0"/>
+    <cs:fontRef idx="minor">
+      <a:schemeClr val="dk1"/>
+    </cs:fontRef>
+    <cs:spPr>
+      <a:solidFill>
+        <a:schemeClr val="lt1"/>
+      </a:solidFill>
+      <a:ln w="9525">
+        <a:solidFill>
+          <a:schemeClr val="tx1">
+            <a:lumMod val="65000"/>
+            <a:lumOff val="35000"/>
+          </a:schemeClr>
+        </a:solidFill>
+      </a:ln>
+    </cs:spPr>
+  </cs:upBar>
+  <cs:valueAxis>
+    <cs:lnRef idx="0"/>
+    <cs:fillRef idx="0"/>
+    <cs:effectRef idx="0"/>
+    <cs:fontRef idx="minor">
+      <a:schemeClr val="tx1">
+        <a:lumMod val="65000"/>
+        <a:lumOff val="35000"/>
+      </a:schemeClr>
+    </cs:fontRef>
+    <cs:spPr>
+      <a:ln w="9525" cap="flat" cmpd="sng" algn="ctr">
+        <a:solidFill>
+          <a:schemeClr val="dk1">
+            <a:lumMod val="15000"/>
+            <a:lumOff val="85000"/>
+          </a:schemeClr>
+        </a:solidFill>
+        <a:round/>
+      </a:ln>
+    </cs:spPr>
+    <cs:defRPr sz="1197" kern="1200"/>
+  </cs:valueAxis>
+  <cs:wall>
+    <cs:lnRef idx="0"/>
+    <cs:fillRef idx="0"/>
+    <cs:effectRef idx="0"/>
+    <cs:fontRef idx="minor">
+      <a:schemeClr val="dk1"/>
+    </cs:fontRef>
+  </cs:wall>
+</cs:chartStyle>
 </file>
 
 <file path=ppt/handoutMasters/handoutMaster1.xml><?xml version="1.0" encoding="utf-8"?>
@@ -460,7 +1965,7 @@
           <a:p>
             <a:fld id="{058ABBF3-49A8-4B3F-9773-22E67695BB12}" type="datetimeFigureOut">
               <a:rPr lang="en-US" smtClean="0"/>
-              <a:t>5/3/2024</a:t>
+              <a:t>5/26/2024</a:t>
             </a:fld>
             <a:endParaRPr lang="en-US" dirty="0"/>
           </a:p>
@@ -637,7 +2142,7 @@
           <a:p>
             <a:fld id="{F44AAC2B-A50D-4386-849A-6B59FB991B4C}" type="datetimeFigureOut">
               <a:rPr lang="en-US" smtClean="0"/>
-              <a:t>5/3/2024</a:t>
+              <a:t>5/26/2024</a:t>
             </a:fld>
             <a:endParaRPr lang="en-US" dirty="0"/>
           </a:p>
@@ -1137,91 +2642,7 @@
           <a:p>
             <a:fld id="{10895658-EA1F-4910-80AB-4DA76E167475}" type="slidenum">
               <a:rPr lang="en-US" smtClean="0"/>
-              <a:t>5</a:t>
-            </a:fld>
-            <a:endParaRPr lang="en-US" dirty="0"/>
-          </a:p>
-        </p:txBody>
-      </p:sp>
-    </p:spTree>
-    <p:extLst>
-      <p:ext uri="{BB962C8B-B14F-4D97-AF65-F5344CB8AC3E}">
-        <p14:creationId xmlns:p14="http://schemas.microsoft.com/office/powerpoint/2010/main" val="2769560542"/>
-      </p:ext>
-    </p:extLst>
-  </p:cSld>
-  <p:clrMapOvr>
-    <a:masterClrMapping/>
-  </p:clrMapOvr>
-</p:notes>
-</file>
-
-<file path=ppt/notesSlides/notesSlide4.xml><?xml version="1.0" encoding="utf-8"?>
-<p:notes xmlns:a="http://schemas.openxmlformats.org/drawingml/2006/main" xmlns:r="http://schemas.openxmlformats.org/officeDocument/2006/relationships" xmlns:p="http://schemas.openxmlformats.org/presentationml/2006/main">
-  <p:cSld>
-    <p:spTree>
-      <p:nvGrpSpPr>
-        <p:cNvPr id="1" name=""/>
-        <p:cNvGrpSpPr/>
-        <p:nvPr/>
-      </p:nvGrpSpPr>
-      <p:grpSpPr>
-        <a:xfrm>
-          <a:off x="0" y="0"/>
-          <a:ext cx="0" cy="0"/>
-          <a:chOff x="0" y="0"/>
-          <a:chExt cx="0" cy="0"/>
-        </a:xfrm>
-      </p:grpSpPr>
-      <p:sp>
-        <p:nvSpPr>
-          <p:cNvPr id="2" name="Slide Image Placeholder 1"/>
-          <p:cNvSpPr>
-            <a:spLocks noGrp="1" noRot="1" noChangeAspect="1"/>
-          </p:cNvSpPr>
-          <p:nvPr>
-            <p:ph type="sldImg"/>
-          </p:nvPr>
-        </p:nvSpPr>
-        <p:spPr/>
-      </p:sp>
-      <p:sp>
-        <p:nvSpPr>
-          <p:cNvPr id="3" name="Notes Placeholder 2"/>
-          <p:cNvSpPr>
-            <a:spLocks noGrp="1"/>
-          </p:cNvSpPr>
-          <p:nvPr>
-            <p:ph type="body" idx="1"/>
-          </p:nvPr>
-        </p:nvSpPr>
-        <p:spPr/>
-        <p:txBody>
-          <a:bodyPr/>
-          <a:lstStyle/>
-          <a:p>
-            <a:endParaRPr lang="en-US"/>
-          </a:p>
-        </p:txBody>
-      </p:sp>
-      <p:sp>
-        <p:nvSpPr>
-          <p:cNvPr id="4" name="Slide Number Placeholder 3"/>
-          <p:cNvSpPr>
-            <a:spLocks noGrp="1"/>
-          </p:cNvSpPr>
-          <p:nvPr>
-            <p:ph type="sldNum" sz="quarter" idx="5"/>
-          </p:nvPr>
-        </p:nvSpPr>
-        <p:spPr/>
-        <p:txBody>
-          <a:bodyPr/>
-          <a:lstStyle/>
-          <a:p>
-            <a:fld id="{10895658-EA1F-4910-80AB-4DA76E167475}" type="slidenum">
-              <a:rPr lang="en-US" smtClean="0"/>
-              <a:t>14</a:t>
+              <a:t>12</a:t>
             </a:fld>
             <a:endParaRPr lang="en-US" dirty="0"/>
           </a:p>
@@ -20511,7 +21932,7 @@
           <p:cNvPr id="2" name="Title 1">
             <a:extLst>
               <a:ext uri="{FF2B5EF4-FFF2-40B4-BE49-F238E27FC236}">
-                <a16:creationId xmlns:a16="http://schemas.microsoft.com/office/drawing/2014/main" id="{CA8951EF-7FE8-5E66-4BE1-8481FF311562}"/>
+                <a16:creationId xmlns:a16="http://schemas.microsoft.com/office/drawing/2014/main" id="{78B6A6BE-F727-B231-CB14-2865BB0C5280}"/>
               </a:ext>
             </a:extLst>
           </p:cNvPr>
@@ -20522,148 +21943,16 @@
             <p:ph type="title"/>
           </p:nvPr>
         </p:nvSpPr>
-        <p:spPr>
-          <a:xfrm>
-            <a:off x="1552574" y="896111"/>
-            <a:ext cx="9866540" cy="1358140"/>
-          </a:xfrm>
-        </p:spPr>
+        <p:spPr/>
         <p:txBody>
-          <a:bodyPr anchor="t">
-            <a:normAutofit/>
-          </a:bodyPr>
+          <a:bodyPr/>
           <a:lstStyle/>
           <a:p>
             <a:r>
               <a:rPr lang="sk-SK" dirty="0"/>
-              <a:t>Porovnanie</a:t>
+              <a:t>Zhrnutie</a:t>
             </a:r>
             <a:endParaRPr lang="en-US" dirty="0"/>
-          </a:p>
-        </p:txBody>
-      </p:sp>
-      <p:pic>
-        <p:nvPicPr>
-          <p:cNvPr id="5" name="Picture 4" descr="A graph of red and grey bars&#10;&#10;Description automatically generated">
-            <a:extLst>
-              <a:ext uri="{FF2B5EF4-FFF2-40B4-BE49-F238E27FC236}">
-                <a16:creationId xmlns:a16="http://schemas.microsoft.com/office/drawing/2014/main" id="{2BAED8BF-6C40-3898-2AE2-15A6947AAB21}"/>
-              </a:ext>
-            </a:extLst>
-          </p:cNvPr>
-          <p:cNvPicPr>
-            <a:picLocks noChangeAspect="1"/>
-          </p:cNvPicPr>
-          <p:nvPr/>
-        </p:nvPicPr>
-        <p:blipFill>
-          <a:blip r:embed="rId2" cstate="print">
-            <a:extLst>
-              <a:ext uri="{28A0092B-C50C-407E-A947-70E740481C1C}">
-                <a14:useLocalDpi xmlns:a14="http://schemas.microsoft.com/office/drawing/2010/main" val="0"/>
-              </a:ext>
-            </a:extLst>
-          </a:blip>
-          <a:stretch>
-            <a:fillRect/>
-          </a:stretch>
-        </p:blipFill>
-        <p:spPr bwMode="auto">
-          <a:xfrm>
-            <a:off x="1552575" y="2567003"/>
-            <a:ext cx="6477952" cy="3465704"/>
-          </a:xfrm>
-          <a:prstGeom prst="rect">
-            <a:avLst/>
-          </a:prstGeom>
-          <a:noFill/>
-          <a:ln>
-            <a:noFill/>
-          </a:ln>
-        </p:spPr>
-      </p:pic>
-      <p:sp>
-        <p:nvSpPr>
-          <p:cNvPr id="4" name="Content Placeholder 3">
-            <a:extLst>
-              <a:ext uri="{FF2B5EF4-FFF2-40B4-BE49-F238E27FC236}">
-                <a16:creationId xmlns:a16="http://schemas.microsoft.com/office/drawing/2014/main" id="{5956B914-DD39-AE88-7BAA-CC371BFBFB21}"/>
-              </a:ext>
-            </a:extLst>
-          </p:cNvPr>
-          <p:cNvSpPr>
-            <a:spLocks noGrp="1"/>
-          </p:cNvSpPr>
-          <p:nvPr>
-            <p:ph type="body" sz="quarter" idx="14"/>
-          </p:nvPr>
-        </p:nvSpPr>
-        <p:spPr>
-          <a:xfrm>
-            <a:off x="8191500" y="2481940"/>
-            <a:ext cx="3790949" cy="3759200"/>
-          </a:xfrm>
-        </p:spPr>
-        <p:txBody>
-          <a:bodyPr>
-            <a:normAutofit/>
-          </a:bodyPr>
-          <a:lstStyle/>
-          <a:p>
-            <a:pPr marL="0" indent="0" algn="ctr">
-              <a:buNone/>
-            </a:pPr>
-            <a:r>
-              <a:rPr lang="sk-SK" dirty="0"/>
-              <a:t>Porovnanie od IGN </a:t>
-            </a:r>
-          </a:p>
-          <a:p>
-            <a:pPr marL="0" indent="0" algn="ctr">
-              <a:buNone/>
-            </a:pPr>
-            <a:r>
-              <a:rPr lang="sk-SK" dirty="0"/>
-              <a:t>RTX 3080 od </a:t>
-            </a:r>
-            <a:r>
-              <a:rPr lang="sk-SK" dirty="0" err="1"/>
-              <a:t>Nvidia</a:t>
-            </a:r>
-            <a:endParaRPr lang="sk-SK" dirty="0"/>
-          </a:p>
-          <a:p>
-            <a:pPr marL="0" indent="0" algn="ctr">
-              <a:buNone/>
-            </a:pPr>
-            <a:r>
-              <a:rPr lang="sk-SK" dirty="0"/>
-              <a:t>A</a:t>
-            </a:r>
-          </a:p>
-          <a:p>
-            <a:pPr marL="0" indent="0" algn="ctr">
-              <a:buNone/>
-            </a:pPr>
-            <a:r>
-              <a:rPr lang="sk-SK" dirty="0"/>
-              <a:t>RX 6800 XT od AMD</a:t>
-            </a:r>
-          </a:p>
-          <a:p>
-            <a:pPr marL="0" indent="0">
-              <a:buNone/>
-            </a:pPr>
-            <a:endParaRPr lang="sk-SK" dirty="0"/>
-          </a:p>
-          <a:p>
-            <a:pPr marL="0" indent="0">
-              <a:buNone/>
-            </a:pPr>
-            <a:r>
-              <a:rPr lang="sk-SK" dirty="0"/>
-              <a:t>V tomto grafe je zdôraznené koľko napätia obidve karty potrebujú</a:t>
-            </a:r>
           </a:p>
         </p:txBody>
       </p:sp>
@@ -20672,7 +21961,7 @@
           <p:cNvPr id="3" name="Slide Number Placeholder 2">
             <a:extLst>
               <a:ext uri="{FF2B5EF4-FFF2-40B4-BE49-F238E27FC236}">
-                <a16:creationId xmlns:a16="http://schemas.microsoft.com/office/drawing/2014/main" id="{7EA55A0B-7C7C-5E0B-B445-63708ECE559F}"/>
+                <a16:creationId xmlns:a16="http://schemas.microsoft.com/office/drawing/2014/main" id="{C76CFF04-8276-7ED2-E0AC-54279A26BC84}"/>
               </a:ext>
             </a:extLst>
           </p:cNvPr>
@@ -20683,40 +21972,89 @@
             <p:ph type="sldNum" sz="quarter" idx="12"/>
           </p:nvPr>
         </p:nvSpPr>
+        <p:spPr/>
+        <p:txBody>
+          <a:bodyPr/>
+          <a:lstStyle/>
+          <a:p>
+            <a:fld id="{B5CEABB6-07DC-46E8-9B57-56EC44A396E5}" type="slidenum">
+              <a:rPr lang="en-US" smtClean="0"/>
+              <a:pPr/>
+              <a:t>10</a:t>
+            </a:fld>
+            <a:endParaRPr lang="en-US" dirty="0"/>
+          </a:p>
+        </p:txBody>
+      </p:sp>
+      <p:sp>
+        <p:nvSpPr>
+          <p:cNvPr id="4" name="Content Placeholder 3">
+            <a:extLst>
+              <a:ext uri="{FF2B5EF4-FFF2-40B4-BE49-F238E27FC236}">
+                <a16:creationId xmlns:a16="http://schemas.microsoft.com/office/drawing/2014/main" id="{5D678C81-D97C-447B-0BAC-1E6EF5B4CD2B}"/>
+              </a:ext>
+            </a:extLst>
+          </p:cNvPr>
+          <p:cNvSpPr>
+            <a:spLocks noGrp="1"/>
+          </p:cNvSpPr>
+          <p:nvPr>
+            <p:ph sz="half" idx="14"/>
+          </p:nvPr>
+        </p:nvSpPr>
         <p:spPr>
           <a:xfrm>
-            <a:off x="11123295" y="6356350"/>
-            <a:ext cx="457200" cy="365125"/>
+            <a:off x="762001" y="1639018"/>
+            <a:ext cx="6597372" cy="5081187"/>
           </a:xfrm>
         </p:spPr>
         <p:txBody>
-          <a:bodyPr anchor="ctr">
+          <a:bodyPr>
             <a:normAutofit/>
           </a:bodyPr>
           <a:lstStyle/>
           <a:p>
-            <a:pPr>
-              <a:spcAft>
-                <a:spcPts val="600"/>
-              </a:spcAft>
-            </a:pPr>
-            <a:fld id="{B5CEABB6-07DC-46E8-9B57-56EC44A396E5}" type="slidenum">
-              <a:rPr lang="en-US" smtClean="0"/>
-              <a:pPr>
-                <a:spcAft>
-                  <a:spcPts val="600"/>
-                </a:spcAft>
-              </a:pPr>
-              <a:t>10</a:t>
-            </a:fld>
-            <a:endParaRPr lang="en-US"/>
+            <a:r>
+              <a:rPr lang="sk-SK" dirty="0"/>
+              <a:t>Treba si jasne určiť aký účel má vykonávať GPU: hranie hier, profesionálnu prácu (napr. strihanie videí, 3D vykresľovanie) alebo všeobecné použitie.</a:t>
+            </a:r>
+          </a:p>
+          <a:p>
+            <a:r>
+              <a:rPr lang="sk-SK" dirty="0"/>
+              <a:t>Určite rozlíšenie a obnovovaciu frekvenciu vášho monitora, pretože to ovplyvňuje požiadavky GPU.</a:t>
+            </a:r>
+          </a:p>
+          <a:p>
+            <a:r>
+              <a:rPr lang="sk-SK" dirty="0"/>
+              <a:t>Kľúčové faktory, ktoré treba zvážiť:</a:t>
+            </a:r>
+          </a:p>
+          <a:p>
+            <a:r>
+              <a:rPr lang="sk-SK" dirty="0"/>
+              <a:t>- Výkon: Pozrieť si referenčné hodnoty a recenzie pre GPU vo vašom cenovom rozpätí.</a:t>
+            </a:r>
+          </a:p>
+          <a:p>
+            <a:r>
+              <a:rPr lang="sk-SK" dirty="0"/>
+              <a:t>- Kompatibilita: Uistite sa, že GPU je kompatibilný s vaším systémom, vrátane vášho napájacieho zdroja a veľkosti počítačovej skrine.</a:t>
+            </a:r>
+          </a:p>
+          <a:p>
+            <a:r>
+              <a:rPr lang="sk-SK" dirty="0"/>
+              <a:t>- Rozpočet: Vyvážte svoje potreby s rozpočtom, aby ste našli najlepšiu hodnotu.</a:t>
+            </a:r>
           </a:p>
         </p:txBody>
       </p:sp>
     </p:spTree>
     <p:extLst>
       <p:ext uri="{BB962C8B-B14F-4D97-AF65-F5344CB8AC3E}">
-        <p14:creationId xmlns:p14="http://schemas.microsoft.com/office/powerpoint/2010/main" val="717518750"/>
+        <p14:creationId xmlns:p14="http://schemas.microsoft.com/office/powerpoint/2010/main" val="4188141668"/>
       </p:ext>
     </p:extLst>
   </p:cSld>
@@ -20748,7 +22086,7 @@
           <p:cNvPr id="2" name="Title 1">
             <a:extLst>
               <a:ext uri="{FF2B5EF4-FFF2-40B4-BE49-F238E27FC236}">
-                <a16:creationId xmlns:a16="http://schemas.microsoft.com/office/drawing/2014/main" id="{E17AC82A-E035-C745-362B-F5C494BF212B}"/>
+                <a16:creationId xmlns:a16="http://schemas.microsoft.com/office/drawing/2014/main" id="{D1EFF723-0B85-CF2A-6395-9D56ACBC43F6}"/>
               </a:ext>
             </a:extLst>
           </p:cNvPr>
@@ -20764,11 +22102,18 @@
           <a:bodyPr/>
           <a:lstStyle/>
           <a:p>
+            <a:pPr algn="ctr"/>
             <a:r>
               <a:rPr lang="sk-SK" dirty="0"/>
-              <a:t>Príklady</a:t>
-            </a:r>
-            <a:endParaRPr lang="en-US" dirty="0"/>
+              <a:t>Zhrnutie</a:t>
+            </a:r>
+            <a:br>
+              <a:rPr lang="sk-SK" dirty="0"/>
+            </a:br>
+            <a:r>
+              <a:rPr lang="en-US" dirty="0"/>
+              <a:t>Nvidia vs. AMD</a:t>
+            </a:r>
           </a:p>
         </p:txBody>
       </p:sp>
@@ -20777,7 +22122,7 @@
           <p:cNvPr id="3" name="Slide Number Placeholder 2">
             <a:extLst>
               <a:ext uri="{FF2B5EF4-FFF2-40B4-BE49-F238E27FC236}">
-                <a16:creationId xmlns:a16="http://schemas.microsoft.com/office/drawing/2014/main" id="{145962F1-C225-F204-22C9-83FB6D8A985D}"/>
+                <a16:creationId xmlns:a16="http://schemas.microsoft.com/office/drawing/2014/main" id="{C920643F-20BE-093B-E037-FDA3DA278856}"/>
               </a:ext>
             </a:extLst>
           </p:cNvPr>
@@ -20807,7 +22152,7 @@
           <p:cNvPr id="4" name="Content Placeholder 3">
             <a:extLst>
               <a:ext uri="{FF2B5EF4-FFF2-40B4-BE49-F238E27FC236}">
-                <a16:creationId xmlns:a16="http://schemas.microsoft.com/office/drawing/2014/main" id="{FF851802-A461-980E-6953-49BD344CB9E0}"/>
+                <a16:creationId xmlns:a16="http://schemas.microsoft.com/office/drawing/2014/main" id="{E1D427C5-F3C0-0039-AB78-B0CA789C7EC1}"/>
               </a:ext>
             </a:extLst>
           </p:cNvPr>
@@ -20818,170 +22163,239 @@
             <p:ph sz="half" idx="14"/>
           </p:nvPr>
         </p:nvSpPr>
-        <p:spPr/>
+        <p:spPr>
+          <a:xfrm>
+            <a:off x="771736" y="3280691"/>
+            <a:ext cx="4515035" cy="3505200"/>
+          </a:xfrm>
+        </p:spPr>
+        <p:txBody>
+          <a:bodyPr>
+            <a:normAutofit/>
+          </a:bodyPr>
+          <a:lstStyle/>
+          <a:p>
+            <a:r>
+              <a:rPr lang="sk-SK" dirty="0" err="1"/>
+              <a:t>Nvidia</a:t>
+            </a:r>
+            <a:r>
+              <a:rPr lang="sk-SK" dirty="0"/>
+              <a:t>:</a:t>
+            </a:r>
+          </a:p>
+          <a:p>
+            <a:r>
+              <a:rPr lang="sk-SK" dirty="0"/>
+              <a:t>Známy pre vysoký výkon a špičkové funkcie ako </a:t>
+            </a:r>
+            <a:r>
+              <a:rPr lang="sk-SK" dirty="0" err="1"/>
+              <a:t>Ray</a:t>
+            </a:r>
+            <a:r>
+              <a:rPr lang="sk-SK" dirty="0"/>
+              <a:t> </a:t>
+            </a:r>
+            <a:r>
+              <a:rPr lang="sk-SK" dirty="0" err="1"/>
+              <a:t>Tracing</a:t>
+            </a:r>
+            <a:r>
+              <a:rPr lang="sk-SK" dirty="0"/>
+              <a:t> a DLSS.</a:t>
+            </a:r>
+          </a:p>
+          <a:p>
+            <a:r>
+              <a:rPr lang="sk-SK" dirty="0"/>
+              <a:t>Ponúka širokú škálu GPU od lacných až po vysoko výkonné.</a:t>
+            </a:r>
+          </a:p>
+          <a:p>
+            <a:r>
+              <a:rPr lang="sk-SK" dirty="0"/>
+              <a:t>Zvyčajne lepšia podpora </a:t>
+            </a:r>
+            <a:r>
+              <a:rPr lang="sk-SK" dirty="0" err="1"/>
+              <a:t>driverov</a:t>
+            </a:r>
+            <a:r>
+              <a:rPr lang="sk-SK" dirty="0"/>
+              <a:t> a softvérový ekosystém.</a:t>
+            </a:r>
+          </a:p>
+        </p:txBody>
+      </p:sp>
+      <p:sp>
+        <p:nvSpPr>
+          <p:cNvPr id="5" name="Content Placeholder 4">
+            <a:extLst>
+              <a:ext uri="{FF2B5EF4-FFF2-40B4-BE49-F238E27FC236}">
+                <a16:creationId xmlns:a16="http://schemas.microsoft.com/office/drawing/2014/main" id="{DAB99E7B-443B-1297-2F8F-B4BDB9291A88}"/>
+              </a:ext>
+            </a:extLst>
+          </p:cNvPr>
+          <p:cNvSpPr>
+            <a:spLocks noGrp="1"/>
+          </p:cNvSpPr>
+          <p:nvPr>
+            <p:ph sz="half" idx="15"/>
+          </p:nvPr>
+        </p:nvSpPr>
+        <p:spPr>
+          <a:xfrm>
+            <a:off x="5645989" y="3280691"/>
+            <a:ext cx="4515035" cy="3505200"/>
+          </a:xfrm>
+        </p:spPr>
         <p:txBody>
           <a:bodyPr/>
           <a:lstStyle/>
           <a:p>
             <a:r>
               <a:rPr lang="sk-SK" dirty="0"/>
-              <a:t>Uviesť</a:t>
-            </a:r>
-            <a:r>
-              <a:rPr lang="en-US" dirty="0"/>
-              <a:t> 1-2 </a:t>
-            </a:r>
-            <a:r>
-              <a:rPr lang="en-US" dirty="0" err="1"/>
-              <a:t>krátke</a:t>
-            </a:r>
-            <a:r>
-              <a:rPr lang="en-US" dirty="0"/>
-              <a:t> </a:t>
-            </a:r>
+              <a:t>AMD:</a:t>
+            </a:r>
+          </a:p>
+          <a:p>
             <a:r>
               <a:rPr lang="sk-SK" dirty="0"/>
-              <a:t>príklady</a:t>
-            </a:r>
-            <a:r>
-              <a:rPr lang="en-US" dirty="0"/>
-              <a:t>, v </a:t>
-            </a:r>
-            <a:r>
-              <a:rPr lang="en-US" dirty="0" err="1"/>
-              <a:t>ktorých</a:t>
-            </a:r>
-            <a:r>
-              <a:rPr lang="en-US" dirty="0"/>
-              <a:t> </a:t>
-            </a:r>
+              <a:t>Konkurenčné ceny s dobrým výkonom.</a:t>
+            </a:r>
+          </a:p>
+          <a:p>
             <a:r>
               <a:rPr lang="sk-SK" dirty="0"/>
-              <a:t>sú</a:t>
-            </a:r>
-            <a:r>
-              <a:rPr lang="en-US" dirty="0"/>
-              <a:t> </a:t>
-            </a:r>
-            <a:r>
-              <a:rPr lang="en-US" dirty="0" err="1"/>
-              <a:t>konkrétne</a:t>
-            </a:r>
-            <a:r>
-              <a:rPr lang="en-US" dirty="0"/>
-              <a:t> </a:t>
-            </a:r>
-            <a:r>
-              <a:rPr lang="en-US" dirty="0" err="1"/>
-              <a:t>grafické</a:t>
-            </a:r>
-            <a:r>
-              <a:rPr lang="en-US" dirty="0"/>
-              <a:t> </a:t>
-            </a:r>
-            <a:r>
-              <a:rPr lang="en-US" dirty="0" err="1"/>
-              <a:t>procesory</a:t>
-            </a:r>
-            <a:r>
-              <a:rPr lang="en-US" dirty="0"/>
-              <a:t> Nvidia </a:t>
-            </a:r>
-            <a:r>
-              <a:rPr lang="en-US" dirty="0" err="1"/>
-              <a:t>alebo</a:t>
-            </a:r>
-            <a:r>
-              <a:rPr lang="en-US" dirty="0"/>
-              <a:t> AMD</a:t>
-            </a:r>
+              <a:t>Známy svojou vynikajúcou hodnotou, najmä v segmente strednej triedy.</a:t>
+            </a:r>
+          </a:p>
+          <a:p>
             <a:r>
               <a:rPr lang="sk-SK" dirty="0"/>
-              <a:t> vynikajúce</a:t>
-            </a:r>
-            <a:r>
-              <a:rPr lang="en-US" dirty="0"/>
-              <a:t> (</a:t>
-            </a:r>
-            <a:r>
-              <a:rPr lang="en-US" dirty="0" err="1"/>
-              <a:t>napr</a:t>
-            </a:r>
-            <a:r>
-              <a:rPr lang="en-US" dirty="0"/>
-              <a:t>. </a:t>
-            </a:r>
-            <a:r>
-              <a:rPr lang="en-US" dirty="0" err="1"/>
-              <a:t>najlepšie</a:t>
-            </a:r>
-            <a:r>
-              <a:rPr lang="en-US" dirty="0"/>
-              <a:t> pre 4K </a:t>
-            </a:r>
-            <a:r>
-              <a:rPr lang="en-US" dirty="0" err="1"/>
-              <a:t>hry</a:t>
-            </a:r>
-            <a:r>
-              <a:rPr lang="en-US" dirty="0"/>
-              <a:t>, </a:t>
-            </a:r>
-            <a:r>
-              <a:rPr lang="en-US" dirty="0" err="1"/>
-              <a:t>najlepšie</a:t>
-            </a:r>
-            <a:r>
-              <a:rPr lang="en-US" dirty="0"/>
-              <a:t> pre </a:t>
-            </a:r>
-            <a:r>
-              <a:rPr lang="en-US" dirty="0" err="1"/>
-              <a:t>lacné</a:t>
-            </a:r>
-            <a:r>
-              <a:rPr lang="en-US" dirty="0"/>
-              <a:t> </a:t>
-            </a:r>
-            <a:r>
-              <a:rPr lang="en-US" dirty="0" err="1"/>
-              <a:t>hry</a:t>
-            </a:r>
-            <a:r>
-              <a:rPr lang="en-US" dirty="0"/>
-              <a:t>, </a:t>
-            </a:r>
-            <a:r>
-              <a:rPr lang="en-US" dirty="0" err="1"/>
-              <a:t>najlepšie</a:t>
-            </a:r>
-            <a:r>
-              <a:rPr lang="en-US" dirty="0"/>
-              <a:t> pre </a:t>
-            </a:r>
-            <a:r>
-              <a:rPr lang="en-US" dirty="0" err="1"/>
-              <a:t>tvorbu</a:t>
-            </a:r>
-            <a:r>
-              <a:rPr lang="en-US" dirty="0"/>
-              <a:t> </a:t>
-            </a:r>
-            <a:r>
-              <a:rPr lang="en-US" dirty="0" err="1"/>
-              <a:t>obsahu</a:t>
-            </a:r>
-            <a:r>
-              <a:rPr lang="en-US" dirty="0"/>
-              <a:t>).</a:t>
-            </a:r>
+              <a:t>Funkcie ako </a:t>
+            </a:r>
+            <a:r>
+              <a:rPr lang="sk-SK" dirty="0" err="1"/>
+              <a:t>Smart</a:t>
+            </a:r>
+            <a:r>
+              <a:rPr lang="sk-SK" dirty="0"/>
+              <a:t> Access </a:t>
+            </a:r>
+            <a:r>
+              <a:rPr lang="sk-SK" dirty="0" err="1"/>
+              <a:t>Memory</a:t>
+            </a:r>
+            <a:r>
+              <a:rPr lang="sk-SK" dirty="0"/>
+              <a:t> (SAM) a lepšia energetická účinnosť v niektorých modeloch.</a:t>
+            </a:r>
+          </a:p>
+          <a:p>
+            <a:endParaRPr lang="sk-SK" dirty="0"/>
           </a:p>
         </p:txBody>
       </p:sp>
+      <p:pic>
+        <p:nvPicPr>
+          <p:cNvPr id="7170" name="Picture 2" descr="dwadSonnet AMD Radeon RX 6900 XT - SONNETTECH">
+            <a:extLst>
+              <a:ext uri="{FF2B5EF4-FFF2-40B4-BE49-F238E27FC236}">
+                <a16:creationId xmlns:a16="http://schemas.microsoft.com/office/drawing/2014/main" id="{868AC706-7B05-35DB-BB6E-D65790AA1913}"/>
+              </a:ext>
+            </a:extLst>
+          </p:cNvPr>
+          <p:cNvPicPr>
+            <a:picLocks noChangeAspect="1" noChangeArrowheads="1"/>
+          </p:cNvPicPr>
+          <p:nvPr/>
+        </p:nvPicPr>
+        <p:blipFill>
+          <a:blip r:embed="rId2">
+            <a:extLst>
+              <a:ext uri="{28A0092B-C50C-407E-A947-70E740481C1C}">
+                <a14:useLocalDpi xmlns:a14="http://schemas.microsoft.com/office/drawing/2010/main" val="0"/>
+              </a:ext>
+            </a:extLst>
+          </a:blip>
+          <a:srcRect/>
+          <a:stretch>
+            <a:fillRect/>
+          </a:stretch>
+        </p:blipFill>
+        <p:spPr bwMode="auto">
+          <a:xfrm>
+            <a:off x="8248454" y="486889"/>
+            <a:ext cx="2422688" cy="2422688"/>
+          </a:xfrm>
+          <a:prstGeom prst="rect">
+            <a:avLst/>
+          </a:prstGeom>
+          <a:noFill/>
+          <a:extLst>
+            <a:ext uri="{909E8E84-426E-40DD-AFC4-6F175D3DCCD1}">
+              <a14:hiddenFill xmlns:a14="http://schemas.microsoft.com/office/drawing/2010/main">
+                <a:solidFill>
+                  <a:srgbClr val="FFFFFF"/>
+                </a:solidFill>
+              </a14:hiddenFill>
+            </a:ext>
+          </a:extLst>
+        </p:spPr>
+      </p:pic>
+      <p:pic>
+        <p:nvPicPr>
+          <p:cNvPr id="4099" name="Picture 3">
+            <a:extLst>
+              <a:ext uri="{FF2B5EF4-FFF2-40B4-BE49-F238E27FC236}">
+                <a16:creationId xmlns:a16="http://schemas.microsoft.com/office/drawing/2014/main" id="{A90F6431-3C0B-5094-9709-0E3195CEE9A1}"/>
+              </a:ext>
+            </a:extLst>
+          </p:cNvPr>
+          <p:cNvPicPr>
+            <a:picLocks noChangeAspect="1" noChangeArrowheads="1"/>
+          </p:cNvPicPr>
+          <p:nvPr/>
+        </p:nvPicPr>
+        <p:blipFill>
+          <a:blip r:embed="rId3">
+            <a:extLst>
+              <a:ext uri="{28A0092B-C50C-407E-A947-70E740481C1C}">
+                <a14:useLocalDpi xmlns:a14="http://schemas.microsoft.com/office/drawing/2010/main" val="0"/>
+              </a:ext>
+            </a:extLst>
+          </a:blip>
+          <a:srcRect/>
+          <a:stretch>
+            <a:fillRect/>
+          </a:stretch>
+        </p:blipFill>
+        <p:spPr bwMode="auto">
+          <a:xfrm>
+            <a:off x="410852" y="596650"/>
+            <a:ext cx="2945091" cy="2172979"/>
+          </a:xfrm>
+          <a:prstGeom prst="rect">
+            <a:avLst/>
+          </a:prstGeom>
+          <a:noFill/>
+          <a:extLst>
+            <a:ext uri="{909E8E84-426E-40DD-AFC4-6F175D3DCCD1}">
+              <a14:hiddenFill xmlns:a14="http://schemas.microsoft.com/office/drawing/2010/main">
+                <a:solidFill>
+                  <a:srgbClr val="FFFFFF"/>
+                </a:solidFill>
+              </a14:hiddenFill>
+            </a:ext>
+          </a:extLst>
+        </p:spPr>
+      </p:pic>
     </p:spTree>
     <p:extLst>
       <p:ext uri="{BB962C8B-B14F-4D97-AF65-F5344CB8AC3E}">
-        <p14:creationId xmlns:p14="http://schemas.microsoft.com/office/powerpoint/2010/main" val="350717622"/>
+        <p14:creationId xmlns:p14="http://schemas.microsoft.com/office/powerpoint/2010/main" val="1752392832"/>
       </p:ext>
     </p:extLst>
   </p:cSld>
@@ -20992,512 +22406,6 @@
 </file>
 
 <file path=ppt/slides/slide12.xml><?xml version="1.0" encoding="utf-8"?>
-<p:sld xmlns:a="http://schemas.openxmlformats.org/drawingml/2006/main" xmlns:r="http://schemas.openxmlformats.org/officeDocument/2006/relationships" xmlns:p="http://schemas.openxmlformats.org/presentationml/2006/main">
-  <p:cSld>
-    <p:spTree>
-      <p:nvGrpSpPr>
-        <p:cNvPr id="1" name=""/>
-        <p:cNvGrpSpPr/>
-        <p:nvPr/>
-      </p:nvGrpSpPr>
-      <p:grpSpPr>
-        <a:xfrm>
-          <a:off x="0" y="0"/>
-          <a:ext cx="0" cy="0"/>
-          <a:chOff x="0" y="0"/>
-          <a:chExt cx="0" cy="0"/>
-        </a:xfrm>
-      </p:grpSpPr>
-      <p:sp>
-        <p:nvSpPr>
-          <p:cNvPr id="2" name="Title 1">
-            <a:extLst>
-              <a:ext uri="{FF2B5EF4-FFF2-40B4-BE49-F238E27FC236}">
-                <a16:creationId xmlns:a16="http://schemas.microsoft.com/office/drawing/2014/main" id="{78B6A6BE-F727-B231-CB14-2865BB0C5280}"/>
-              </a:ext>
-            </a:extLst>
-          </p:cNvPr>
-          <p:cNvSpPr>
-            <a:spLocks noGrp="1"/>
-          </p:cNvSpPr>
-          <p:nvPr>
-            <p:ph type="title"/>
-          </p:nvPr>
-        </p:nvSpPr>
-        <p:spPr/>
-        <p:txBody>
-          <a:bodyPr/>
-          <a:lstStyle/>
-          <a:p>
-            <a:r>
-              <a:rPr lang="sk-SK" dirty="0"/>
-              <a:t>Zhrnutie</a:t>
-            </a:r>
-            <a:endParaRPr lang="en-US" dirty="0"/>
-          </a:p>
-        </p:txBody>
-      </p:sp>
-      <p:sp>
-        <p:nvSpPr>
-          <p:cNvPr id="3" name="Slide Number Placeholder 2">
-            <a:extLst>
-              <a:ext uri="{FF2B5EF4-FFF2-40B4-BE49-F238E27FC236}">
-                <a16:creationId xmlns:a16="http://schemas.microsoft.com/office/drawing/2014/main" id="{C76CFF04-8276-7ED2-E0AC-54279A26BC84}"/>
-              </a:ext>
-            </a:extLst>
-          </p:cNvPr>
-          <p:cNvSpPr>
-            <a:spLocks noGrp="1"/>
-          </p:cNvSpPr>
-          <p:nvPr>
-            <p:ph type="sldNum" sz="quarter" idx="12"/>
-          </p:nvPr>
-        </p:nvSpPr>
-        <p:spPr/>
-        <p:txBody>
-          <a:bodyPr/>
-          <a:lstStyle/>
-          <a:p>
-            <a:fld id="{B5CEABB6-07DC-46E8-9B57-56EC44A396E5}" type="slidenum">
-              <a:rPr lang="en-US" smtClean="0"/>
-              <a:pPr/>
-              <a:t>12</a:t>
-            </a:fld>
-            <a:endParaRPr lang="en-US" dirty="0"/>
-          </a:p>
-        </p:txBody>
-      </p:sp>
-      <p:sp>
-        <p:nvSpPr>
-          <p:cNvPr id="4" name="Content Placeholder 3">
-            <a:extLst>
-              <a:ext uri="{FF2B5EF4-FFF2-40B4-BE49-F238E27FC236}">
-                <a16:creationId xmlns:a16="http://schemas.microsoft.com/office/drawing/2014/main" id="{5D678C81-D97C-447B-0BAC-1E6EF5B4CD2B}"/>
-              </a:ext>
-            </a:extLst>
-          </p:cNvPr>
-          <p:cNvSpPr>
-            <a:spLocks noGrp="1"/>
-          </p:cNvSpPr>
-          <p:nvPr>
-            <p:ph sz="half" idx="14"/>
-          </p:nvPr>
-        </p:nvSpPr>
-        <p:spPr/>
-        <p:txBody>
-          <a:bodyPr/>
-          <a:lstStyle/>
-          <a:p>
-            <a:r>
-              <a:rPr lang="en-US" dirty="0" err="1"/>
-              <a:t>Zhr</a:t>
-            </a:r>
-            <a:r>
-              <a:rPr lang="sk-SK" dirty="0"/>
-              <a:t>núť</a:t>
-            </a:r>
-            <a:r>
-              <a:rPr lang="en-US" dirty="0"/>
-              <a:t> </a:t>
-            </a:r>
-            <a:r>
-              <a:rPr lang="en-US" dirty="0" err="1"/>
-              <a:t>kľúčové</a:t>
-            </a:r>
-            <a:r>
-              <a:rPr lang="en-US" dirty="0"/>
-              <a:t> body, </a:t>
-            </a:r>
-            <a:r>
-              <a:rPr lang="en-US" dirty="0" err="1"/>
-              <a:t>ktoré</a:t>
-            </a:r>
-            <a:r>
-              <a:rPr lang="en-US" dirty="0"/>
-              <a:t> je </a:t>
-            </a:r>
-            <a:r>
-              <a:rPr lang="en-US" dirty="0" err="1"/>
-              <a:t>potrebné</a:t>
-            </a:r>
-            <a:r>
-              <a:rPr lang="en-US" dirty="0"/>
-              <a:t> </a:t>
-            </a:r>
-            <a:r>
-              <a:rPr lang="en-US" dirty="0" err="1"/>
-              <a:t>zvážiť</a:t>
-            </a:r>
-            <a:r>
-              <a:rPr lang="en-US" dirty="0"/>
-              <a:t> </a:t>
-            </a:r>
-            <a:r>
-              <a:rPr lang="en-US" dirty="0" err="1"/>
-              <a:t>na</a:t>
-            </a:r>
-            <a:r>
-              <a:rPr lang="en-US" dirty="0"/>
-              <a:t> </a:t>
-            </a:r>
-            <a:r>
-              <a:rPr lang="en-US" dirty="0" err="1"/>
-              <a:t>základe</a:t>
-            </a:r>
-            <a:r>
-              <a:rPr lang="en-US" dirty="0"/>
-              <a:t> </a:t>
-            </a:r>
-            <a:r>
-              <a:rPr lang="en-US" dirty="0" err="1"/>
-              <a:t>vlastných</a:t>
-            </a:r>
-            <a:r>
-              <a:rPr lang="en-US" dirty="0"/>
-              <a:t> </a:t>
-            </a:r>
-            <a:r>
-              <a:rPr lang="en-US" dirty="0" err="1"/>
-              <a:t>potrieb</a:t>
-            </a:r>
-            <a:r>
-              <a:rPr lang="en-US" dirty="0"/>
-              <a:t> (</a:t>
-            </a:r>
-            <a:r>
-              <a:rPr lang="en-US" dirty="0" err="1"/>
-              <a:t>výkon</a:t>
-            </a:r>
-            <a:r>
-              <a:rPr lang="en-US" dirty="0"/>
-              <a:t>, </a:t>
-            </a:r>
-            <a:r>
-              <a:rPr lang="en-US" dirty="0" err="1"/>
-              <a:t>rozpočet</a:t>
-            </a:r>
-            <a:r>
-              <a:rPr lang="en-US" dirty="0"/>
-              <a:t>, </a:t>
-            </a:r>
-            <a:r>
-              <a:rPr lang="en-US" dirty="0" err="1"/>
-              <a:t>kompatibilita</a:t>
-            </a:r>
-            <a:r>
-              <a:rPr lang="en-US" dirty="0"/>
-              <a:t> </a:t>
-            </a:r>
-            <a:r>
-              <a:rPr lang="en-US" dirty="0" err="1"/>
-              <a:t>systému</a:t>
-            </a:r>
-            <a:r>
-              <a:rPr lang="en-US" dirty="0"/>
-              <a:t>).</a:t>
-            </a:r>
-            <a:r>
-              <a:rPr lang="sk-SK" dirty="0"/>
-              <a:t> Pomôcť sa </a:t>
-            </a:r>
-            <a:r>
-              <a:rPr lang="sk-SK" dirty="0" err="1"/>
-              <a:t>čítateľovy</a:t>
-            </a:r>
-            <a:r>
-              <a:rPr lang="sk-SK" dirty="0"/>
-              <a:t> rozhodnúť</a:t>
-            </a:r>
-            <a:endParaRPr lang="en-US" dirty="0"/>
-          </a:p>
-        </p:txBody>
-      </p:sp>
-    </p:spTree>
-    <p:extLst>
-      <p:ext uri="{BB962C8B-B14F-4D97-AF65-F5344CB8AC3E}">
-        <p14:creationId xmlns:p14="http://schemas.microsoft.com/office/powerpoint/2010/main" val="4188141668"/>
-      </p:ext>
-    </p:extLst>
-  </p:cSld>
-  <p:clrMapOvr>
-    <a:masterClrMapping/>
-  </p:clrMapOvr>
-</p:sld>
-</file>
-
-<file path=ppt/slides/slide13.xml><?xml version="1.0" encoding="utf-8"?>
-<p:sld xmlns:a="http://schemas.openxmlformats.org/drawingml/2006/main" xmlns:r="http://schemas.openxmlformats.org/officeDocument/2006/relationships" xmlns:p="http://schemas.openxmlformats.org/presentationml/2006/main">
-  <p:cSld>
-    <p:spTree>
-      <p:nvGrpSpPr>
-        <p:cNvPr id="1" name=""/>
-        <p:cNvGrpSpPr/>
-        <p:nvPr/>
-      </p:nvGrpSpPr>
-      <p:grpSpPr>
-        <a:xfrm>
-          <a:off x="0" y="0"/>
-          <a:ext cx="0" cy="0"/>
-          <a:chOff x="0" y="0"/>
-          <a:chExt cx="0" cy="0"/>
-        </a:xfrm>
-      </p:grpSpPr>
-      <p:sp>
-        <p:nvSpPr>
-          <p:cNvPr id="2" name="Title 1">
-            <a:extLst>
-              <a:ext uri="{FF2B5EF4-FFF2-40B4-BE49-F238E27FC236}">
-                <a16:creationId xmlns:a16="http://schemas.microsoft.com/office/drawing/2014/main" id="{4BD6936E-C3EB-17BB-1081-BC748696B08C}"/>
-              </a:ext>
-            </a:extLst>
-          </p:cNvPr>
-          <p:cNvSpPr>
-            <a:spLocks noGrp="1"/>
-          </p:cNvSpPr>
-          <p:nvPr>
-            <p:ph type="title"/>
-          </p:nvPr>
-        </p:nvSpPr>
-        <p:spPr/>
-        <p:txBody>
-          <a:bodyPr/>
-          <a:lstStyle/>
-          <a:p>
-            <a:r>
-              <a:rPr lang="sk-SK" dirty="0"/>
-              <a:t>Záver</a:t>
-            </a:r>
-            <a:endParaRPr lang="en-US" dirty="0"/>
-          </a:p>
-        </p:txBody>
-      </p:sp>
-      <p:sp>
-        <p:nvSpPr>
-          <p:cNvPr id="3" name="Slide Number Placeholder 2">
-            <a:extLst>
-              <a:ext uri="{FF2B5EF4-FFF2-40B4-BE49-F238E27FC236}">
-                <a16:creationId xmlns:a16="http://schemas.microsoft.com/office/drawing/2014/main" id="{770EAE12-DE71-39C3-0DEB-78B919A02684}"/>
-              </a:ext>
-            </a:extLst>
-          </p:cNvPr>
-          <p:cNvSpPr>
-            <a:spLocks noGrp="1"/>
-          </p:cNvSpPr>
-          <p:nvPr>
-            <p:ph type="sldNum" sz="quarter" idx="12"/>
-          </p:nvPr>
-        </p:nvSpPr>
-        <p:spPr/>
-        <p:txBody>
-          <a:bodyPr/>
-          <a:lstStyle/>
-          <a:p>
-            <a:fld id="{B5CEABB6-07DC-46E8-9B57-56EC44A396E5}" type="slidenum">
-              <a:rPr lang="en-US" smtClean="0"/>
-              <a:pPr/>
-              <a:t>13</a:t>
-            </a:fld>
-            <a:endParaRPr lang="en-US" dirty="0"/>
-          </a:p>
-        </p:txBody>
-      </p:sp>
-      <p:sp>
-        <p:nvSpPr>
-          <p:cNvPr id="4" name="Content Placeholder 3">
-            <a:extLst>
-              <a:ext uri="{FF2B5EF4-FFF2-40B4-BE49-F238E27FC236}">
-                <a16:creationId xmlns:a16="http://schemas.microsoft.com/office/drawing/2014/main" id="{DAF46AD2-8D52-FE42-0B73-3A8B76C9C2D4}"/>
-              </a:ext>
-            </a:extLst>
-          </p:cNvPr>
-          <p:cNvSpPr>
-            <a:spLocks noGrp="1"/>
-          </p:cNvSpPr>
-          <p:nvPr>
-            <p:ph sz="half" idx="14"/>
-          </p:nvPr>
-        </p:nvSpPr>
-        <p:spPr/>
-        <p:txBody>
-          <a:bodyPr/>
-          <a:lstStyle/>
-          <a:p>
-            <a:r>
-              <a:rPr lang="sk-SK" dirty="0"/>
-              <a:t>Zopakovať</a:t>
-            </a:r>
-            <a:r>
-              <a:rPr lang="en-US" dirty="0"/>
-              <a:t> </a:t>
-            </a:r>
-            <a:r>
-              <a:rPr lang="en-US" dirty="0" err="1"/>
-              <a:t>si</a:t>
-            </a:r>
-            <a:r>
-              <a:rPr lang="en-US" dirty="0"/>
-              <a:t> </a:t>
-            </a:r>
-            <a:r>
-              <a:rPr lang="en-US" dirty="0" err="1"/>
-              <a:t>dôležitosť</a:t>
-            </a:r>
-            <a:r>
-              <a:rPr lang="en-US" dirty="0"/>
-              <a:t> </a:t>
-            </a:r>
-            <a:r>
-              <a:rPr lang="en-US" dirty="0" err="1"/>
-              <a:t>výberu</a:t>
-            </a:r>
-            <a:r>
-              <a:rPr lang="en-US" dirty="0"/>
-              <a:t> </a:t>
-            </a:r>
-            <a:r>
-              <a:rPr lang="en-US" dirty="0" err="1"/>
-              <a:t>správne</a:t>
-            </a:r>
-            <a:r>
-              <a:rPr lang="sk-SK" dirty="0"/>
-              <a:t>j</a:t>
-            </a:r>
-            <a:r>
-              <a:rPr lang="en-US" dirty="0"/>
-              <a:t> GPU pre </a:t>
-            </a:r>
-            <a:r>
-              <a:rPr lang="sk-SK" dirty="0"/>
-              <a:t>konkrétne</a:t>
-            </a:r>
-            <a:r>
-              <a:rPr lang="en-US" dirty="0"/>
-              <a:t> </a:t>
-            </a:r>
-            <a:r>
-              <a:rPr lang="en-US" dirty="0" err="1"/>
-              <a:t>potreby</a:t>
-            </a:r>
-            <a:r>
-              <a:rPr lang="en-US" dirty="0"/>
-              <a:t>.</a:t>
-            </a:r>
-            <a:br>
-              <a:rPr lang="sk-SK" dirty="0"/>
-            </a:br>
-            <a:r>
-              <a:rPr lang="en-US" dirty="0" err="1"/>
-              <a:t>Zdôrazni</a:t>
-            </a:r>
-            <a:r>
-              <a:rPr lang="sk-SK" dirty="0"/>
-              <a:t>ť</a:t>
-            </a:r>
-            <a:r>
-              <a:rPr lang="en-US" dirty="0"/>
-              <a:t>, </a:t>
-            </a:r>
-            <a:r>
-              <a:rPr lang="en-US" dirty="0" err="1"/>
-              <a:t>že</a:t>
-            </a:r>
-            <a:r>
-              <a:rPr lang="en-US" dirty="0"/>
-              <a:t> Nvidia </a:t>
-            </a:r>
-            <a:r>
-              <a:rPr lang="en-US" dirty="0" err="1"/>
-              <a:t>aj</a:t>
-            </a:r>
-            <a:r>
-              <a:rPr lang="en-US" dirty="0"/>
-              <a:t> AMD </a:t>
-            </a:r>
-            <a:r>
-              <a:rPr lang="en-US" dirty="0" err="1"/>
-              <a:t>ponúkajú</a:t>
-            </a:r>
-            <a:r>
-              <a:rPr lang="en-US" dirty="0"/>
-              <a:t> </a:t>
-            </a:r>
-            <a:r>
-              <a:rPr lang="en-US" dirty="0" err="1"/>
-              <a:t>konkurenčné</a:t>
-            </a:r>
-            <a:r>
-              <a:rPr lang="en-US" dirty="0"/>
-              <a:t> </a:t>
-            </a:r>
-            <a:r>
-              <a:rPr lang="en-US" dirty="0" err="1"/>
-              <a:t>možnosti</a:t>
-            </a:r>
-            <a:r>
-              <a:rPr lang="en-US" dirty="0"/>
-              <a:t> </a:t>
-            </a:r>
-            <a:r>
-              <a:rPr lang="en-US" dirty="0" err="1"/>
-              <a:t>prispôsobené</a:t>
-            </a:r>
-            <a:r>
-              <a:rPr lang="en-US" dirty="0"/>
-              <a:t> </a:t>
-            </a:r>
-            <a:r>
-              <a:rPr lang="en-US" dirty="0" err="1"/>
-              <a:t>rôznym</a:t>
-            </a:r>
-            <a:r>
-              <a:rPr lang="en-US" dirty="0"/>
-              <a:t> </a:t>
-            </a:r>
-            <a:r>
-              <a:rPr lang="en-US" dirty="0" err="1"/>
-              <a:t>preferenciám</a:t>
-            </a:r>
-            <a:r>
-              <a:rPr lang="en-US" dirty="0"/>
-              <a:t> a </a:t>
-            </a:r>
-            <a:r>
-              <a:rPr lang="en-US" dirty="0" err="1"/>
-              <a:t>požiadavkám</a:t>
-            </a:r>
-            <a:r>
-              <a:rPr lang="en-US" dirty="0"/>
-              <a:t> </a:t>
-            </a:r>
-            <a:r>
-              <a:rPr lang="en-US" dirty="0" err="1"/>
-              <a:t>používateľ</a:t>
-            </a:r>
-            <a:r>
-              <a:rPr lang="sk-SK" dirty="0"/>
-              <a:t>a</a:t>
-            </a:r>
-            <a:r>
-              <a:rPr lang="en-US" dirty="0"/>
-              <a:t>.</a:t>
-            </a:r>
-          </a:p>
-        </p:txBody>
-      </p:sp>
-    </p:spTree>
-    <p:extLst>
-      <p:ext uri="{BB962C8B-B14F-4D97-AF65-F5344CB8AC3E}">
-        <p14:creationId xmlns:p14="http://schemas.microsoft.com/office/powerpoint/2010/main" val="3192646812"/>
-      </p:ext>
-    </p:extLst>
-  </p:cSld>
-  <p:clrMapOvr>
-    <a:masterClrMapping/>
-  </p:clrMapOvr>
-</p:sld>
-</file>
-
-<file path=ppt/slides/slide14.xml><?xml version="1.0" encoding="utf-8"?>
 <p:sld xmlns:a="http://schemas.openxmlformats.org/drawingml/2006/main" xmlns:r="http://schemas.openxmlformats.org/officeDocument/2006/relationships" xmlns:p="http://schemas.openxmlformats.org/presentationml/2006/main">
   <p:cSld>
     <p:spTree>
@@ -21576,26 +22484,6 @@
           </a:bodyPr>
           <a:lstStyle/>
           <a:p>
-            <a:r>
-              <a:rPr lang="sk-SK" dirty="0"/>
-              <a:t>Matej </a:t>
-            </a:r>
-            <a:r>
-              <a:rPr lang="sk-SK" dirty="0" err="1"/>
-              <a:t>Kazda</a:t>
-            </a:r>
-            <a:r>
-              <a:rPr lang="sk-SK" dirty="0"/>
-              <a:t> SPŠE </a:t>
-            </a:r>
-            <a:r>
-              <a:rPr lang="sk-SK" dirty="0" err="1"/>
-              <a:t>Hálova</a:t>
-            </a:r>
-            <a:r>
-              <a:rPr lang="sk-SK" dirty="0"/>
-              <a:t> 16</a:t>
-            </a:r>
             <a:endParaRPr lang="en-US" dirty="0"/>
           </a:p>
         </p:txBody>
@@ -21613,7 +22501,7 @@
 </p:sld>
 </file>
 
-<file path=ppt/slides/slide15.xml><?xml version="1.0" encoding="utf-8"?>
+<file path=ppt/slides/slide13.xml><?xml version="1.0" encoding="utf-8"?>
 <p:sld xmlns:a="http://schemas.openxmlformats.org/drawingml/2006/main" xmlns:r="http://schemas.openxmlformats.org/officeDocument/2006/relationships" xmlns:p="http://schemas.openxmlformats.org/presentationml/2006/main">
   <p:cSld>
     <p:spTree>
@@ -21917,9 +22805,16 @@
             <p:ph type="title"/>
           </p:nvPr>
         </p:nvSpPr>
-        <p:spPr/>
+        <p:spPr>
+          <a:xfrm>
+            <a:off x="3807877" y="898524"/>
+            <a:ext cx="7606895" cy="2029967"/>
+          </a:xfrm>
+        </p:spPr>
         <p:txBody>
-          <a:bodyPr/>
+          <a:bodyPr anchor="t">
+            <a:normAutofit/>
+          </a:bodyPr>
           <a:lstStyle/>
           <a:p>
             <a:r>
@@ -21930,31 +22825,120 @@
           </a:p>
         </p:txBody>
       </p:sp>
-      <p:sp>
-        <p:nvSpPr>
-          <p:cNvPr id="3" name="Picture Placeholder 2">
+      <p:pic>
+        <p:nvPicPr>
+          <p:cNvPr id="8194" name="Picture 2" descr="NVIDIA Studio | ORIGIN PC">
             <a:extLst>
               <a:ext uri="{FF2B5EF4-FFF2-40B4-BE49-F238E27FC236}">
-                <a16:creationId xmlns:a16="http://schemas.microsoft.com/office/drawing/2014/main" id="{D430E082-300E-74DC-FEC0-1C52010DBD1E}"/>
+                <a16:creationId xmlns:a16="http://schemas.microsoft.com/office/drawing/2014/main" id="{875A67E3-50AC-26E3-604D-E2F29F7896D3}"/>
               </a:ext>
             </a:extLst>
           </p:cNvPr>
-          <p:cNvSpPr>
-            <a:spLocks noGrp="1"/>
-          </p:cNvSpPr>
-          <p:nvPr>
-            <p:ph type="pic" sz="quarter" idx="15"/>
-          </p:nvPr>
-        </p:nvSpPr>
-        <p:spPr/>
-        <p:txBody>
-          <a:bodyPr/>
-          <a:lstStyle/>
-          <a:p>
-            <a:endParaRPr lang="en-US"/>
-          </a:p>
-        </p:txBody>
-      </p:sp>
+          <p:cNvPicPr>
+            <a:picLocks noChangeAspect="1" noChangeArrowheads="1"/>
+          </p:cNvPicPr>
+          <p:nvPr/>
+        </p:nvPicPr>
+        <p:blipFill rotWithShape="1">
+          <a:blip r:embed="rId2">
+            <a:extLst>
+              <a:ext uri="{28A0092B-C50C-407E-A947-70E740481C1C}">
+                <a14:useLocalDpi xmlns:a14="http://schemas.microsoft.com/office/drawing/2010/main" val="0"/>
+              </a:ext>
+            </a:extLst>
+          </a:blip>
+          <a:srcRect l="56072" r="16725"/>
+          <a:stretch/>
+        </p:blipFill>
+        <p:spPr bwMode="auto">
+          <a:xfrm>
+            <a:off x="1011337" y="9212"/>
+            <a:ext cx="2029967" cy="4850544"/>
+          </a:xfrm>
+          <a:custGeom>
+            <a:avLst/>
+            <a:gdLst>
+              <a:gd name="connsiteX0" fmla="*/ 0 w 2029967"/>
+              <a:gd name="connsiteY0" fmla="*/ 0 h 4850544"/>
+              <a:gd name="connsiteX1" fmla="*/ 2029967 w 2029967"/>
+              <a:gd name="connsiteY1" fmla="*/ 0 h 4850544"/>
+              <a:gd name="connsiteX2" fmla="*/ 2029967 w 2029967"/>
+              <a:gd name="connsiteY2" fmla="*/ 4850544 h 4850544"/>
+              <a:gd name="connsiteX3" fmla="*/ 2025599 w 2029967"/>
+              <a:gd name="connsiteY3" fmla="*/ 4850544 h 4850544"/>
+              <a:gd name="connsiteX4" fmla="*/ 2 w 2029967"/>
+              <a:gd name="connsiteY4" fmla="*/ 2824947 h 4850544"/>
+              <a:gd name="connsiteX5" fmla="*/ 2 w 2029967"/>
+              <a:gd name="connsiteY5" fmla="*/ 4850544 h 4850544"/>
+              <a:gd name="connsiteX6" fmla="*/ 0 w 2029967"/>
+              <a:gd name="connsiteY6" fmla="*/ 4850544 h 4850544"/>
+            </a:gdLst>
+            <a:ahLst/>
+            <a:cxnLst>
+              <a:cxn ang="0">
+                <a:pos x="connsiteX0" y="connsiteY0"/>
+              </a:cxn>
+              <a:cxn ang="0">
+                <a:pos x="connsiteX1" y="connsiteY1"/>
+              </a:cxn>
+              <a:cxn ang="0">
+                <a:pos x="connsiteX2" y="connsiteY2"/>
+              </a:cxn>
+              <a:cxn ang="0">
+                <a:pos x="connsiteX3" y="connsiteY3"/>
+              </a:cxn>
+              <a:cxn ang="0">
+                <a:pos x="connsiteX4" y="connsiteY4"/>
+              </a:cxn>
+              <a:cxn ang="0">
+                <a:pos x="connsiteX5" y="connsiteY5"/>
+              </a:cxn>
+              <a:cxn ang="0">
+                <a:pos x="connsiteX6" y="connsiteY6"/>
+              </a:cxn>
+            </a:cxnLst>
+            <a:rect l="l" t="t" r="r" b="b"/>
+            <a:pathLst>
+              <a:path w="2029967" h="4850544">
+                <a:moveTo>
+                  <a:pt x="0" y="0"/>
+                </a:moveTo>
+                <a:lnTo>
+                  <a:pt x="2029967" y="0"/>
+                </a:lnTo>
+                <a:lnTo>
+                  <a:pt x="2029967" y="4850544"/>
+                </a:lnTo>
+                <a:lnTo>
+                  <a:pt x="2025599" y="4850544"/>
+                </a:lnTo>
+                <a:lnTo>
+                  <a:pt x="2" y="2824947"/>
+                </a:lnTo>
+                <a:lnTo>
+                  <a:pt x="2" y="4850544"/>
+                </a:lnTo>
+                <a:lnTo>
+                  <a:pt x="0" y="4850544"/>
+                </a:lnTo>
+                <a:close/>
+              </a:path>
+            </a:pathLst>
+          </a:custGeom>
+          <a:solidFill>
+            <a:srgbClr val="FFFFFF"/>
+          </a:solidFill>
+          <a:extLst>
+            <a:ext uri="{909E8E84-426E-40DD-AFC4-6F175D3DCCD1}">
+              <a14:hiddenFill xmlns:a14="http://schemas.microsoft.com/office/drawing/2010/main">
+                <a:solidFill>
+                  <a:srgbClr val="FFFFFF"/>
+                </a:solidFill>
+              </a14:hiddenFill>
+            </a:ext>
+          </a:extLst>
+        </p:spPr>
+      </p:pic>
       <p:sp>
         <p:nvSpPr>
           <p:cNvPr id="4" name="Content Placeholder 3">
@@ -21973,40 +22957,37 @@
         </p:nvSpPr>
         <p:spPr>
           <a:xfrm>
-            <a:off x="3803687" y="2613804"/>
-            <a:ext cx="7615274" cy="3226669"/>
+            <a:off x="3803953" y="3259138"/>
+            <a:ext cx="7615274" cy="2978150"/>
           </a:xfrm>
         </p:spPr>
         <p:txBody>
           <a:bodyPr>
-            <a:normAutofit fontScale="77500" lnSpcReduction="20000"/>
+            <a:normAutofit/>
           </a:bodyPr>
           <a:lstStyle/>
           <a:p>
             <a:r>
-              <a:rPr lang="sk-SK" dirty="0"/>
+              <a:rPr lang="sk-SK" sz="1100"/>
               <a:t>Definícia GPU</a:t>
             </a:r>
           </a:p>
           <a:p>
             <a:pPr lvl="1"/>
             <a:r>
-              <a:rPr lang="sk-SK" dirty="0"/>
+              <a:rPr lang="sk-SK" sz="1100"/>
               <a:t>GPU je špecializovaný čip určený na rýchle spracovanie grafiky, dát a výpočtov spojených s vizualizáciou.</a:t>
             </a:r>
           </a:p>
           <a:p>
             <a:pPr lvl="1"/>
             <a:r>
-              <a:rPr lang="sk-SK" dirty="0"/>
+              <a:rPr lang="sk-SK" sz="1100"/>
               <a:t>Využíva hlavne v počítačových hrách, umelej inteligencií a vedeckých výpočtoch.</a:t>
             </a:r>
           </a:p>
           <a:p>
-            <a:pPr marL="400050" lvl="1" indent="323850" algn="just">
-              <a:lnSpc>
-                <a:spcPct val="150000"/>
-              </a:lnSpc>
+            <a:pPr marL="400050" lvl="1" indent="323850">
               <a:spcBef>
                 <a:spcPts val="600"/>
               </a:spcBef>
@@ -22015,42 +22996,41 @@
               </a:spcAft>
             </a:pPr>
             <a:r>
-              <a:rPr lang="sk-SK" dirty="0">
+              <a:rPr lang="sk-SK" sz="1100">
                 <a:effectLst/>
-                <a:ea typeface="Times New Roman" panose="02020603050405020304" pitchFamily="18" charset="0"/>
               </a:rPr>
               <a:t>Je to základná súčasť počítaču a je zodpovedná za rýchle vykresľovanie obrázkov, videí a 3D grafiky.</a:t>
             </a:r>
-            <a:endParaRPr lang="sk-SK" dirty="0"/>
+            <a:endParaRPr lang="sk-SK" sz="1100"/>
           </a:p>
           <a:p>
             <a:r>
-              <a:rPr lang="sk-SK" dirty="0"/>
+              <a:rPr lang="sk-SK" sz="1100"/>
               <a:t>Z čoho sa skladá GPU</a:t>
             </a:r>
           </a:p>
           <a:p>
             <a:pPr lvl="1"/>
             <a:r>
-              <a:rPr lang="sk-SK" dirty="0"/>
+              <a:rPr lang="sk-SK" sz="1100"/>
               <a:t>Jadro, TMU, ROP, cache, </a:t>
             </a:r>
             <a:r>
-              <a:rPr lang="sk-SK" dirty="0" err="1"/>
+              <a:rPr lang="sk-SK" sz="1100" err="1"/>
               <a:t>PCIe</a:t>
             </a:r>
             <a:r>
-              <a:rPr lang="sk-SK" dirty="0"/>
+              <a:rPr lang="sk-SK" sz="1100"/>
               <a:t>, video kódovacie jednotky...</a:t>
             </a:r>
           </a:p>
           <a:p>
             <a:pPr lvl="1"/>
-            <a:endParaRPr lang="sk-SK" dirty="0"/>
+            <a:endParaRPr lang="sk-SK" sz="1100"/>
           </a:p>
           <a:p>
             <a:pPr lvl="1"/>
-            <a:endParaRPr lang="en-US" dirty="0"/>
+            <a:endParaRPr lang="en-US" sz="1100"/>
           </a:p>
         </p:txBody>
       </p:sp>
@@ -22070,17 +23050,33 @@
             <p:ph type="sldNum" sz="quarter" idx="12"/>
           </p:nvPr>
         </p:nvSpPr>
-        <p:spPr/>
+        <p:spPr>
+          <a:xfrm>
+            <a:off x="10962027" y="6356350"/>
+            <a:ext cx="457200" cy="365125"/>
+          </a:xfrm>
+        </p:spPr>
         <p:txBody>
-          <a:bodyPr/>
+          <a:bodyPr anchor="ctr">
+            <a:normAutofit/>
+          </a:bodyPr>
           <a:lstStyle/>
           <a:p>
+            <a:pPr>
+              <a:spcAft>
+                <a:spcPts val="600"/>
+              </a:spcAft>
+            </a:pPr>
             <a:fld id="{B5CEABB6-07DC-46E8-9B57-56EC44A396E5}" type="slidenum">
               <a:rPr lang="en-US" smtClean="0"/>
-              <a:pPr/>
+              <a:pPr>
+                <a:spcAft>
+                  <a:spcPts val="600"/>
+                </a:spcAft>
+              </a:pPr>
               <a:t>3</a:t>
             </a:fld>
-            <a:endParaRPr lang="en-US" dirty="0"/>
+            <a:endParaRPr lang="en-US"/>
           </a:p>
         </p:txBody>
       </p:sp>
@@ -22150,31 +23146,6 @@
       </p:sp>
       <p:sp>
         <p:nvSpPr>
-          <p:cNvPr id="3" name="Picture Placeholder 2">
-            <a:extLst>
-              <a:ext uri="{FF2B5EF4-FFF2-40B4-BE49-F238E27FC236}">
-                <a16:creationId xmlns:a16="http://schemas.microsoft.com/office/drawing/2014/main" id="{FD5FECD1-286F-DAB8-BCA7-DEC0571B974F}"/>
-              </a:ext>
-            </a:extLst>
-          </p:cNvPr>
-          <p:cNvSpPr>
-            <a:spLocks noGrp="1"/>
-          </p:cNvSpPr>
-          <p:nvPr>
-            <p:ph type="pic" sz="quarter" idx="15"/>
-          </p:nvPr>
-        </p:nvSpPr>
-        <p:spPr/>
-        <p:txBody>
-          <a:bodyPr/>
-          <a:lstStyle/>
-          <a:p>
-            <a:endParaRPr lang="en-US"/>
-          </a:p>
-        </p:txBody>
-      </p:sp>
-      <p:sp>
-        <p:nvSpPr>
           <p:cNvPr id="4" name="Content Placeholder 3">
             <a:extLst>
               <a:ext uri="{FF2B5EF4-FFF2-40B4-BE49-F238E27FC236}">
@@ -22254,15 +23225,7 @@
             </a:r>
             <a:r>
               <a:rPr lang="sk-SK" dirty="0"/>
-              <a:t>: je to situácia kedy je jeden komponent v počítači príliš slabý oproti zvyšku komponentov a </a:t>
-            </a:r>
-            <a:r>
-              <a:rPr lang="sk-SK" dirty="0" err="1"/>
-              <a:t>týmpádom</a:t>
-            </a:r>
-            <a:r>
-              <a:rPr lang="sk-SK" dirty="0"/>
-              <a:t> obmedzuje zvyšok PC</a:t>
+              <a:t>: je to situácia kedy je jeden komponent v počítači príliš slabý oproti zvyšku komponentov a tým pádom obmedzuje zvyšok PC</a:t>
             </a:r>
           </a:p>
           <a:p>
@@ -22301,6 +23264,55 @@
           </a:p>
         </p:txBody>
       </p:sp>
+      <p:pic>
+        <p:nvPicPr>
+          <p:cNvPr id="6" name="Picture 2" descr="AMD Announces Radeon Pro GPUs With 32GB and 48GB of GDDR6 | Extremetech">
+            <a:extLst>
+              <a:ext uri="{FF2B5EF4-FFF2-40B4-BE49-F238E27FC236}">
+                <a16:creationId xmlns:a16="http://schemas.microsoft.com/office/drawing/2014/main" id="{8140ACA3-8A5B-DFEF-ED84-A38881965F67}"/>
+              </a:ext>
+            </a:extLst>
+          </p:cNvPr>
+          <p:cNvPicPr>
+            <a:picLocks noGrp="1" noChangeAspect="1" noChangeArrowheads="1"/>
+          </p:cNvPicPr>
+          <p:nvPr>
+            <p:ph type="pic" sz="quarter" idx="15"/>
+          </p:nvPr>
+        </p:nvPicPr>
+        <p:blipFill>
+          <a:blip r:embed="rId2">
+            <a:extLst>
+              <a:ext uri="{28A0092B-C50C-407E-A947-70E740481C1C}">
+                <a14:useLocalDpi xmlns:a14="http://schemas.microsoft.com/office/drawing/2010/main" val="0"/>
+              </a:ext>
+            </a:extLst>
+          </a:blip>
+          <a:srcRect t="12778" b="12778"/>
+          <a:stretch>
+            <a:fillRect/>
+          </a:stretch>
+        </p:blipFill>
+        <p:spPr bwMode="auto">
+          <a:xfrm rot="16200000">
+            <a:off x="-397579" y="1417441"/>
+            <a:ext cx="4865298" cy="2030413"/>
+          </a:xfrm>
+          <a:prstGeom prst="rect">
+            <a:avLst/>
+          </a:prstGeom>
+          <a:noFill/>
+          <a:extLst>
+            <a:ext uri="{909E8E84-426E-40DD-AFC4-6F175D3DCCD1}">
+              <a14:hiddenFill xmlns:a14="http://schemas.microsoft.com/office/drawing/2010/main">
+                <a:solidFill>
+                  <a:srgbClr val="FFFFFF"/>
+                </a:solidFill>
+              </a14:hiddenFill>
+            </a:ext>
+          </a:extLst>
+        </p:spPr>
+      </p:pic>
     </p:spTree>
     <p:extLst>
       <p:ext uri="{BB962C8B-B14F-4D97-AF65-F5344CB8AC3E}">
@@ -22315,313 +23327,6 @@
 </file>
 
 <file path=ppt/slides/slide5.xml><?xml version="1.0" encoding="utf-8"?>
-<p:sld xmlns:a="http://schemas.openxmlformats.org/drawingml/2006/main" xmlns:r="http://schemas.openxmlformats.org/officeDocument/2006/relationships" xmlns:p="http://schemas.openxmlformats.org/presentationml/2006/main">
-  <p:cSld>
-    <p:spTree>
-      <p:nvGrpSpPr>
-        <p:cNvPr id="1" name=""/>
-        <p:cNvGrpSpPr/>
-        <p:nvPr/>
-      </p:nvGrpSpPr>
-      <p:grpSpPr>
-        <a:xfrm>
-          <a:off x="0" y="0"/>
-          <a:ext cx="0" cy="0"/>
-          <a:chOff x="0" y="0"/>
-          <a:chExt cx="0" cy="0"/>
-        </a:xfrm>
-      </p:grpSpPr>
-      <p:sp>
-        <p:nvSpPr>
-          <p:cNvPr id="2" name="Title 1">
-            <a:extLst>
-              <a:ext uri="{FF2B5EF4-FFF2-40B4-BE49-F238E27FC236}">
-                <a16:creationId xmlns:a16="http://schemas.microsoft.com/office/drawing/2014/main" id="{537E1C88-627C-4655-A4FB-0BB02EDB078A}"/>
-              </a:ext>
-            </a:extLst>
-          </p:cNvPr>
-          <p:cNvSpPr>
-            <a:spLocks noGrp="1"/>
-          </p:cNvSpPr>
-          <p:nvPr>
-            <p:ph type="title"/>
-          </p:nvPr>
-        </p:nvSpPr>
-        <p:spPr>
-          <a:xfrm>
-            <a:off x="762001" y="896112"/>
-            <a:ext cx="6589150" cy="1415767"/>
-          </a:xfrm>
-        </p:spPr>
-        <p:txBody>
-          <a:bodyPr/>
-          <a:lstStyle/>
-          <a:p>
-            <a:r>
-              <a:rPr lang="sk-SK" dirty="0"/>
-              <a:t>Kľúčové	faktory pri výbere GPU</a:t>
-            </a:r>
-            <a:endParaRPr lang="en-US" dirty="0"/>
-          </a:p>
-        </p:txBody>
-      </p:sp>
-      <p:sp>
-        <p:nvSpPr>
-          <p:cNvPr id="3" name="Content Placeholder 2">
-            <a:extLst>
-              <a:ext uri="{FF2B5EF4-FFF2-40B4-BE49-F238E27FC236}">
-                <a16:creationId xmlns:a16="http://schemas.microsoft.com/office/drawing/2014/main" id="{033634FE-ADF0-4BC3-A0A9-447EA9DD096B}"/>
-              </a:ext>
-            </a:extLst>
-          </p:cNvPr>
-          <p:cNvSpPr>
-            <a:spLocks noGrp="1"/>
-          </p:cNvSpPr>
-          <p:nvPr>
-            <p:ph sz="half" idx="14"/>
-          </p:nvPr>
-        </p:nvSpPr>
-        <p:spPr>
-          <a:xfrm>
-            <a:off x="762000" y="3059113"/>
-            <a:ext cx="6597650" cy="3295650"/>
-          </a:xfrm>
-        </p:spPr>
-        <p:txBody>
-          <a:bodyPr vert="horz" lIns="91440" tIns="45720" rIns="91440" bIns="45720" rtlCol="0" anchor="t">
-            <a:normAutofit/>
-          </a:bodyPr>
-          <a:lstStyle/>
-          <a:p>
-            <a:r>
-              <a:rPr lang="sk-SK" dirty="0"/>
-              <a:t>Pri vyberaní GPU sa treba pozrieť na niekoľko</a:t>
-            </a:r>
-            <a:r>
-              <a:rPr lang="en-US" dirty="0"/>
-              <a:t> </a:t>
-            </a:r>
-            <a:r>
-              <a:rPr lang="sk-SK" dirty="0"/>
-              <a:t>faktorov</a:t>
-            </a:r>
-            <a:r>
-              <a:rPr lang="en-US" dirty="0"/>
-              <a:t> </a:t>
-            </a:r>
-            <a:r>
-              <a:rPr lang="sk-SK" dirty="0"/>
-              <a:t>ako je výkon danej karty </a:t>
-            </a:r>
-          </a:p>
-          <a:p>
-            <a:r>
-              <a:rPr lang="sk-SK" dirty="0"/>
-              <a:t>Cena: Diskutovať o spektre rozpočtu a nájsť najlepší pomer ceny a výkonu.</a:t>
-            </a:r>
-          </a:p>
-        </p:txBody>
-      </p:sp>
-      <p:sp>
-        <p:nvSpPr>
-          <p:cNvPr id="6" name="Slide Number Placeholder 5">
-            <a:extLst>
-              <a:ext uri="{FF2B5EF4-FFF2-40B4-BE49-F238E27FC236}">
-                <a16:creationId xmlns:a16="http://schemas.microsoft.com/office/drawing/2014/main" id="{A4AC050D-BAF4-C23C-F8EC-24DEC4293002}"/>
-              </a:ext>
-            </a:extLst>
-          </p:cNvPr>
-          <p:cNvSpPr>
-            <a:spLocks noGrp="1"/>
-          </p:cNvSpPr>
-          <p:nvPr>
-            <p:ph type="sldNum" sz="quarter" idx="12"/>
-          </p:nvPr>
-        </p:nvSpPr>
-        <p:spPr/>
-        <p:txBody>
-          <a:bodyPr/>
-          <a:lstStyle/>
-          <a:p>
-            <a:fld id="{B5CEABB6-07DC-46E8-9B57-56EC44A396E5}" type="slidenum">
-              <a:rPr lang="en-US" smtClean="0"/>
-              <a:pPr/>
-              <a:t>5</a:t>
-            </a:fld>
-            <a:endParaRPr lang="en-US" dirty="0"/>
-          </a:p>
-        </p:txBody>
-      </p:sp>
-    </p:spTree>
-    <p:extLst>
-      <p:ext uri="{BB962C8B-B14F-4D97-AF65-F5344CB8AC3E}">
-        <p14:creationId xmlns:p14="http://schemas.microsoft.com/office/powerpoint/2010/main" val="1346372204"/>
-      </p:ext>
-    </p:extLst>
-  </p:cSld>
-  <p:clrMapOvr>
-    <a:masterClrMapping/>
-  </p:clrMapOvr>
-</p:sld>
-</file>
-
-<file path=ppt/slides/slide6.xml><?xml version="1.0" encoding="utf-8"?>
-<p:sld xmlns:a="http://schemas.openxmlformats.org/drawingml/2006/main" xmlns:r="http://schemas.openxmlformats.org/officeDocument/2006/relationships" xmlns:p="http://schemas.openxmlformats.org/presentationml/2006/main">
-  <p:cSld>
-    <p:spTree>
-      <p:nvGrpSpPr>
-        <p:cNvPr id="1" name=""/>
-        <p:cNvGrpSpPr/>
-        <p:nvPr/>
-      </p:nvGrpSpPr>
-      <p:grpSpPr>
-        <a:xfrm>
-          <a:off x="0" y="0"/>
-          <a:ext cx="0" cy="0"/>
-          <a:chOff x="0" y="0"/>
-          <a:chExt cx="0" cy="0"/>
-        </a:xfrm>
-      </p:grpSpPr>
-      <p:sp>
-        <p:nvSpPr>
-          <p:cNvPr id="2" name="Title 1">
-            <a:extLst>
-              <a:ext uri="{FF2B5EF4-FFF2-40B4-BE49-F238E27FC236}">
-                <a16:creationId xmlns:a16="http://schemas.microsoft.com/office/drawing/2014/main" id="{467DAA94-E1AA-3DAD-26E5-11C3B900A7FE}"/>
-              </a:ext>
-            </a:extLst>
-          </p:cNvPr>
-          <p:cNvSpPr>
-            <a:spLocks noGrp="1"/>
-          </p:cNvSpPr>
-          <p:nvPr>
-            <p:ph type="title"/>
-          </p:nvPr>
-        </p:nvSpPr>
-        <p:spPr>
-          <a:xfrm>
-            <a:off x="762001" y="896112"/>
-            <a:ext cx="6589150" cy="1407141"/>
-          </a:xfrm>
-        </p:spPr>
-        <p:txBody>
-          <a:bodyPr/>
-          <a:lstStyle/>
-          <a:p>
-            <a:r>
-              <a:rPr lang="sk-SK" dirty="0"/>
-              <a:t>Kľúčové	faktory pri výbere GPU</a:t>
-            </a:r>
-            <a:endParaRPr lang="en-US" dirty="0"/>
-          </a:p>
-        </p:txBody>
-      </p:sp>
-      <p:sp>
-        <p:nvSpPr>
-          <p:cNvPr id="3" name="Slide Number Placeholder 2">
-            <a:extLst>
-              <a:ext uri="{FF2B5EF4-FFF2-40B4-BE49-F238E27FC236}">
-                <a16:creationId xmlns:a16="http://schemas.microsoft.com/office/drawing/2014/main" id="{1AB95E5E-8AE6-1716-FA6E-C62EF25F1D4C}"/>
-              </a:ext>
-            </a:extLst>
-          </p:cNvPr>
-          <p:cNvSpPr>
-            <a:spLocks noGrp="1"/>
-          </p:cNvSpPr>
-          <p:nvPr>
-            <p:ph type="sldNum" sz="quarter" idx="12"/>
-          </p:nvPr>
-        </p:nvSpPr>
-        <p:spPr/>
-        <p:txBody>
-          <a:bodyPr/>
-          <a:lstStyle/>
-          <a:p>
-            <a:fld id="{B5CEABB6-07DC-46E8-9B57-56EC44A396E5}" type="slidenum">
-              <a:rPr lang="en-US" smtClean="0"/>
-              <a:pPr/>
-              <a:t>6</a:t>
-            </a:fld>
-            <a:endParaRPr lang="en-US" dirty="0"/>
-          </a:p>
-        </p:txBody>
-      </p:sp>
-      <p:sp>
-        <p:nvSpPr>
-          <p:cNvPr id="4" name="Content Placeholder 3">
-            <a:extLst>
-              <a:ext uri="{FF2B5EF4-FFF2-40B4-BE49-F238E27FC236}">
-                <a16:creationId xmlns:a16="http://schemas.microsoft.com/office/drawing/2014/main" id="{B973C373-AEA2-54CF-B23F-2B10238F9E30}"/>
-              </a:ext>
-            </a:extLst>
-          </p:cNvPr>
-          <p:cNvSpPr>
-            <a:spLocks noGrp="1"/>
-          </p:cNvSpPr>
-          <p:nvPr>
-            <p:ph sz="half" idx="14"/>
-          </p:nvPr>
-        </p:nvSpPr>
-        <p:spPr/>
-        <p:txBody>
-          <a:bodyPr/>
-          <a:lstStyle/>
-          <a:p>
-            <a:r>
-              <a:rPr lang="sk-SK" dirty="0"/>
-              <a:t>Kompatibilita: Systémové požiadavky, požiadavky na PSU, veľkosť  skrine. (</a:t>
-            </a:r>
-            <a:r>
-              <a:rPr lang="sk-SK" dirty="0" err="1"/>
-              <a:t>bottleneck</a:t>
-            </a:r>
-            <a:r>
-              <a:rPr lang="sk-SK" dirty="0"/>
-              <a:t>)</a:t>
-            </a:r>
-          </a:p>
-          <a:p>
-            <a:r>
-              <a:rPr lang="sk-SK" dirty="0"/>
-              <a:t>Zabezpečenie do budúcnosti: VRAM, porty a podpora novej technológie.</a:t>
-            </a:r>
-          </a:p>
-          <a:p>
-            <a:r>
-              <a:rPr lang="sk-SK" dirty="0"/>
-              <a:t>Kupovať z overených zdrojov ako sú </a:t>
-            </a:r>
-            <a:r>
-              <a:rPr lang="sk-SK" dirty="0" err="1"/>
-              <a:t>Nvidia</a:t>
-            </a:r>
-            <a:r>
-              <a:rPr lang="sk-SK" dirty="0"/>
-              <a:t> a AMD</a:t>
-            </a:r>
-          </a:p>
-          <a:p>
-            <a:endParaRPr lang="en-US" dirty="0"/>
-          </a:p>
-          <a:p>
-            <a:endParaRPr lang="en-US" dirty="0"/>
-          </a:p>
-        </p:txBody>
-      </p:sp>
-    </p:spTree>
-    <p:extLst>
-      <p:ext uri="{BB962C8B-B14F-4D97-AF65-F5344CB8AC3E}">
-        <p14:creationId xmlns:p14="http://schemas.microsoft.com/office/powerpoint/2010/main" val="3978263284"/>
-      </p:ext>
-    </p:extLst>
-  </p:cSld>
-  <p:clrMapOvr>
-    <a:masterClrMapping/>
-  </p:clrMapOvr>
-</p:sld>
-</file>
-
-<file path=ppt/slides/slide7.xml><?xml version="1.0" encoding="utf-8"?>
 <p:sld xmlns:a="http://schemas.openxmlformats.org/drawingml/2006/main" xmlns:r="http://schemas.openxmlformats.org/officeDocument/2006/relationships" xmlns:p="http://schemas.openxmlformats.org/presentationml/2006/main">
   <p:cSld>
     <p:spTree>
@@ -22703,7 +23408,7 @@
             <a:fld id="{B5CEABB6-07DC-46E8-9B57-56EC44A396E5}" type="slidenum">
               <a:rPr lang="en-US" smtClean="0"/>
               <a:pPr/>
-              <a:t>7</a:t>
+              <a:t>5</a:t>
             </a:fld>
             <a:endParaRPr lang="en-US" dirty="0"/>
           </a:p>
@@ -22897,6 +23602,53 @@
           </a:p>
         </p:txBody>
       </p:sp>
+      <p:pic>
+        <p:nvPicPr>
+          <p:cNvPr id="1026" name="Picture 2" descr="Introducing RTX Studio Laptops">
+            <a:extLst>
+              <a:ext uri="{FF2B5EF4-FFF2-40B4-BE49-F238E27FC236}">
+                <a16:creationId xmlns:a16="http://schemas.microsoft.com/office/drawing/2014/main" id="{2FF510D0-8735-7332-DF40-BC79903D70F9}"/>
+              </a:ext>
+            </a:extLst>
+          </p:cNvPr>
+          <p:cNvPicPr>
+            <a:picLocks noChangeAspect="1" noChangeArrowheads="1"/>
+          </p:cNvPicPr>
+          <p:nvPr/>
+        </p:nvPicPr>
+        <p:blipFill>
+          <a:blip r:embed="rId2">
+            <a:extLst>
+              <a:ext uri="{28A0092B-C50C-407E-A947-70E740481C1C}">
+                <a14:useLocalDpi xmlns:a14="http://schemas.microsoft.com/office/drawing/2010/main" val="0"/>
+              </a:ext>
+            </a:extLst>
+          </a:blip>
+          <a:srcRect/>
+          <a:stretch>
+            <a:fillRect/>
+          </a:stretch>
+        </p:blipFill>
+        <p:spPr bwMode="auto">
+          <a:xfrm>
+            <a:off x="5338745" y="4221544"/>
+            <a:ext cx="5784550" cy="2073942"/>
+          </a:xfrm>
+          <a:prstGeom prst="rect">
+            <a:avLst/>
+          </a:prstGeom>
+          <a:noFill/>
+          <a:extLst>
+            <a:ext uri="{909E8E84-426E-40DD-AFC4-6F175D3DCCD1}">
+              <a14:hiddenFill xmlns:a14="http://schemas.microsoft.com/office/drawing/2010/main">
+                <a:solidFill>
+                  <a:srgbClr val="FFFFFF"/>
+                </a:solidFill>
+              </a14:hiddenFill>
+            </a:ext>
+          </a:extLst>
+        </p:spPr>
+      </p:pic>
     </p:spTree>
     <p:extLst>
       <p:ext uri="{BB962C8B-B14F-4D97-AF65-F5344CB8AC3E}">
@@ -22910,7 +23662,7 @@
 </p:sld>
 </file>
 
-<file path=ppt/slides/slide8.xml><?xml version="1.0" encoding="utf-8"?>
+<file path=ppt/slides/slide6.xml><?xml version="1.0" encoding="utf-8"?>
 <p:sld xmlns:a="http://schemas.openxmlformats.org/drawingml/2006/main" xmlns:r="http://schemas.openxmlformats.org/officeDocument/2006/relationships" xmlns:p="http://schemas.openxmlformats.org/presentationml/2006/main">
   <p:cSld>
     <p:spTree>
@@ -22984,7 +23736,7 @@
             <a:fld id="{B5CEABB6-07DC-46E8-9B57-56EC44A396E5}" type="slidenum">
               <a:rPr lang="en-US" smtClean="0"/>
               <a:pPr/>
-              <a:t>8</a:t>
+              <a:t>6</a:t>
             </a:fld>
             <a:endParaRPr lang="en-US" dirty="0"/>
           </a:p>
@@ -23208,10 +23960,687 @@
           </a:p>
         </p:txBody>
       </p:sp>
+      <p:pic>
+        <p:nvPicPr>
+          <p:cNvPr id="6146" name="Picture 2" descr="AMD Radeon Instinct (@RadeonInstinct) / X">
+            <a:extLst>
+              <a:ext uri="{FF2B5EF4-FFF2-40B4-BE49-F238E27FC236}">
+                <a16:creationId xmlns:a16="http://schemas.microsoft.com/office/drawing/2014/main" id="{5618F850-6B86-DEAA-D8C6-9A4BF07B1F17}"/>
+              </a:ext>
+            </a:extLst>
+          </p:cNvPr>
+          <p:cNvPicPr>
+            <a:picLocks noChangeAspect="1" noChangeArrowheads="1"/>
+          </p:cNvPicPr>
+          <p:nvPr/>
+        </p:nvPicPr>
+        <p:blipFill>
+          <a:blip r:embed="rId2">
+            <a:extLst>
+              <a:ext uri="{28A0092B-C50C-407E-A947-70E740481C1C}">
+                <a14:useLocalDpi xmlns:a14="http://schemas.microsoft.com/office/drawing/2010/main" val="0"/>
+              </a:ext>
+            </a:extLst>
+          </a:blip>
+          <a:srcRect/>
+          <a:stretch>
+            <a:fillRect/>
+          </a:stretch>
+        </p:blipFill>
+        <p:spPr bwMode="auto">
+          <a:xfrm>
+            <a:off x="7432142" y="4633912"/>
+            <a:ext cx="1905000" cy="1905000"/>
+          </a:xfrm>
+          <a:prstGeom prst="rect">
+            <a:avLst/>
+          </a:prstGeom>
+          <a:noFill/>
+          <a:extLst>
+            <a:ext uri="{909E8E84-426E-40DD-AFC4-6F175D3DCCD1}">
+              <a14:hiddenFill xmlns:a14="http://schemas.microsoft.com/office/drawing/2010/main">
+                <a:solidFill>
+                  <a:srgbClr val="FFFFFF"/>
+                </a:solidFill>
+              </a14:hiddenFill>
+            </a:ext>
+          </a:extLst>
+        </p:spPr>
+      </p:pic>
     </p:spTree>
     <p:extLst>
       <p:ext uri="{BB962C8B-B14F-4D97-AF65-F5344CB8AC3E}">
         <p14:creationId xmlns:p14="http://schemas.microsoft.com/office/powerpoint/2010/main" val="892920798"/>
+      </p:ext>
+    </p:extLst>
+  </p:cSld>
+  <p:clrMapOvr>
+    <a:masterClrMapping/>
+  </p:clrMapOvr>
+</p:sld>
+</file>
+
+<file path=ppt/slides/slide7.xml><?xml version="1.0" encoding="utf-8"?>
+<p:sld xmlns:a="http://schemas.openxmlformats.org/drawingml/2006/main" xmlns:r="http://schemas.openxmlformats.org/officeDocument/2006/relationships" xmlns:p="http://schemas.openxmlformats.org/presentationml/2006/main">
+  <p:cSld>
+    <p:spTree>
+      <p:nvGrpSpPr>
+        <p:cNvPr id="1" name=""/>
+        <p:cNvGrpSpPr/>
+        <p:nvPr/>
+      </p:nvGrpSpPr>
+      <p:grpSpPr>
+        <a:xfrm>
+          <a:off x="0" y="0"/>
+          <a:ext cx="0" cy="0"/>
+          <a:chOff x="0" y="0"/>
+          <a:chExt cx="0" cy="0"/>
+        </a:xfrm>
+      </p:grpSpPr>
+      <p:sp>
+        <p:nvSpPr>
+          <p:cNvPr id="2" name="Title 1">
+            <a:extLst>
+              <a:ext uri="{FF2B5EF4-FFF2-40B4-BE49-F238E27FC236}">
+                <a16:creationId xmlns:a16="http://schemas.microsoft.com/office/drawing/2014/main" id="{639B19C9-5FD8-3D48-CEBD-7C85E3E3ECC2}"/>
+              </a:ext>
+            </a:extLst>
+          </p:cNvPr>
+          <p:cNvSpPr>
+            <a:spLocks noGrp="1"/>
+          </p:cNvSpPr>
+          <p:nvPr>
+            <p:ph type="title"/>
+          </p:nvPr>
+        </p:nvSpPr>
+        <p:spPr/>
+        <p:txBody>
+          <a:bodyPr/>
+          <a:lstStyle/>
+          <a:p>
+            <a:pPr algn="ctr"/>
+            <a:r>
+              <a:rPr lang="sk-SK" dirty="0"/>
+              <a:t> </a:t>
+            </a:r>
+            <a:r>
+              <a:rPr lang="sk-SK" dirty="0" err="1"/>
+              <a:t>Nvidia</a:t>
+            </a:r>
+            <a:r>
+              <a:rPr lang="sk-SK" dirty="0"/>
+              <a:t> pre rekreáciu</a:t>
+            </a:r>
+            <a:endParaRPr lang="en-US" dirty="0"/>
+          </a:p>
+        </p:txBody>
+      </p:sp>
+      <p:sp>
+        <p:nvSpPr>
+          <p:cNvPr id="3" name="Slide Number Placeholder 2">
+            <a:extLst>
+              <a:ext uri="{FF2B5EF4-FFF2-40B4-BE49-F238E27FC236}">
+                <a16:creationId xmlns:a16="http://schemas.microsoft.com/office/drawing/2014/main" id="{417C11D1-1BF1-8A15-A54E-614748651A1A}"/>
+              </a:ext>
+            </a:extLst>
+          </p:cNvPr>
+          <p:cNvSpPr>
+            <a:spLocks noGrp="1"/>
+          </p:cNvSpPr>
+          <p:nvPr>
+            <p:ph type="sldNum" sz="quarter" idx="12"/>
+          </p:nvPr>
+        </p:nvSpPr>
+        <p:spPr/>
+        <p:txBody>
+          <a:bodyPr/>
+          <a:lstStyle/>
+          <a:p>
+            <a:fld id="{B5CEABB6-07DC-46E8-9B57-56EC44A396E5}" type="slidenum">
+              <a:rPr lang="en-US" smtClean="0"/>
+              <a:pPr/>
+              <a:t>7</a:t>
+            </a:fld>
+            <a:endParaRPr lang="en-US" dirty="0"/>
+          </a:p>
+        </p:txBody>
+      </p:sp>
+      <p:sp>
+        <p:nvSpPr>
+          <p:cNvPr id="4" name="Content Placeholder 3">
+            <a:extLst>
+              <a:ext uri="{FF2B5EF4-FFF2-40B4-BE49-F238E27FC236}">
+                <a16:creationId xmlns:a16="http://schemas.microsoft.com/office/drawing/2014/main" id="{C926E9AB-DC39-0064-3FAE-7C6950E0840D}"/>
+              </a:ext>
+            </a:extLst>
+          </p:cNvPr>
+          <p:cNvSpPr>
+            <a:spLocks noGrp="1"/>
+          </p:cNvSpPr>
+          <p:nvPr>
+            <p:ph sz="half" idx="14"/>
+          </p:nvPr>
+        </p:nvSpPr>
+        <p:spPr>
+          <a:xfrm>
+            <a:off x="771736" y="1762664"/>
+            <a:ext cx="4515035" cy="4593686"/>
+          </a:xfrm>
+        </p:spPr>
+        <p:txBody>
+          <a:bodyPr>
+            <a:normAutofit fontScale="25000" lnSpcReduction="20000"/>
+          </a:bodyPr>
+          <a:lstStyle/>
+          <a:p>
+            <a:pPr algn="ctr"/>
+            <a:r>
+              <a:rPr lang="sk-SK" sz="6800" b="1" dirty="0" err="1"/>
+              <a:t>GeForce</a:t>
+            </a:r>
+            <a:r>
+              <a:rPr lang="sk-SK" sz="6800" b="1" dirty="0"/>
+              <a:t> RTX </a:t>
+            </a:r>
+            <a:r>
+              <a:rPr lang="sk-SK" sz="6800" b="1" dirty="0" err="1"/>
+              <a:t>Series</a:t>
+            </a:r>
+            <a:endParaRPr lang="sk-SK" sz="6800" b="1" dirty="0"/>
+          </a:p>
+          <a:p>
+            <a:r>
+              <a:rPr lang="sk-SK" sz="6800" dirty="0"/>
+              <a:t>Označované s </a:t>
+            </a:r>
+            <a:r>
+              <a:rPr lang="sk-SK" sz="6800" dirty="0" err="1"/>
+              <a:t>GeForce</a:t>
+            </a:r>
+            <a:r>
+              <a:rPr lang="sk-SK" sz="6800" dirty="0"/>
+              <a:t> RTX nálepkou pri logu</a:t>
+            </a:r>
+          </a:p>
+          <a:p>
+            <a:r>
+              <a:rPr lang="sk-SK" sz="6800" dirty="0"/>
+              <a:t>Výkon sa meria podľa série čo sú prvé dve čísla a modelom posledné dve čísla sú model</a:t>
+            </a:r>
+          </a:p>
+          <a:p>
+            <a:r>
+              <a:rPr lang="sk-SK" sz="6800" dirty="0"/>
+              <a:t>Napríklad </a:t>
+            </a:r>
+            <a:r>
+              <a:rPr lang="sk-SK" sz="6800" dirty="0" err="1"/>
+              <a:t>GeForce</a:t>
+            </a:r>
+            <a:r>
+              <a:rPr lang="sk-SK" sz="6800" dirty="0"/>
+              <a:t> RTX 3070</a:t>
+            </a:r>
+          </a:p>
+          <a:p>
+            <a:r>
+              <a:rPr lang="sk-SK" sz="6800" dirty="0"/>
+              <a:t>Existujú aj extra verzie a to sú Ti a Super, tieto verziu sú lepšie ako základná verzia</a:t>
+            </a:r>
+          </a:p>
+          <a:p>
+            <a:r>
+              <a:rPr lang="sk-SK" sz="6800" dirty="0"/>
+              <a:t>Napríklad </a:t>
+            </a:r>
+            <a:r>
+              <a:rPr lang="sk-SK" sz="6800" dirty="0" err="1"/>
+              <a:t>GeForce</a:t>
+            </a:r>
+            <a:r>
+              <a:rPr lang="sk-SK" sz="6800" dirty="0"/>
+              <a:t> RTX 3070 Ti</a:t>
+            </a:r>
+          </a:p>
+          <a:p>
+            <a:r>
+              <a:rPr lang="sk-SK" sz="6800" dirty="0"/>
+              <a:t>RTX 3070 je špeciálna lebo má aj verziu kde sú skombinované aj super aj Ti</a:t>
+            </a:r>
+          </a:p>
+          <a:p>
+            <a:r>
+              <a:rPr lang="sk-SK" sz="6800" dirty="0" err="1"/>
+              <a:t>GeForce</a:t>
+            </a:r>
+            <a:r>
+              <a:rPr lang="sk-SK" sz="6800" dirty="0"/>
+              <a:t> RTX 3070 Super Ti</a:t>
+            </a:r>
+          </a:p>
+          <a:p>
+            <a:endParaRPr lang="en-US" dirty="0"/>
+          </a:p>
+        </p:txBody>
+      </p:sp>
+      <p:sp>
+        <p:nvSpPr>
+          <p:cNvPr id="5" name="Content Placeholder 4">
+            <a:extLst>
+              <a:ext uri="{FF2B5EF4-FFF2-40B4-BE49-F238E27FC236}">
+                <a16:creationId xmlns:a16="http://schemas.microsoft.com/office/drawing/2014/main" id="{955A075D-A7C5-9ADE-6EB4-2239EC691AEC}"/>
+              </a:ext>
+            </a:extLst>
+          </p:cNvPr>
+          <p:cNvSpPr>
+            <a:spLocks noGrp="1"/>
+          </p:cNvSpPr>
+          <p:nvPr>
+            <p:ph sz="half" idx="15"/>
+          </p:nvPr>
+        </p:nvSpPr>
+        <p:spPr>
+          <a:xfrm>
+            <a:off x="5825598" y="1762664"/>
+            <a:ext cx="4515035" cy="3922144"/>
+          </a:xfrm>
+        </p:spPr>
+        <p:txBody>
+          <a:bodyPr>
+            <a:noAutofit/>
+          </a:bodyPr>
+          <a:lstStyle/>
+          <a:p>
+            <a:pPr algn="ctr"/>
+            <a:r>
+              <a:rPr lang="sk-SK" sz="1700" b="1" dirty="0"/>
+              <a:t>Exkluzívne funkcie</a:t>
+            </a:r>
+          </a:p>
+          <a:p>
+            <a:r>
+              <a:rPr lang="en-US" sz="1700" dirty="0"/>
+              <a:t>DLSS (Deep Learning Super Sampling):</a:t>
+            </a:r>
+          </a:p>
+          <a:p>
+            <a:r>
+              <a:rPr lang="sk-SK" sz="1700" dirty="0"/>
+              <a:t>- AI technológia, ktorá zlepšuje výkon a vizuálnu kvalitu renderovaním nižšieho rozlíšenia a zvýšením na vyššie rozlíšenie.</a:t>
+            </a:r>
+          </a:p>
+          <a:p>
+            <a:r>
+              <a:rPr lang="en-US" sz="1700" dirty="0"/>
+              <a:t>Ray Tracing:</a:t>
+            </a:r>
+          </a:p>
+          <a:p>
+            <a:r>
+              <a:rPr lang="sk-SK" sz="1700" dirty="0"/>
+              <a:t>- </a:t>
+            </a:r>
+            <a:r>
+              <a:rPr lang="sk-SK" sz="1700" dirty="0" err="1"/>
+              <a:t>Real-time</a:t>
+            </a:r>
+            <a:r>
+              <a:rPr lang="sk-SK" sz="1700" dirty="0"/>
+              <a:t> </a:t>
+            </a:r>
+            <a:r>
+              <a:rPr lang="sk-SK" sz="1700" dirty="0" err="1"/>
+              <a:t>ray</a:t>
+            </a:r>
+            <a:r>
+              <a:rPr lang="sk-SK" sz="1700" dirty="0"/>
+              <a:t> </a:t>
+            </a:r>
+            <a:r>
+              <a:rPr lang="sk-SK" sz="1700" dirty="0" err="1"/>
+              <a:t>tracing</a:t>
+            </a:r>
+            <a:r>
+              <a:rPr lang="sk-SK" sz="1700" dirty="0"/>
+              <a:t> pre realistické osvetlenie, odrazy a tiene.</a:t>
+            </a:r>
+          </a:p>
+        </p:txBody>
+      </p:sp>
+      <p:pic>
+        <p:nvPicPr>
+          <p:cNvPr id="5128" name="Picture 8">
+            <a:extLst>
+              <a:ext uri="{FF2B5EF4-FFF2-40B4-BE49-F238E27FC236}">
+                <a16:creationId xmlns:a16="http://schemas.microsoft.com/office/drawing/2014/main" id="{BB21A5E2-7A58-9AE7-7F1D-5DB98973603C}"/>
+              </a:ext>
+            </a:extLst>
+          </p:cNvPr>
+          <p:cNvPicPr>
+            <a:picLocks noChangeAspect="1" noChangeArrowheads="1"/>
+          </p:cNvPicPr>
+          <p:nvPr/>
+        </p:nvPicPr>
+        <p:blipFill>
+          <a:blip r:embed="rId2">
+            <a:extLst>
+              <a:ext uri="{28A0092B-C50C-407E-A947-70E740481C1C}">
+                <a14:useLocalDpi xmlns:a14="http://schemas.microsoft.com/office/drawing/2010/main" val="0"/>
+              </a:ext>
+            </a:extLst>
+          </a:blip>
+          <a:srcRect/>
+          <a:stretch>
+            <a:fillRect/>
+          </a:stretch>
+        </p:blipFill>
+        <p:spPr bwMode="auto">
+          <a:xfrm>
+            <a:off x="5779638" y="4665818"/>
+            <a:ext cx="4606954" cy="1595341"/>
+          </a:xfrm>
+          <a:prstGeom prst="rect">
+            <a:avLst/>
+          </a:prstGeom>
+          <a:noFill/>
+          <a:extLst>
+            <a:ext uri="{909E8E84-426E-40DD-AFC4-6F175D3DCCD1}">
+              <a14:hiddenFill xmlns:a14="http://schemas.microsoft.com/office/drawing/2010/main">
+                <a:solidFill>
+                  <a:srgbClr val="FFFFFF"/>
+                </a:solidFill>
+              </a14:hiddenFill>
+            </a:ext>
+          </a:extLst>
+        </p:spPr>
+      </p:pic>
+    </p:spTree>
+    <p:extLst>
+      <p:ext uri="{BB962C8B-B14F-4D97-AF65-F5344CB8AC3E}">
+        <p14:creationId xmlns:p14="http://schemas.microsoft.com/office/powerpoint/2010/main" val="3311985377"/>
+      </p:ext>
+    </p:extLst>
+  </p:cSld>
+  <p:clrMapOvr>
+    <a:masterClrMapping/>
+  </p:clrMapOvr>
+</p:sld>
+</file>
+
+<file path=ppt/slides/slide8.xml><?xml version="1.0" encoding="utf-8"?>
+<p:sld xmlns:a="http://schemas.openxmlformats.org/drawingml/2006/main" xmlns:r="http://schemas.openxmlformats.org/officeDocument/2006/relationships" xmlns:p="http://schemas.openxmlformats.org/presentationml/2006/main">
+  <p:cSld>
+    <p:spTree>
+      <p:nvGrpSpPr>
+        <p:cNvPr id="1" name=""/>
+        <p:cNvGrpSpPr/>
+        <p:nvPr/>
+      </p:nvGrpSpPr>
+      <p:grpSpPr>
+        <a:xfrm>
+          <a:off x="0" y="0"/>
+          <a:ext cx="0" cy="0"/>
+          <a:chOff x="0" y="0"/>
+          <a:chExt cx="0" cy="0"/>
+        </a:xfrm>
+      </p:grpSpPr>
+      <p:sp>
+        <p:nvSpPr>
+          <p:cNvPr id="2" name="Title 1">
+            <a:extLst>
+              <a:ext uri="{FF2B5EF4-FFF2-40B4-BE49-F238E27FC236}">
+                <a16:creationId xmlns:a16="http://schemas.microsoft.com/office/drawing/2014/main" id="{342581AA-E8EC-AF13-EE50-A23B8E717FFF}"/>
+              </a:ext>
+            </a:extLst>
+          </p:cNvPr>
+          <p:cNvSpPr>
+            <a:spLocks noGrp="1"/>
+          </p:cNvSpPr>
+          <p:nvPr>
+            <p:ph type="title"/>
+          </p:nvPr>
+        </p:nvSpPr>
+        <p:spPr/>
+        <p:txBody>
+          <a:bodyPr/>
+          <a:lstStyle/>
+          <a:p>
+            <a:pPr algn="ctr"/>
+            <a:r>
+              <a:rPr lang="sk-SK" dirty="0"/>
+              <a:t>AMD Pre rekreáciu</a:t>
+            </a:r>
+            <a:endParaRPr lang="en-US" dirty="0"/>
+          </a:p>
+        </p:txBody>
+      </p:sp>
+      <p:sp>
+        <p:nvSpPr>
+          <p:cNvPr id="3" name="Slide Number Placeholder 2">
+            <a:extLst>
+              <a:ext uri="{FF2B5EF4-FFF2-40B4-BE49-F238E27FC236}">
+                <a16:creationId xmlns:a16="http://schemas.microsoft.com/office/drawing/2014/main" id="{A3A6E175-00D2-4F5D-36D4-7335E0480289}"/>
+              </a:ext>
+            </a:extLst>
+          </p:cNvPr>
+          <p:cNvSpPr>
+            <a:spLocks noGrp="1"/>
+          </p:cNvSpPr>
+          <p:nvPr>
+            <p:ph type="sldNum" sz="quarter" idx="12"/>
+          </p:nvPr>
+        </p:nvSpPr>
+        <p:spPr/>
+        <p:txBody>
+          <a:bodyPr/>
+          <a:lstStyle/>
+          <a:p>
+            <a:fld id="{B5CEABB6-07DC-46E8-9B57-56EC44A396E5}" type="slidenum">
+              <a:rPr lang="en-US" smtClean="0"/>
+              <a:pPr/>
+              <a:t>8</a:t>
+            </a:fld>
+            <a:endParaRPr lang="en-US" dirty="0"/>
+          </a:p>
+        </p:txBody>
+      </p:sp>
+      <p:sp>
+        <p:nvSpPr>
+          <p:cNvPr id="4" name="Content Placeholder 3">
+            <a:extLst>
+              <a:ext uri="{FF2B5EF4-FFF2-40B4-BE49-F238E27FC236}">
+                <a16:creationId xmlns:a16="http://schemas.microsoft.com/office/drawing/2014/main" id="{D180E11E-7D60-2117-1CEB-AB9785423A5C}"/>
+              </a:ext>
+            </a:extLst>
+          </p:cNvPr>
+          <p:cNvSpPr>
+            <a:spLocks noGrp="1"/>
+          </p:cNvSpPr>
+          <p:nvPr>
+            <p:ph sz="half" idx="14"/>
+          </p:nvPr>
+        </p:nvSpPr>
+        <p:spPr>
+          <a:xfrm>
+            <a:off x="771736" y="1743858"/>
+            <a:ext cx="4515035" cy="3505200"/>
+          </a:xfrm>
+        </p:spPr>
+        <p:txBody>
+          <a:bodyPr>
+            <a:normAutofit fontScale="92500"/>
+          </a:bodyPr>
+          <a:lstStyle/>
+          <a:p>
+            <a:pPr algn="ctr"/>
+            <a:r>
+              <a:rPr lang="sk-SK" b="1" dirty="0" err="1"/>
+              <a:t>Raden</a:t>
+            </a:r>
+            <a:r>
+              <a:rPr lang="sk-SK" b="1" dirty="0"/>
+              <a:t> RX </a:t>
+            </a:r>
+            <a:r>
+              <a:rPr lang="sk-SK" b="1" dirty="0" err="1"/>
+              <a:t>Series</a:t>
+            </a:r>
+            <a:endParaRPr lang="sk-SK" b="1" dirty="0"/>
+          </a:p>
+          <a:p>
+            <a:r>
+              <a:rPr lang="sk-SK" dirty="0"/>
+              <a:t>Označované s </a:t>
+            </a:r>
+            <a:r>
+              <a:rPr lang="sk-SK" dirty="0" err="1"/>
+              <a:t>Radeon</a:t>
+            </a:r>
+            <a:r>
+              <a:rPr lang="sk-SK" dirty="0"/>
+              <a:t> RX nálepkou pri logu</a:t>
+            </a:r>
+          </a:p>
+          <a:p>
+            <a:r>
+              <a:rPr lang="sk-SK" dirty="0"/>
+              <a:t>Výkon sa meria podľa série čo sú prvé dve čísla a modelom posledné dve čísla sú model</a:t>
+            </a:r>
+          </a:p>
+          <a:p>
+            <a:r>
+              <a:rPr lang="sk-SK" dirty="0"/>
+              <a:t>Napríklad </a:t>
+            </a:r>
+            <a:r>
+              <a:rPr lang="sk-SK" dirty="0" err="1"/>
+              <a:t>Radeon</a:t>
+            </a:r>
+            <a:r>
+              <a:rPr lang="sk-SK" dirty="0"/>
+              <a:t> RX 6700 XT</a:t>
+            </a:r>
+          </a:p>
+          <a:p>
+            <a:r>
+              <a:rPr lang="sk-SK" dirty="0"/>
+              <a:t>Existujú aj extra verzie ako XT a XTX, tieto verziu sú lepšie ako základná verzia</a:t>
+            </a:r>
+          </a:p>
+          <a:p>
+            <a:r>
+              <a:rPr lang="sk-SK" dirty="0"/>
+              <a:t>Napríklad </a:t>
+            </a:r>
+            <a:r>
+              <a:rPr lang="sk-SK" dirty="0" err="1"/>
+              <a:t>Radeon</a:t>
+            </a:r>
+            <a:r>
+              <a:rPr lang="sk-SK" dirty="0"/>
+              <a:t> RX 6800 XT</a:t>
+            </a:r>
+          </a:p>
+          <a:p>
+            <a:endParaRPr lang="en-US" dirty="0"/>
+          </a:p>
+        </p:txBody>
+      </p:sp>
+      <p:sp>
+        <p:nvSpPr>
+          <p:cNvPr id="5" name="Content Placeholder 4">
+            <a:extLst>
+              <a:ext uri="{FF2B5EF4-FFF2-40B4-BE49-F238E27FC236}">
+                <a16:creationId xmlns:a16="http://schemas.microsoft.com/office/drawing/2014/main" id="{01562584-B5B1-4155-F4C6-7C6B1D52BDD7}"/>
+              </a:ext>
+            </a:extLst>
+          </p:cNvPr>
+          <p:cNvSpPr>
+            <a:spLocks noGrp="1"/>
+          </p:cNvSpPr>
+          <p:nvPr>
+            <p:ph sz="half" idx="15"/>
+          </p:nvPr>
+        </p:nvSpPr>
+        <p:spPr>
+          <a:xfrm>
+            <a:off x="5645989" y="1743858"/>
+            <a:ext cx="4515035" cy="3505200"/>
+          </a:xfrm>
+        </p:spPr>
+        <p:txBody>
+          <a:bodyPr>
+            <a:noAutofit/>
+          </a:bodyPr>
+          <a:lstStyle/>
+          <a:p>
+            <a:pPr algn="ctr"/>
+            <a:r>
+              <a:rPr lang="sk-SK" sz="1700" b="1" dirty="0"/>
+              <a:t>Exkluzívne funkcie</a:t>
+            </a:r>
+            <a:endParaRPr lang="sk-SK" sz="1700" dirty="0"/>
+          </a:p>
+          <a:p>
+            <a:r>
+              <a:rPr lang="sk-SK" sz="1700" dirty="0" err="1"/>
+              <a:t>FidelityFX</a:t>
+            </a:r>
+            <a:r>
+              <a:rPr lang="sk-SK" sz="1700" dirty="0"/>
+              <a:t> Super </a:t>
+            </a:r>
+            <a:r>
+              <a:rPr lang="sk-SK" sz="1700" dirty="0" err="1"/>
+              <a:t>Resolution</a:t>
+            </a:r>
+            <a:r>
+              <a:rPr lang="sk-SK" sz="1700" dirty="0"/>
+              <a:t> (FSR):</a:t>
+            </a:r>
+          </a:p>
+          <a:p>
+            <a:r>
+              <a:rPr lang="sk-SK" sz="1700" dirty="0"/>
+              <a:t>- Technológia pre zvýšenie rozlíšenia a výkonu.</a:t>
+            </a:r>
+          </a:p>
+          <a:p>
+            <a:r>
+              <a:rPr lang="sk-SK" sz="1700" dirty="0"/>
+              <a:t>- Zlepšuje vizuálnu kvalitu v hrách s menším dopadom na výkon.</a:t>
+            </a:r>
+          </a:p>
+          <a:p>
+            <a:r>
+              <a:rPr lang="sk-SK" sz="1700" dirty="0" err="1"/>
+              <a:t>Radeon</a:t>
+            </a:r>
+            <a:r>
+              <a:rPr lang="sk-SK" sz="1700" dirty="0"/>
+              <a:t> </a:t>
+            </a:r>
+            <a:r>
+              <a:rPr lang="sk-SK" sz="1700" dirty="0" err="1"/>
+              <a:t>Anti-Lag</a:t>
+            </a:r>
+            <a:r>
+              <a:rPr lang="sk-SK" sz="1700" dirty="0"/>
+              <a:t>:</a:t>
+            </a:r>
+          </a:p>
+          <a:p>
+            <a:r>
+              <a:rPr lang="sk-SK" sz="1700" dirty="0"/>
+              <a:t>- Minimalizuje oneskorenie po stlačení klávesov, čo je ideálne pre konkurenčné hranie.</a:t>
+            </a:r>
+          </a:p>
+        </p:txBody>
+      </p:sp>
+    </p:spTree>
+    <p:extLst>
+      <p:ext uri="{BB962C8B-B14F-4D97-AF65-F5344CB8AC3E}">
+        <p14:creationId xmlns:p14="http://schemas.microsoft.com/office/powerpoint/2010/main" val="781952838"/>
       </p:ext>
     </p:extLst>
   </p:cSld>
@@ -23240,10 +24669,10 @@
       </p:grpSpPr>
       <p:sp>
         <p:nvSpPr>
-          <p:cNvPr id="2" name="Title 1">
+          <p:cNvPr id="4" name="Content Placeholder 3">
             <a:extLst>
               <a:ext uri="{FF2B5EF4-FFF2-40B4-BE49-F238E27FC236}">
-                <a16:creationId xmlns:a16="http://schemas.microsoft.com/office/drawing/2014/main" id="{E4514548-964F-EA57-153C-757BEF6677ED}"/>
+                <a16:creationId xmlns:a16="http://schemas.microsoft.com/office/drawing/2014/main" id="{5956B914-DD39-AE88-7BAA-CC371BFBFB21}"/>
               </a:ext>
             </a:extLst>
           </p:cNvPr>
@@ -23251,19 +24680,92 @@
             <a:spLocks noGrp="1"/>
           </p:cNvSpPr>
           <p:nvPr>
-            <p:ph type="title"/>
+            <p:ph type="body" sz="quarter" idx="14"/>
           </p:nvPr>
         </p:nvSpPr>
-        <p:spPr/>
+        <p:spPr>
+          <a:xfrm>
+            <a:off x="8696325" y="1428640"/>
+            <a:ext cx="3286124" cy="5269590"/>
+          </a:xfrm>
+        </p:spPr>
         <p:txBody>
-          <a:bodyPr/>
+          <a:bodyPr>
+            <a:normAutofit/>
+          </a:bodyPr>
           <a:lstStyle/>
           <a:p>
+            <a:pPr marL="0" indent="0" algn="ctr">
+              <a:buNone/>
+            </a:pPr>
             <a:r>
               <a:rPr lang="sk-SK" dirty="0"/>
-              <a:t>AMD</a:t>
-            </a:r>
-            <a:endParaRPr lang="en-US" dirty="0"/>
+              <a:t>Porovnanie od IGN </a:t>
+            </a:r>
+          </a:p>
+          <a:p>
+            <a:pPr marL="0" indent="0" algn="ctr">
+              <a:buNone/>
+            </a:pPr>
+            <a:r>
+              <a:rPr lang="sk-SK" dirty="0"/>
+              <a:t>RTX 3080 od </a:t>
+            </a:r>
+            <a:r>
+              <a:rPr lang="sk-SK" dirty="0" err="1"/>
+              <a:t>Nvidia</a:t>
+            </a:r>
+            <a:endParaRPr lang="sk-SK" dirty="0"/>
+          </a:p>
+          <a:p>
+            <a:pPr marL="0" indent="0" algn="ctr">
+              <a:buNone/>
+            </a:pPr>
+            <a:r>
+              <a:rPr lang="sk-SK" dirty="0"/>
+              <a:t>A</a:t>
+            </a:r>
+          </a:p>
+          <a:p>
+            <a:pPr marL="0" indent="0" algn="ctr">
+              <a:buNone/>
+            </a:pPr>
+            <a:r>
+              <a:rPr lang="sk-SK" dirty="0"/>
+              <a:t>RX 6800 XT od AMD</a:t>
+            </a:r>
+          </a:p>
+          <a:p>
+            <a:pPr marL="0" indent="0">
+              <a:buNone/>
+            </a:pPr>
+            <a:endParaRPr lang="sk-SK" dirty="0"/>
+          </a:p>
+          <a:p>
+            <a:pPr marL="0" indent="0">
+              <a:buNone/>
+            </a:pPr>
+            <a:r>
+              <a:rPr lang="sk-SK" dirty="0"/>
+              <a:t>V tomto grafe je znázornené koľko FPS (</a:t>
+            </a:r>
+            <a:r>
+              <a:rPr lang="sk-SK" dirty="0" err="1"/>
+              <a:t>snímkov</a:t>
+            </a:r>
+            <a:r>
+              <a:rPr lang="sk-SK" dirty="0"/>
+              <a:t> za sekundu) dokáže ktorá karta vyobraziť</a:t>
+            </a:r>
+          </a:p>
+          <a:p>
+            <a:pPr marL="0" indent="0">
+              <a:buNone/>
+            </a:pPr>
+            <a:r>
+              <a:rPr lang="sk-SK" dirty="0"/>
+              <a:t>Zároveň je aj ukázané že RX 6800 XT od AMD má skoro rovnaký výkon pod menším elektrickým napätím</a:t>
+            </a:r>
           </a:p>
         </p:txBody>
       </p:sp>
@@ -23272,7 +24774,7 @@
           <p:cNvPr id="3" name="Slide Number Placeholder 2">
             <a:extLst>
               <a:ext uri="{FF2B5EF4-FFF2-40B4-BE49-F238E27FC236}">
-                <a16:creationId xmlns:a16="http://schemas.microsoft.com/office/drawing/2014/main" id="{628DBE1C-B529-58B1-BF98-806B3CC2BAD2}"/>
+                <a16:creationId xmlns:a16="http://schemas.microsoft.com/office/drawing/2014/main" id="{7EA55A0B-7C7C-5E0B-B445-63708ECE559F}"/>
               </a:ext>
             </a:extLst>
           </p:cNvPr>
@@ -23283,77 +24785,68 @@
             <p:ph type="sldNum" sz="quarter" idx="12"/>
           </p:nvPr>
         </p:nvSpPr>
-        <p:spPr/>
+        <p:spPr>
+          <a:xfrm>
+            <a:off x="11123295" y="6356350"/>
+            <a:ext cx="457200" cy="365125"/>
+          </a:xfrm>
+        </p:spPr>
         <p:txBody>
-          <a:bodyPr/>
+          <a:bodyPr anchor="ctr">
+            <a:normAutofit/>
+          </a:bodyPr>
           <a:lstStyle/>
           <a:p>
+            <a:pPr>
+              <a:spcAft>
+                <a:spcPts val="600"/>
+              </a:spcAft>
+            </a:pPr>
             <a:fld id="{B5CEABB6-07DC-46E8-9B57-56EC44A396E5}" type="slidenum">
               <a:rPr lang="en-US" smtClean="0"/>
-              <a:pPr/>
+              <a:pPr>
+                <a:spcAft>
+                  <a:spcPts val="600"/>
+                </a:spcAft>
+              </a:pPr>
               <a:t>9</a:t>
             </a:fld>
-            <a:endParaRPr lang="en-US" dirty="0"/>
+            <a:endParaRPr lang="en-US"/>
           </a:p>
         </p:txBody>
       </p:sp>
-      <p:sp>
-        <p:nvSpPr>
-          <p:cNvPr id="4" name="Content Placeholder 3">
+      <p:graphicFrame>
+        <p:nvGraphicFramePr>
+          <p:cNvPr id="14" name="Chart 13">
             <a:extLst>
               <a:ext uri="{FF2B5EF4-FFF2-40B4-BE49-F238E27FC236}">
-                <a16:creationId xmlns:a16="http://schemas.microsoft.com/office/drawing/2014/main" id="{000FFC73-C765-3D84-12A9-1B30C1BBE60F}"/>
+                <a16:creationId xmlns:a16="http://schemas.microsoft.com/office/drawing/2014/main" id="{AFD39437-EED1-75BD-5F53-834A778AED0E}"/>
               </a:ext>
             </a:extLst>
           </p:cNvPr>
-          <p:cNvSpPr>
-            <a:spLocks noGrp="1"/>
-          </p:cNvSpPr>
+          <p:cNvGraphicFramePr/>
           <p:nvPr>
-            <p:ph sz="half" idx="14"/>
+            <p:extLst>
+              <p:ext uri="{D42A27DB-BD31-4B8C-83A1-F6EECF244321}">
+                <p14:modId xmlns:p14="http://schemas.microsoft.com/office/powerpoint/2010/main" val="731246097"/>
+              </p:ext>
+            </p:extLst>
           </p:nvPr>
-        </p:nvSpPr>
-        <p:spPr/>
-        <p:txBody>
-          <a:bodyPr/>
-          <a:lstStyle/>
-          <a:p>
-            <a:r>
-              <a:rPr lang="sk-SK" dirty="0"/>
-              <a:t>Zvýraznite kľúčové modely a ich postavenie na trhu (napr. RX 6700 XT, RX 6900 XT pre </a:t>
-            </a:r>
-            <a:r>
-              <a:rPr lang="sk-SK" dirty="0" err="1"/>
-              <a:t>high</a:t>
-            </a:r>
-            <a:r>
-              <a:rPr lang="sk-SK" dirty="0"/>
-              <a:t>-end).Stručne popísať exkluzívne funkcie (</a:t>
-            </a:r>
-            <a:r>
-              <a:rPr lang="sk-SK" dirty="0" err="1"/>
-              <a:t>FidelityFX</a:t>
-            </a:r>
-            <a:r>
-              <a:rPr lang="sk-SK" dirty="0"/>
-              <a:t>, </a:t>
-            </a:r>
-            <a:r>
-              <a:rPr lang="sk-SK" dirty="0" err="1"/>
-              <a:t>FreeSync</a:t>
-            </a:r>
-            <a:r>
-              <a:rPr lang="sk-SK" dirty="0"/>
-              <a:t> atď.).</a:t>
-            </a:r>
-            <a:endParaRPr lang="en-US" dirty="0"/>
-          </a:p>
-        </p:txBody>
-      </p:sp>
+        </p:nvGraphicFramePr>
+        <p:xfrm>
+          <a:off x="1184275" y="925661"/>
+          <a:ext cx="7512050" cy="5932339"/>
+        </p:xfrm>
+        <a:graphic>
+          <a:graphicData uri="http://schemas.openxmlformats.org/drawingml/2006/chart">
+            <c:chart xmlns:c="http://schemas.openxmlformats.org/drawingml/2006/chart" xmlns:r="http://schemas.openxmlformats.org/officeDocument/2006/relationships" r:id="rId2"/>
+          </a:graphicData>
+        </a:graphic>
+      </p:graphicFrame>
     </p:spTree>
     <p:extLst>
       <p:ext uri="{BB962C8B-B14F-4D97-AF65-F5344CB8AC3E}">
-        <p14:creationId xmlns:p14="http://schemas.microsoft.com/office/powerpoint/2010/main" val="1624298508"/>
+        <p14:creationId xmlns:p14="http://schemas.microsoft.com/office/powerpoint/2010/main" val="717518750"/>
       </p:ext>
     </p:extLst>
   </p:cSld>
